--- a/module2/ppt/Python Scripting.pptx
+++ b/module2/ppt/Python Scripting.pptx
@@ -5,7 +5,7 @@
     <p:sldMasterId id="2147483670" r:id="rId1"/>
   </p:sldMasterIdLst>
   <p:notesMasterIdLst>
-    <p:notesMasterId r:id="rId33"/>
+    <p:notesMasterId r:id="rId44"/>
   </p:notesMasterIdLst>
   <p:sldIdLst>
     <p:sldId id="256" r:id="rId2"/>
@@ -30,35 +30,46 @@
     <p:sldId id="359" r:id="rId21"/>
     <p:sldId id="360" r:id="rId22"/>
     <p:sldId id="361" r:id="rId23"/>
-    <p:sldId id="344" r:id="rId24"/>
-    <p:sldId id="343" r:id="rId25"/>
-    <p:sldId id="338" r:id="rId26"/>
-    <p:sldId id="339" r:id="rId27"/>
-    <p:sldId id="340" r:id="rId28"/>
-    <p:sldId id="341" r:id="rId29"/>
-    <p:sldId id="271" r:id="rId30"/>
-    <p:sldId id="327" r:id="rId31"/>
-    <p:sldId id="308" r:id="rId32"/>
+    <p:sldId id="365" r:id="rId24"/>
+    <p:sldId id="362" r:id="rId25"/>
+    <p:sldId id="344" r:id="rId26"/>
+    <p:sldId id="363" r:id="rId27"/>
+    <p:sldId id="364" r:id="rId28"/>
+    <p:sldId id="343" r:id="rId29"/>
+    <p:sldId id="338" r:id="rId30"/>
+    <p:sldId id="366" r:id="rId31"/>
+    <p:sldId id="367" r:id="rId32"/>
+    <p:sldId id="368" r:id="rId33"/>
+    <p:sldId id="369" r:id="rId34"/>
+    <p:sldId id="370" r:id="rId35"/>
+    <p:sldId id="371" r:id="rId36"/>
+    <p:sldId id="372" r:id="rId37"/>
+    <p:sldId id="339" r:id="rId38"/>
+    <p:sldId id="340" r:id="rId39"/>
+    <p:sldId id="341" r:id="rId40"/>
+    <p:sldId id="271" r:id="rId41"/>
+    <p:sldId id="327" r:id="rId42"/>
+    <p:sldId id="308" r:id="rId43"/>
   </p:sldIdLst>
   <p:sldSz cx="9144000" cy="5143500" type="screen16x9"/>
   <p:notesSz cx="6858000" cy="9144000"/>
   <p:embeddedFontLst>
     <p:embeddedFont>
-      <p:font typeface="Microsoft YaHei" panose="020B0503020204020204" pitchFamily="34" charset="-122"/>
-      <p:regular r:id="rId34"/>
-      <p:bold r:id="rId35"/>
-    </p:embeddedFont>
-    <p:embeddedFont>
       <p:font typeface="Montserrat" panose="00000500000000000000" pitchFamily="50" charset="0"/>
-      <p:regular r:id="rId36"/>
-      <p:bold r:id="rId37"/>
-      <p:italic r:id="rId38"/>
-      <p:boldItalic r:id="rId39"/>
+      <p:regular r:id="rId45"/>
+      <p:bold r:id="rId46"/>
+      <p:italic r:id="rId47"/>
+      <p:boldItalic r:id="rId48"/>
     </p:embeddedFont>
     <p:embeddedFont>
       <p:font typeface="Sarala" panose="020B0604020202020204" charset="0"/>
-      <p:regular r:id="rId40"/>
-      <p:bold r:id="rId41"/>
+      <p:regular r:id="rId49"/>
+      <p:bold r:id="rId50"/>
+    </p:embeddedFont>
+    <p:embeddedFont>
+      <p:font typeface="Microsoft YaHei" panose="020B0503020204020204" pitchFamily="34" charset="-122"/>
+      <p:regular r:id="rId51"/>
+      <p:bold r:id="rId52"/>
     </p:embeddedFont>
   </p:embeddedFontLst>
   <p:defaultTextStyle>
@@ -2463,7 +2474,7 @@
     </p:spTree>
     <p:extLst>
       <p:ext uri="{BB962C8B-B14F-4D97-AF65-F5344CB8AC3E}">
-        <p14:creationId xmlns:p14="http://schemas.microsoft.com/office/powerpoint/2010/main" val="3346531820"/>
+        <p14:creationId xmlns:p14="http://schemas.microsoft.com/office/powerpoint/2010/main" val="133347848"/>
       </p:ext>
     </p:extLst>
   </p:cSld>
@@ -2572,7 +2583,7 @@
     </p:spTree>
     <p:extLst>
       <p:ext uri="{BB962C8B-B14F-4D97-AF65-F5344CB8AC3E}">
-        <p14:creationId xmlns:p14="http://schemas.microsoft.com/office/powerpoint/2010/main" val="1098674162"/>
+        <p14:creationId xmlns:p14="http://schemas.microsoft.com/office/powerpoint/2010/main" val="3242337359"/>
       </p:ext>
     </p:extLst>
   </p:cSld>
@@ -2681,7 +2692,7 @@
     </p:spTree>
     <p:extLst>
       <p:ext uri="{BB962C8B-B14F-4D97-AF65-F5344CB8AC3E}">
-        <p14:creationId xmlns:p14="http://schemas.microsoft.com/office/powerpoint/2010/main" val="1212715192"/>
+        <p14:creationId xmlns:p14="http://schemas.microsoft.com/office/powerpoint/2010/main" val="3346531820"/>
       </p:ext>
     </p:extLst>
   </p:cSld>
@@ -2790,7 +2801,7 @@
     </p:spTree>
     <p:extLst>
       <p:ext uri="{BB962C8B-B14F-4D97-AF65-F5344CB8AC3E}">
-        <p14:creationId xmlns:p14="http://schemas.microsoft.com/office/powerpoint/2010/main" val="1829082476"/>
+        <p14:creationId xmlns:p14="http://schemas.microsoft.com/office/powerpoint/2010/main" val="1899759824"/>
       </p:ext>
     </p:extLst>
   </p:cSld>
@@ -2899,7 +2910,7 @@
     </p:spTree>
     <p:extLst>
       <p:ext uri="{BB962C8B-B14F-4D97-AF65-F5344CB8AC3E}">
-        <p14:creationId xmlns:p14="http://schemas.microsoft.com/office/powerpoint/2010/main" val="377897929"/>
+        <p14:creationId xmlns:p14="http://schemas.microsoft.com/office/powerpoint/2010/main" val="1117021069"/>
       </p:ext>
     </p:extLst>
   </p:cSld>
@@ -3008,7 +3019,7 @@
     </p:spTree>
     <p:extLst>
       <p:ext uri="{BB962C8B-B14F-4D97-AF65-F5344CB8AC3E}">
-        <p14:creationId xmlns:p14="http://schemas.microsoft.com/office/powerpoint/2010/main" val="1985587479"/>
+        <p14:creationId xmlns:p14="http://schemas.microsoft.com/office/powerpoint/2010/main" val="1098674162"/>
       </p:ext>
     </p:extLst>
   </p:cSld>
@@ -3117,7 +3128,7 @@
     </p:spTree>
     <p:extLst>
       <p:ext uri="{BB962C8B-B14F-4D97-AF65-F5344CB8AC3E}">
-        <p14:creationId xmlns:p14="http://schemas.microsoft.com/office/powerpoint/2010/main" val="461361457"/>
+        <p14:creationId xmlns:p14="http://schemas.microsoft.com/office/powerpoint/2010/main" val="1212715192"/>
       </p:ext>
     </p:extLst>
   </p:cSld>
@@ -3330,7 +3341,988 @@
     </p:spTree>
     <p:extLst>
       <p:ext uri="{BB962C8B-B14F-4D97-AF65-F5344CB8AC3E}">
-        <p14:creationId xmlns:p14="http://schemas.microsoft.com/office/powerpoint/2010/main" val="3909951723"/>
+        <p14:creationId xmlns:p14="http://schemas.microsoft.com/office/powerpoint/2010/main" val="3768310212"/>
+      </p:ext>
+    </p:extLst>
+  </p:cSld>
+  <p:clrMapOvr>
+    <a:masterClrMapping/>
+  </p:clrMapOvr>
+</p:notes>
+</file>
+
+<file path=ppt/notesSlides/notesSlide31.xml><?xml version="1.0" encoding="utf-8"?>
+<p:notes xmlns:a="http://schemas.openxmlformats.org/drawingml/2006/main" xmlns:r="http://schemas.openxmlformats.org/officeDocument/2006/relationships" xmlns:p="http://schemas.openxmlformats.org/presentationml/2006/main" showMasterSp="0" showMasterPhAnim="0">
+  <p:cSld>
+    <p:spTree>
+      <p:nvGrpSpPr>
+        <p:cNvPr id="1" name="Shape 225"/>
+        <p:cNvGrpSpPr/>
+        <p:nvPr/>
+      </p:nvGrpSpPr>
+      <p:grpSpPr>
+        <a:xfrm>
+          <a:off x="0" y="0"/>
+          <a:ext cx="0" cy="0"/>
+          <a:chOff x="0" y="0"/>
+          <a:chExt cx="0" cy="0"/>
+        </a:xfrm>
+      </p:grpSpPr>
+      <p:sp>
+        <p:nvSpPr>
+          <p:cNvPr id="226" name="Google Shape;226;g70e3186832_0_7:notes"/>
+          <p:cNvSpPr>
+            <a:spLocks noGrp="1" noRot="1" noChangeAspect="1"/>
+          </p:cNvSpPr>
+          <p:nvPr>
+            <p:ph type="sldImg" idx="2"/>
+          </p:nvPr>
+        </p:nvSpPr>
+        <p:spPr>
+          <a:xfrm>
+            <a:off x="381000" y="685800"/>
+            <a:ext cx="6096000" cy="3429000"/>
+          </a:xfrm>
+          <a:custGeom>
+            <a:avLst/>
+            <a:gdLst/>
+            <a:ahLst/>
+            <a:cxnLst/>
+            <a:rect l="l" t="t" r="r" b="b"/>
+            <a:pathLst>
+              <a:path w="120000" h="120000" extrusionOk="0">
+                <a:moveTo>
+                  <a:pt x="0" y="0"/>
+                </a:moveTo>
+                <a:lnTo>
+                  <a:pt x="120000" y="0"/>
+                </a:lnTo>
+                <a:lnTo>
+                  <a:pt x="120000" y="120000"/>
+                </a:lnTo>
+                <a:lnTo>
+                  <a:pt x="0" y="120000"/>
+                </a:lnTo>
+                <a:close/>
+              </a:path>
+            </a:pathLst>
+          </a:custGeom>
+        </p:spPr>
+      </p:sp>
+      <p:sp>
+        <p:nvSpPr>
+          <p:cNvPr id="227" name="Google Shape;227;g70e3186832_0_7:notes"/>
+          <p:cNvSpPr txBox="1">
+            <a:spLocks noGrp="1"/>
+          </p:cNvSpPr>
+          <p:nvPr>
+            <p:ph type="body" idx="1"/>
+          </p:nvPr>
+        </p:nvSpPr>
+        <p:spPr>
+          <a:xfrm>
+            <a:off x="685800" y="4343400"/>
+            <a:ext cx="5486400" cy="4114800"/>
+          </a:xfrm>
+          <a:prstGeom prst="rect">
+            <a:avLst/>
+          </a:prstGeom>
+        </p:spPr>
+        <p:txBody>
+          <a:bodyPr spcFirstLastPara="1" wrap="square" lIns="91425" tIns="91425" rIns="91425" bIns="91425" anchor="t" anchorCtr="0">
+            <a:noAutofit/>
+          </a:bodyPr>
+          <a:lstStyle/>
+          <a:p>
+            <a:pPr marL="0" lvl="0" indent="0" algn="l" rtl="0">
+              <a:spcBef>
+                <a:spcPts val="0"/>
+              </a:spcBef>
+              <a:spcAft>
+                <a:spcPts val="0"/>
+              </a:spcAft>
+              <a:buNone/>
+            </a:pPr>
+            <a:endParaRPr/>
+          </a:p>
+        </p:txBody>
+      </p:sp>
+    </p:spTree>
+    <p:extLst>
+      <p:ext uri="{BB962C8B-B14F-4D97-AF65-F5344CB8AC3E}">
+        <p14:creationId xmlns:p14="http://schemas.microsoft.com/office/powerpoint/2010/main" val="3666172439"/>
+      </p:ext>
+    </p:extLst>
+  </p:cSld>
+  <p:clrMapOvr>
+    <a:masterClrMapping/>
+  </p:clrMapOvr>
+</p:notes>
+</file>
+
+<file path=ppt/notesSlides/notesSlide32.xml><?xml version="1.0" encoding="utf-8"?>
+<p:notes xmlns:a="http://schemas.openxmlformats.org/drawingml/2006/main" xmlns:r="http://schemas.openxmlformats.org/officeDocument/2006/relationships" xmlns:p="http://schemas.openxmlformats.org/presentationml/2006/main" showMasterSp="0" showMasterPhAnim="0">
+  <p:cSld>
+    <p:spTree>
+      <p:nvGrpSpPr>
+        <p:cNvPr id="1" name="Shape 225"/>
+        <p:cNvGrpSpPr/>
+        <p:nvPr/>
+      </p:nvGrpSpPr>
+      <p:grpSpPr>
+        <a:xfrm>
+          <a:off x="0" y="0"/>
+          <a:ext cx="0" cy="0"/>
+          <a:chOff x="0" y="0"/>
+          <a:chExt cx="0" cy="0"/>
+        </a:xfrm>
+      </p:grpSpPr>
+      <p:sp>
+        <p:nvSpPr>
+          <p:cNvPr id="226" name="Google Shape;226;g70e3186832_0_7:notes"/>
+          <p:cNvSpPr>
+            <a:spLocks noGrp="1" noRot="1" noChangeAspect="1"/>
+          </p:cNvSpPr>
+          <p:nvPr>
+            <p:ph type="sldImg" idx="2"/>
+          </p:nvPr>
+        </p:nvSpPr>
+        <p:spPr>
+          <a:xfrm>
+            <a:off x="381000" y="685800"/>
+            <a:ext cx="6096000" cy="3429000"/>
+          </a:xfrm>
+          <a:custGeom>
+            <a:avLst/>
+            <a:gdLst/>
+            <a:ahLst/>
+            <a:cxnLst/>
+            <a:rect l="l" t="t" r="r" b="b"/>
+            <a:pathLst>
+              <a:path w="120000" h="120000" extrusionOk="0">
+                <a:moveTo>
+                  <a:pt x="0" y="0"/>
+                </a:moveTo>
+                <a:lnTo>
+                  <a:pt x="120000" y="0"/>
+                </a:lnTo>
+                <a:lnTo>
+                  <a:pt x="120000" y="120000"/>
+                </a:lnTo>
+                <a:lnTo>
+                  <a:pt x="0" y="120000"/>
+                </a:lnTo>
+                <a:close/>
+              </a:path>
+            </a:pathLst>
+          </a:custGeom>
+        </p:spPr>
+      </p:sp>
+      <p:sp>
+        <p:nvSpPr>
+          <p:cNvPr id="227" name="Google Shape;227;g70e3186832_0_7:notes"/>
+          <p:cNvSpPr txBox="1">
+            <a:spLocks noGrp="1"/>
+          </p:cNvSpPr>
+          <p:nvPr>
+            <p:ph type="body" idx="1"/>
+          </p:nvPr>
+        </p:nvSpPr>
+        <p:spPr>
+          <a:xfrm>
+            <a:off x="685800" y="4343400"/>
+            <a:ext cx="5486400" cy="4114800"/>
+          </a:xfrm>
+          <a:prstGeom prst="rect">
+            <a:avLst/>
+          </a:prstGeom>
+        </p:spPr>
+        <p:txBody>
+          <a:bodyPr spcFirstLastPara="1" wrap="square" lIns="91425" tIns="91425" rIns="91425" bIns="91425" anchor="t" anchorCtr="0">
+            <a:noAutofit/>
+          </a:bodyPr>
+          <a:lstStyle/>
+          <a:p>
+            <a:pPr marL="0" lvl="0" indent="0" algn="l" rtl="0">
+              <a:spcBef>
+                <a:spcPts val="0"/>
+              </a:spcBef>
+              <a:spcAft>
+                <a:spcPts val="0"/>
+              </a:spcAft>
+              <a:buNone/>
+            </a:pPr>
+            <a:endParaRPr/>
+          </a:p>
+        </p:txBody>
+      </p:sp>
+    </p:spTree>
+    <p:extLst>
+      <p:ext uri="{BB962C8B-B14F-4D97-AF65-F5344CB8AC3E}">
+        <p14:creationId xmlns:p14="http://schemas.microsoft.com/office/powerpoint/2010/main" val="2913684333"/>
+      </p:ext>
+    </p:extLst>
+  </p:cSld>
+  <p:clrMapOvr>
+    <a:masterClrMapping/>
+  </p:clrMapOvr>
+</p:notes>
+</file>
+
+<file path=ppt/notesSlides/notesSlide33.xml><?xml version="1.0" encoding="utf-8"?>
+<p:notes xmlns:a="http://schemas.openxmlformats.org/drawingml/2006/main" xmlns:r="http://schemas.openxmlformats.org/officeDocument/2006/relationships" xmlns:p="http://schemas.openxmlformats.org/presentationml/2006/main" showMasterSp="0" showMasterPhAnim="0">
+  <p:cSld>
+    <p:spTree>
+      <p:nvGrpSpPr>
+        <p:cNvPr id="1" name="Shape 225"/>
+        <p:cNvGrpSpPr/>
+        <p:nvPr/>
+      </p:nvGrpSpPr>
+      <p:grpSpPr>
+        <a:xfrm>
+          <a:off x="0" y="0"/>
+          <a:ext cx="0" cy="0"/>
+          <a:chOff x="0" y="0"/>
+          <a:chExt cx="0" cy="0"/>
+        </a:xfrm>
+      </p:grpSpPr>
+      <p:sp>
+        <p:nvSpPr>
+          <p:cNvPr id="226" name="Google Shape;226;g70e3186832_0_7:notes"/>
+          <p:cNvSpPr>
+            <a:spLocks noGrp="1" noRot="1" noChangeAspect="1"/>
+          </p:cNvSpPr>
+          <p:nvPr>
+            <p:ph type="sldImg" idx="2"/>
+          </p:nvPr>
+        </p:nvSpPr>
+        <p:spPr>
+          <a:xfrm>
+            <a:off x="381000" y="685800"/>
+            <a:ext cx="6096000" cy="3429000"/>
+          </a:xfrm>
+          <a:custGeom>
+            <a:avLst/>
+            <a:gdLst/>
+            <a:ahLst/>
+            <a:cxnLst/>
+            <a:rect l="l" t="t" r="r" b="b"/>
+            <a:pathLst>
+              <a:path w="120000" h="120000" extrusionOk="0">
+                <a:moveTo>
+                  <a:pt x="0" y="0"/>
+                </a:moveTo>
+                <a:lnTo>
+                  <a:pt x="120000" y="0"/>
+                </a:lnTo>
+                <a:lnTo>
+                  <a:pt x="120000" y="120000"/>
+                </a:lnTo>
+                <a:lnTo>
+                  <a:pt x="0" y="120000"/>
+                </a:lnTo>
+                <a:close/>
+              </a:path>
+            </a:pathLst>
+          </a:custGeom>
+        </p:spPr>
+      </p:sp>
+      <p:sp>
+        <p:nvSpPr>
+          <p:cNvPr id="227" name="Google Shape;227;g70e3186832_0_7:notes"/>
+          <p:cNvSpPr txBox="1">
+            <a:spLocks noGrp="1"/>
+          </p:cNvSpPr>
+          <p:nvPr>
+            <p:ph type="body" idx="1"/>
+          </p:nvPr>
+        </p:nvSpPr>
+        <p:spPr>
+          <a:xfrm>
+            <a:off x="685800" y="4343400"/>
+            <a:ext cx="5486400" cy="4114800"/>
+          </a:xfrm>
+          <a:prstGeom prst="rect">
+            <a:avLst/>
+          </a:prstGeom>
+        </p:spPr>
+        <p:txBody>
+          <a:bodyPr spcFirstLastPara="1" wrap="square" lIns="91425" tIns="91425" rIns="91425" bIns="91425" anchor="t" anchorCtr="0">
+            <a:noAutofit/>
+          </a:bodyPr>
+          <a:lstStyle/>
+          <a:p>
+            <a:pPr marL="0" lvl="0" indent="0" algn="l" rtl="0">
+              <a:spcBef>
+                <a:spcPts val="0"/>
+              </a:spcBef>
+              <a:spcAft>
+                <a:spcPts val="0"/>
+              </a:spcAft>
+              <a:buNone/>
+            </a:pPr>
+            <a:endParaRPr/>
+          </a:p>
+        </p:txBody>
+      </p:sp>
+    </p:spTree>
+    <p:extLst>
+      <p:ext uri="{BB962C8B-B14F-4D97-AF65-F5344CB8AC3E}">
+        <p14:creationId xmlns:p14="http://schemas.microsoft.com/office/powerpoint/2010/main" val="2282017062"/>
+      </p:ext>
+    </p:extLst>
+  </p:cSld>
+  <p:clrMapOvr>
+    <a:masterClrMapping/>
+  </p:clrMapOvr>
+</p:notes>
+</file>
+
+<file path=ppt/notesSlides/notesSlide34.xml><?xml version="1.0" encoding="utf-8"?>
+<p:notes xmlns:a="http://schemas.openxmlformats.org/drawingml/2006/main" xmlns:r="http://schemas.openxmlformats.org/officeDocument/2006/relationships" xmlns:p="http://schemas.openxmlformats.org/presentationml/2006/main" showMasterSp="0" showMasterPhAnim="0">
+  <p:cSld>
+    <p:spTree>
+      <p:nvGrpSpPr>
+        <p:cNvPr id="1" name="Shape 225"/>
+        <p:cNvGrpSpPr/>
+        <p:nvPr/>
+      </p:nvGrpSpPr>
+      <p:grpSpPr>
+        <a:xfrm>
+          <a:off x="0" y="0"/>
+          <a:ext cx="0" cy="0"/>
+          <a:chOff x="0" y="0"/>
+          <a:chExt cx="0" cy="0"/>
+        </a:xfrm>
+      </p:grpSpPr>
+      <p:sp>
+        <p:nvSpPr>
+          <p:cNvPr id="226" name="Google Shape;226;g70e3186832_0_7:notes"/>
+          <p:cNvSpPr>
+            <a:spLocks noGrp="1" noRot="1" noChangeAspect="1"/>
+          </p:cNvSpPr>
+          <p:nvPr>
+            <p:ph type="sldImg" idx="2"/>
+          </p:nvPr>
+        </p:nvSpPr>
+        <p:spPr>
+          <a:xfrm>
+            <a:off x="381000" y="685800"/>
+            <a:ext cx="6096000" cy="3429000"/>
+          </a:xfrm>
+          <a:custGeom>
+            <a:avLst/>
+            <a:gdLst/>
+            <a:ahLst/>
+            <a:cxnLst/>
+            <a:rect l="l" t="t" r="r" b="b"/>
+            <a:pathLst>
+              <a:path w="120000" h="120000" extrusionOk="0">
+                <a:moveTo>
+                  <a:pt x="0" y="0"/>
+                </a:moveTo>
+                <a:lnTo>
+                  <a:pt x="120000" y="0"/>
+                </a:lnTo>
+                <a:lnTo>
+                  <a:pt x="120000" y="120000"/>
+                </a:lnTo>
+                <a:lnTo>
+                  <a:pt x="0" y="120000"/>
+                </a:lnTo>
+                <a:close/>
+              </a:path>
+            </a:pathLst>
+          </a:custGeom>
+        </p:spPr>
+      </p:sp>
+      <p:sp>
+        <p:nvSpPr>
+          <p:cNvPr id="227" name="Google Shape;227;g70e3186832_0_7:notes"/>
+          <p:cNvSpPr txBox="1">
+            <a:spLocks noGrp="1"/>
+          </p:cNvSpPr>
+          <p:nvPr>
+            <p:ph type="body" idx="1"/>
+          </p:nvPr>
+        </p:nvSpPr>
+        <p:spPr>
+          <a:xfrm>
+            <a:off x="685800" y="4343400"/>
+            <a:ext cx="5486400" cy="4114800"/>
+          </a:xfrm>
+          <a:prstGeom prst="rect">
+            <a:avLst/>
+          </a:prstGeom>
+        </p:spPr>
+        <p:txBody>
+          <a:bodyPr spcFirstLastPara="1" wrap="square" lIns="91425" tIns="91425" rIns="91425" bIns="91425" anchor="t" anchorCtr="0">
+            <a:noAutofit/>
+          </a:bodyPr>
+          <a:lstStyle/>
+          <a:p>
+            <a:pPr marL="0" lvl="0" indent="0" algn="l" rtl="0">
+              <a:spcBef>
+                <a:spcPts val="0"/>
+              </a:spcBef>
+              <a:spcAft>
+                <a:spcPts val="0"/>
+              </a:spcAft>
+              <a:buNone/>
+            </a:pPr>
+            <a:endParaRPr/>
+          </a:p>
+        </p:txBody>
+      </p:sp>
+    </p:spTree>
+    <p:extLst>
+      <p:ext uri="{BB962C8B-B14F-4D97-AF65-F5344CB8AC3E}">
+        <p14:creationId xmlns:p14="http://schemas.microsoft.com/office/powerpoint/2010/main" val="3119585121"/>
+      </p:ext>
+    </p:extLst>
+  </p:cSld>
+  <p:clrMapOvr>
+    <a:masterClrMapping/>
+  </p:clrMapOvr>
+</p:notes>
+</file>
+
+<file path=ppt/notesSlides/notesSlide35.xml><?xml version="1.0" encoding="utf-8"?>
+<p:notes xmlns:a="http://schemas.openxmlformats.org/drawingml/2006/main" xmlns:r="http://schemas.openxmlformats.org/officeDocument/2006/relationships" xmlns:p="http://schemas.openxmlformats.org/presentationml/2006/main" showMasterSp="0" showMasterPhAnim="0">
+  <p:cSld>
+    <p:spTree>
+      <p:nvGrpSpPr>
+        <p:cNvPr id="1" name="Shape 225"/>
+        <p:cNvGrpSpPr/>
+        <p:nvPr/>
+      </p:nvGrpSpPr>
+      <p:grpSpPr>
+        <a:xfrm>
+          <a:off x="0" y="0"/>
+          <a:ext cx="0" cy="0"/>
+          <a:chOff x="0" y="0"/>
+          <a:chExt cx="0" cy="0"/>
+        </a:xfrm>
+      </p:grpSpPr>
+      <p:sp>
+        <p:nvSpPr>
+          <p:cNvPr id="226" name="Google Shape;226;g70e3186832_0_7:notes"/>
+          <p:cNvSpPr>
+            <a:spLocks noGrp="1" noRot="1" noChangeAspect="1"/>
+          </p:cNvSpPr>
+          <p:nvPr>
+            <p:ph type="sldImg" idx="2"/>
+          </p:nvPr>
+        </p:nvSpPr>
+        <p:spPr>
+          <a:xfrm>
+            <a:off x="381000" y="685800"/>
+            <a:ext cx="6096000" cy="3429000"/>
+          </a:xfrm>
+          <a:custGeom>
+            <a:avLst/>
+            <a:gdLst/>
+            <a:ahLst/>
+            <a:cxnLst/>
+            <a:rect l="l" t="t" r="r" b="b"/>
+            <a:pathLst>
+              <a:path w="120000" h="120000" extrusionOk="0">
+                <a:moveTo>
+                  <a:pt x="0" y="0"/>
+                </a:moveTo>
+                <a:lnTo>
+                  <a:pt x="120000" y="0"/>
+                </a:lnTo>
+                <a:lnTo>
+                  <a:pt x="120000" y="120000"/>
+                </a:lnTo>
+                <a:lnTo>
+                  <a:pt x="0" y="120000"/>
+                </a:lnTo>
+                <a:close/>
+              </a:path>
+            </a:pathLst>
+          </a:custGeom>
+        </p:spPr>
+      </p:sp>
+      <p:sp>
+        <p:nvSpPr>
+          <p:cNvPr id="227" name="Google Shape;227;g70e3186832_0_7:notes"/>
+          <p:cNvSpPr txBox="1">
+            <a:spLocks noGrp="1"/>
+          </p:cNvSpPr>
+          <p:nvPr>
+            <p:ph type="body" idx="1"/>
+          </p:nvPr>
+        </p:nvSpPr>
+        <p:spPr>
+          <a:xfrm>
+            <a:off x="685800" y="4343400"/>
+            <a:ext cx="5486400" cy="4114800"/>
+          </a:xfrm>
+          <a:prstGeom prst="rect">
+            <a:avLst/>
+          </a:prstGeom>
+        </p:spPr>
+        <p:txBody>
+          <a:bodyPr spcFirstLastPara="1" wrap="square" lIns="91425" tIns="91425" rIns="91425" bIns="91425" anchor="t" anchorCtr="0">
+            <a:noAutofit/>
+          </a:bodyPr>
+          <a:lstStyle/>
+          <a:p>
+            <a:pPr marL="0" lvl="0" indent="0" algn="l" rtl="0">
+              <a:spcBef>
+                <a:spcPts val="0"/>
+              </a:spcBef>
+              <a:spcAft>
+                <a:spcPts val="0"/>
+              </a:spcAft>
+              <a:buNone/>
+            </a:pPr>
+            <a:endParaRPr/>
+          </a:p>
+        </p:txBody>
+      </p:sp>
+    </p:spTree>
+    <p:extLst>
+      <p:ext uri="{BB962C8B-B14F-4D97-AF65-F5344CB8AC3E}">
+        <p14:creationId xmlns:p14="http://schemas.microsoft.com/office/powerpoint/2010/main" val="388940213"/>
+      </p:ext>
+    </p:extLst>
+  </p:cSld>
+  <p:clrMapOvr>
+    <a:masterClrMapping/>
+  </p:clrMapOvr>
+</p:notes>
+</file>
+
+<file path=ppt/notesSlides/notesSlide36.xml><?xml version="1.0" encoding="utf-8"?>
+<p:notes xmlns:a="http://schemas.openxmlformats.org/drawingml/2006/main" xmlns:r="http://schemas.openxmlformats.org/officeDocument/2006/relationships" xmlns:p="http://schemas.openxmlformats.org/presentationml/2006/main" showMasterSp="0" showMasterPhAnim="0">
+  <p:cSld>
+    <p:spTree>
+      <p:nvGrpSpPr>
+        <p:cNvPr id="1" name="Shape 225"/>
+        <p:cNvGrpSpPr/>
+        <p:nvPr/>
+      </p:nvGrpSpPr>
+      <p:grpSpPr>
+        <a:xfrm>
+          <a:off x="0" y="0"/>
+          <a:ext cx="0" cy="0"/>
+          <a:chOff x="0" y="0"/>
+          <a:chExt cx="0" cy="0"/>
+        </a:xfrm>
+      </p:grpSpPr>
+      <p:sp>
+        <p:nvSpPr>
+          <p:cNvPr id="226" name="Google Shape;226;g70e3186832_0_7:notes"/>
+          <p:cNvSpPr>
+            <a:spLocks noGrp="1" noRot="1" noChangeAspect="1"/>
+          </p:cNvSpPr>
+          <p:nvPr>
+            <p:ph type="sldImg" idx="2"/>
+          </p:nvPr>
+        </p:nvSpPr>
+        <p:spPr>
+          <a:xfrm>
+            <a:off x="381000" y="685800"/>
+            <a:ext cx="6096000" cy="3429000"/>
+          </a:xfrm>
+          <a:custGeom>
+            <a:avLst/>
+            <a:gdLst/>
+            <a:ahLst/>
+            <a:cxnLst/>
+            <a:rect l="l" t="t" r="r" b="b"/>
+            <a:pathLst>
+              <a:path w="120000" h="120000" extrusionOk="0">
+                <a:moveTo>
+                  <a:pt x="0" y="0"/>
+                </a:moveTo>
+                <a:lnTo>
+                  <a:pt x="120000" y="0"/>
+                </a:lnTo>
+                <a:lnTo>
+                  <a:pt x="120000" y="120000"/>
+                </a:lnTo>
+                <a:lnTo>
+                  <a:pt x="0" y="120000"/>
+                </a:lnTo>
+                <a:close/>
+              </a:path>
+            </a:pathLst>
+          </a:custGeom>
+        </p:spPr>
+      </p:sp>
+      <p:sp>
+        <p:nvSpPr>
+          <p:cNvPr id="227" name="Google Shape;227;g70e3186832_0_7:notes"/>
+          <p:cNvSpPr txBox="1">
+            <a:spLocks noGrp="1"/>
+          </p:cNvSpPr>
+          <p:nvPr>
+            <p:ph type="body" idx="1"/>
+          </p:nvPr>
+        </p:nvSpPr>
+        <p:spPr>
+          <a:xfrm>
+            <a:off x="685800" y="4343400"/>
+            <a:ext cx="5486400" cy="4114800"/>
+          </a:xfrm>
+          <a:prstGeom prst="rect">
+            <a:avLst/>
+          </a:prstGeom>
+        </p:spPr>
+        <p:txBody>
+          <a:bodyPr spcFirstLastPara="1" wrap="square" lIns="91425" tIns="91425" rIns="91425" bIns="91425" anchor="t" anchorCtr="0">
+            <a:noAutofit/>
+          </a:bodyPr>
+          <a:lstStyle/>
+          <a:p>
+            <a:pPr marL="0" lvl="0" indent="0" algn="l" rtl="0">
+              <a:spcBef>
+                <a:spcPts val="0"/>
+              </a:spcBef>
+              <a:spcAft>
+                <a:spcPts val="0"/>
+              </a:spcAft>
+              <a:buNone/>
+            </a:pPr>
+            <a:endParaRPr/>
+          </a:p>
+        </p:txBody>
+      </p:sp>
+    </p:spTree>
+    <p:extLst>
+      <p:ext uri="{BB962C8B-B14F-4D97-AF65-F5344CB8AC3E}">
+        <p14:creationId xmlns:p14="http://schemas.microsoft.com/office/powerpoint/2010/main" val="3827619725"/>
+      </p:ext>
+    </p:extLst>
+  </p:cSld>
+  <p:clrMapOvr>
+    <a:masterClrMapping/>
+  </p:clrMapOvr>
+</p:notes>
+</file>
+
+<file path=ppt/notesSlides/notesSlide37.xml><?xml version="1.0" encoding="utf-8"?>
+<p:notes xmlns:a="http://schemas.openxmlformats.org/drawingml/2006/main" xmlns:r="http://schemas.openxmlformats.org/officeDocument/2006/relationships" xmlns:p="http://schemas.openxmlformats.org/presentationml/2006/main" showMasterSp="0" showMasterPhAnim="0">
+  <p:cSld>
+    <p:spTree>
+      <p:nvGrpSpPr>
+        <p:cNvPr id="1" name="Shape 225"/>
+        <p:cNvGrpSpPr/>
+        <p:nvPr/>
+      </p:nvGrpSpPr>
+      <p:grpSpPr>
+        <a:xfrm>
+          <a:off x="0" y="0"/>
+          <a:ext cx="0" cy="0"/>
+          <a:chOff x="0" y="0"/>
+          <a:chExt cx="0" cy="0"/>
+        </a:xfrm>
+      </p:grpSpPr>
+      <p:sp>
+        <p:nvSpPr>
+          <p:cNvPr id="226" name="Google Shape;226;g70e3186832_0_7:notes"/>
+          <p:cNvSpPr>
+            <a:spLocks noGrp="1" noRot="1" noChangeAspect="1"/>
+          </p:cNvSpPr>
+          <p:nvPr>
+            <p:ph type="sldImg" idx="2"/>
+          </p:nvPr>
+        </p:nvSpPr>
+        <p:spPr>
+          <a:xfrm>
+            <a:off x="381000" y="685800"/>
+            <a:ext cx="6096000" cy="3429000"/>
+          </a:xfrm>
+          <a:custGeom>
+            <a:avLst/>
+            <a:gdLst/>
+            <a:ahLst/>
+            <a:cxnLst/>
+            <a:rect l="l" t="t" r="r" b="b"/>
+            <a:pathLst>
+              <a:path w="120000" h="120000" extrusionOk="0">
+                <a:moveTo>
+                  <a:pt x="0" y="0"/>
+                </a:moveTo>
+                <a:lnTo>
+                  <a:pt x="120000" y="0"/>
+                </a:lnTo>
+                <a:lnTo>
+                  <a:pt x="120000" y="120000"/>
+                </a:lnTo>
+                <a:lnTo>
+                  <a:pt x="0" y="120000"/>
+                </a:lnTo>
+                <a:close/>
+              </a:path>
+            </a:pathLst>
+          </a:custGeom>
+        </p:spPr>
+      </p:sp>
+      <p:sp>
+        <p:nvSpPr>
+          <p:cNvPr id="227" name="Google Shape;227;g70e3186832_0_7:notes"/>
+          <p:cNvSpPr txBox="1">
+            <a:spLocks noGrp="1"/>
+          </p:cNvSpPr>
+          <p:nvPr>
+            <p:ph type="body" idx="1"/>
+          </p:nvPr>
+        </p:nvSpPr>
+        <p:spPr>
+          <a:xfrm>
+            <a:off x="685800" y="4343400"/>
+            <a:ext cx="5486400" cy="4114800"/>
+          </a:xfrm>
+          <a:prstGeom prst="rect">
+            <a:avLst/>
+          </a:prstGeom>
+        </p:spPr>
+        <p:txBody>
+          <a:bodyPr spcFirstLastPara="1" wrap="square" lIns="91425" tIns="91425" rIns="91425" bIns="91425" anchor="t" anchorCtr="0">
+            <a:noAutofit/>
+          </a:bodyPr>
+          <a:lstStyle/>
+          <a:p>
+            <a:pPr marL="0" lvl="0" indent="0" algn="l" rtl="0">
+              <a:spcBef>
+                <a:spcPts val="0"/>
+              </a:spcBef>
+              <a:spcAft>
+                <a:spcPts val="0"/>
+              </a:spcAft>
+              <a:buNone/>
+            </a:pPr>
+            <a:endParaRPr/>
+          </a:p>
+        </p:txBody>
+      </p:sp>
+    </p:spTree>
+    <p:extLst>
+      <p:ext uri="{BB962C8B-B14F-4D97-AF65-F5344CB8AC3E}">
+        <p14:creationId xmlns:p14="http://schemas.microsoft.com/office/powerpoint/2010/main" val="1829082476"/>
+      </p:ext>
+    </p:extLst>
+  </p:cSld>
+  <p:clrMapOvr>
+    <a:masterClrMapping/>
+  </p:clrMapOvr>
+</p:notes>
+</file>
+
+<file path=ppt/notesSlides/notesSlide38.xml><?xml version="1.0" encoding="utf-8"?>
+<p:notes xmlns:a="http://schemas.openxmlformats.org/drawingml/2006/main" xmlns:r="http://schemas.openxmlformats.org/officeDocument/2006/relationships" xmlns:p="http://schemas.openxmlformats.org/presentationml/2006/main" showMasterSp="0" showMasterPhAnim="0">
+  <p:cSld>
+    <p:spTree>
+      <p:nvGrpSpPr>
+        <p:cNvPr id="1" name="Shape 225"/>
+        <p:cNvGrpSpPr/>
+        <p:nvPr/>
+      </p:nvGrpSpPr>
+      <p:grpSpPr>
+        <a:xfrm>
+          <a:off x="0" y="0"/>
+          <a:ext cx="0" cy="0"/>
+          <a:chOff x="0" y="0"/>
+          <a:chExt cx="0" cy="0"/>
+        </a:xfrm>
+      </p:grpSpPr>
+      <p:sp>
+        <p:nvSpPr>
+          <p:cNvPr id="226" name="Google Shape;226;g70e3186832_0_7:notes"/>
+          <p:cNvSpPr>
+            <a:spLocks noGrp="1" noRot="1" noChangeAspect="1"/>
+          </p:cNvSpPr>
+          <p:nvPr>
+            <p:ph type="sldImg" idx="2"/>
+          </p:nvPr>
+        </p:nvSpPr>
+        <p:spPr>
+          <a:xfrm>
+            <a:off x="381000" y="685800"/>
+            <a:ext cx="6096000" cy="3429000"/>
+          </a:xfrm>
+          <a:custGeom>
+            <a:avLst/>
+            <a:gdLst/>
+            <a:ahLst/>
+            <a:cxnLst/>
+            <a:rect l="l" t="t" r="r" b="b"/>
+            <a:pathLst>
+              <a:path w="120000" h="120000" extrusionOk="0">
+                <a:moveTo>
+                  <a:pt x="0" y="0"/>
+                </a:moveTo>
+                <a:lnTo>
+                  <a:pt x="120000" y="0"/>
+                </a:lnTo>
+                <a:lnTo>
+                  <a:pt x="120000" y="120000"/>
+                </a:lnTo>
+                <a:lnTo>
+                  <a:pt x="0" y="120000"/>
+                </a:lnTo>
+                <a:close/>
+              </a:path>
+            </a:pathLst>
+          </a:custGeom>
+        </p:spPr>
+      </p:sp>
+      <p:sp>
+        <p:nvSpPr>
+          <p:cNvPr id="227" name="Google Shape;227;g70e3186832_0_7:notes"/>
+          <p:cNvSpPr txBox="1">
+            <a:spLocks noGrp="1"/>
+          </p:cNvSpPr>
+          <p:nvPr>
+            <p:ph type="body" idx="1"/>
+          </p:nvPr>
+        </p:nvSpPr>
+        <p:spPr>
+          <a:xfrm>
+            <a:off x="685800" y="4343400"/>
+            <a:ext cx="5486400" cy="4114800"/>
+          </a:xfrm>
+          <a:prstGeom prst="rect">
+            <a:avLst/>
+          </a:prstGeom>
+        </p:spPr>
+        <p:txBody>
+          <a:bodyPr spcFirstLastPara="1" wrap="square" lIns="91425" tIns="91425" rIns="91425" bIns="91425" anchor="t" anchorCtr="0">
+            <a:noAutofit/>
+          </a:bodyPr>
+          <a:lstStyle/>
+          <a:p>
+            <a:pPr marL="0" lvl="0" indent="0" algn="l" rtl="0">
+              <a:spcBef>
+                <a:spcPts val="0"/>
+              </a:spcBef>
+              <a:spcAft>
+                <a:spcPts val="0"/>
+              </a:spcAft>
+              <a:buNone/>
+            </a:pPr>
+            <a:endParaRPr/>
+          </a:p>
+        </p:txBody>
+      </p:sp>
+    </p:spTree>
+    <p:extLst>
+      <p:ext uri="{BB962C8B-B14F-4D97-AF65-F5344CB8AC3E}">
+        <p14:creationId xmlns:p14="http://schemas.microsoft.com/office/powerpoint/2010/main" val="377897929"/>
+      </p:ext>
+    </p:extLst>
+  </p:cSld>
+  <p:clrMapOvr>
+    <a:masterClrMapping/>
+  </p:clrMapOvr>
+</p:notes>
+</file>
+
+<file path=ppt/notesSlides/notesSlide39.xml><?xml version="1.0" encoding="utf-8"?>
+<p:notes xmlns:a="http://schemas.openxmlformats.org/drawingml/2006/main" xmlns:r="http://schemas.openxmlformats.org/officeDocument/2006/relationships" xmlns:p="http://schemas.openxmlformats.org/presentationml/2006/main" showMasterSp="0" showMasterPhAnim="0">
+  <p:cSld>
+    <p:spTree>
+      <p:nvGrpSpPr>
+        <p:cNvPr id="1" name="Shape 225"/>
+        <p:cNvGrpSpPr/>
+        <p:nvPr/>
+      </p:nvGrpSpPr>
+      <p:grpSpPr>
+        <a:xfrm>
+          <a:off x="0" y="0"/>
+          <a:ext cx="0" cy="0"/>
+          <a:chOff x="0" y="0"/>
+          <a:chExt cx="0" cy="0"/>
+        </a:xfrm>
+      </p:grpSpPr>
+      <p:sp>
+        <p:nvSpPr>
+          <p:cNvPr id="226" name="Google Shape;226;g70e3186832_0_7:notes"/>
+          <p:cNvSpPr>
+            <a:spLocks noGrp="1" noRot="1" noChangeAspect="1"/>
+          </p:cNvSpPr>
+          <p:nvPr>
+            <p:ph type="sldImg" idx="2"/>
+          </p:nvPr>
+        </p:nvSpPr>
+        <p:spPr>
+          <a:xfrm>
+            <a:off x="381000" y="685800"/>
+            <a:ext cx="6096000" cy="3429000"/>
+          </a:xfrm>
+          <a:custGeom>
+            <a:avLst/>
+            <a:gdLst/>
+            <a:ahLst/>
+            <a:cxnLst/>
+            <a:rect l="l" t="t" r="r" b="b"/>
+            <a:pathLst>
+              <a:path w="120000" h="120000" extrusionOk="0">
+                <a:moveTo>
+                  <a:pt x="0" y="0"/>
+                </a:moveTo>
+                <a:lnTo>
+                  <a:pt x="120000" y="0"/>
+                </a:lnTo>
+                <a:lnTo>
+                  <a:pt x="120000" y="120000"/>
+                </a:lnTo>
+                <a:lnTo>
+                  <a:pt x="0" y="120000"/>
+                </a:lnTo>
+                <a:close/>
+              </a:path>
+            </a:pathLst>
+          </a:custGeom>
+        </p:spPr>
+      </p:sp>
+      <p:sp>
+        <p:nvSpPr>
+          <p:cNvPr id="227" name="Google Shape;227;g70e3186832_0_7:notes"/>
+          <p:cNvSpPr txBox="1">
+            <a:spLocks noGrp="1"/>
+          </p:cNvSpPr>
+          <p:nvPr>
+            <p:ph type="body" idx="1"/>
+          </p:nvPr>
+        </p:nvSpPr>
+        <p:spPr>
+          <a:xfrm>
+            <a:off x="685800" y="4343400"/>
+            <a:ext cx="5486400" cy="4114800"/>
+          </a:xfrm>
+          <a:prstGeom prst="rect">
+            <a:avLst/>
+          </a:prstGeom>
+        </p:spPr>
+        <p:txBody>
+          <a:bodyPr spcFirstLastPara="1" wrap="square" lIns="91425" tIns="91425" rIns="91425" bIns="91425" anchor="t" anchorCtr="0">
+            <a:noAutofit/>
+          </a:bodyPr>
+          <a:lstStyle/>
+          <a:p>
+            <a:pPr marL="0" lvl="0" indent="0" algn="l" rtl="0">
+              <a:spcBef>
+                <a:spcPts val="0"/>
+              </a:spcBef>
+              <a:spcAft>
+                <a:spcPts val="0"/>
+              </a:spcAft>
+              <a:buNone/>
+            </a:pPr>
+            <a:endParaRPr/>
+          </a:p>
+        </p:txBody>
+      </p:sp>
+    </p:spTree>
+    <p:extLst>
+      <p:ext uri="{BB962C8B-B14F-4D97-AF65-F5344CB8AC3E}">
+        <p14:creationId xmlns:p14="http://schemas.microsoft.com/office/powerpoint/2010/main" val="1985587479"/>
       </p:ext>
     </p:extLst>
   </p:cSld>
@@ -3440,6 +4432,224 @@
     <p:extLst>
       <p:ext uri="{BB962C8B-B14F-4D97-AF65-F5344CB8AC3E}">
         <p14:creationId xmlns:p14="http://schemas.microsoft.com/office/powerpoint/2010/main" val="892538294"/>
+      </p:ext>
+    </p:extLst>
+  </p:cSld>
+  <p:clrMapOvr>
+    <a:masterClrMapping/>
+  </p:clrMapOvr>
+</p:notes>
+</file>
+
+<file path=ppt/notesSlides/notesSlide40.xml><?xml version="1.0" encoding="utf-8"?>
+<p:notes xmlns:a="http://schemas.openxmlformats.org/drawingml/2006/main" xmlns:r="http://schemas.openxmlformats.org/officeDocument/2006/relationships" xmlns:p="http://schemas.openxmlformats.org/presentationml/2006/main" showMasterSp="0" showMasterPhAnim="0">
+  <p:cSld>
+    <p:spTree>
+      <p:nvGrpSpPr>
+        <p:cNvPr id="1" name="Shape 225"/>
+        <p:cNvGrpSpPr/>
+        <p:nvPr/>
+      </p:nvGrpSpPr>
+      <p:grpSpPr>
+        <a:xfrm>
+          <a:off x="0" y="0"/>
+          <a:ext cx="0" cy="0"/>
+          <a:chOff x="0" y="0"/>
+          <a:chExt cx="0" cy="0"/>
+        </a:xfrm>
+      </p:grpSpPr>
+      <p:sp>
+        <p:nvSpPr>
+          <p:cNvPr id="226" name="Google Shape;226;g70e3186832_0_7:notes"/>
+          <p:cNvSpPr>
+            <a:spLocks noGrp="1" noRot="1" noChangeAspect="1"/>
+          </p:cNvSpPr>
+          <p:nvPr>
+            <p:ph type="sldImg" idx="2"/>
+          </p:nvPr>
+        </p:nvSpPr>
+        <p:spPr>
+          <a:xfrm>
+            <a:off x="381000" y="685800"/>
+            <a:ext cx="6096000" cy="3429000"/>
+          </a:xfrm>
+          <a:custGeom>
+            <a:avLst/>
+            <a:gdLst/>
+            <a:ahLst/>
+            <a:cxnLst/>
+            <a:rect l="l" t="t" r="r" b="b"/>
+            <a:pathLst>
+              <a:path w="120000" h="120000" extrusionOk="0">
+                <a:moveTo>
+                  <a:pt x="0" y="0"/>
+                </a:moveTo>
+                <a:lnTo>
+                  <a:pt x="120000" y="0"/>
+                </a:lnTo>
+                <a:lnTo>
+                  <a:pt x="120000" y="120000"/>
+                </a:lnTo>
+                <a:lnTo>
+                  <a:pt x="0" y="120000"/>
+                </a:lnTo>
+                <a:close/>
+              </a:path>
+            </a:pathLst>
+          </a:custGeom>
+        </p:spPr>
+      </p:sp>
+      <p:sp>
+        <p:nvSpPr>
+          <p:cNvPr id="227" name="Google Shape;227;g70e3186832_0_7:notes"/>
+          <p:cNvSpPr txBox="1">
+            <a:spLocks noGrp="1"/>
+          </p:cNvSpPr>
+          <p:nvPr>
+            <p:ph type="body" idx="1"/>
+          </p:nvPr>
+        </p:nvSpPr>
+        <p:spPr>
+          <a:xfrm>
+            <a:off x="685800" y="4343400"/>
+            <a:ext cx="5486400" cy="4114800"/>
+          </a:xfrm>
+          <a:prstGeom prst="rect">
+            <a:avLst/>
+          </a:prstGeom>
+        </p:spPr>
+        <p:txBody>
+          <a:bodyPr spcFirstLastPara="1" wrap="square" lIns="91425" tIns="91425" rIns="91425" bIns="91425" anchor="t" anchorCtr="0">
+            <a:noAutofit/>
+          </a:bodyPr>
+          <a:lstStyle/>
+          <a:p>
+            <a:pPr marL="0" lvl="0" indent="0" algn="l" rtl="0">
+              <a:spcBef>
+                <a:spcPts val="0"/>
+              </a:spcBef>
+              <a:spcAft>
+                <a:spcPts val="0"/>
+              </a:spcAft>
+              <a:buNone/>
+            </a:pPr>
+            <a:endParaRPr/>
+          </a:p>
+        </p:txBody>
+      </p:sp>
+    </p:spTree>
+    <p:extLst>
+      <p:ext uri="{BB962C8B-B14F-4D97-AF65-F5344CB8AC3E}">
+        <p14:creationId xmlns:p14="http://schemas.microsoft.com/office/powerpoint/2010/main" val="461361457"/>
+      </p:ext>
+    </p:extLst>
+  </p:cSld>
+  <p:clrMapOvr>
+    <a:masterClrMapping/>
+  </p:clrMapOvr>
+</p:notes>
+</file>
+
+<file path=ppt/notesSlides/notesSlide41.xml><?xml version="1.0" encoding="utf-8"?>
+<p:notes xmlns:a="http://schemas.openxmlformats.org/drawingml/2006/main" xmlns:r="http://schemas.openxmlformats.org/officeDocument/2006/relationships" xmlns:p="http://schemas.openxmlformats.org/presentationml/2006/main" showMasterSp="0" showMasterPhAnim="0">
+  <p:cSld>
+    <p:spTree>
+      <p:nvGrpSpPr>
+        <p:cNvPr id="1" name="Shape 225"/>
+        <p:cNvGrpSpPr/>
+        <p:nvPr/>
+      </p:nvGrpSpPr>
+      <p:grpSpPr>
+        <a:xfrm>
+          <a:off x="0" y="0"/>
+          <a:ext cx="0" cy="0"/>
+          <a:chOff x="0" y="0"/>
+          <a:chExt cx="0" cy="0"/>
+        </a:xfrm>
+      </p:grpSpPr>
+      <p:sp>
+        <p:nvSpPr>
+          <p:cNvPr id="226" name="Google Shape;226;g70e3186832_0_7:notes"/>
+          <p:cNvSpPr>
+            <a:spLocks noGrp="1" noRot="1" noChangeAspect="1"/>
+          </p:cNvSpPr>
+          <p:nvPr>
+            <p:ph type="sldImg" idx="2"/>
+          </p:nvPr>
+        </p:nvSpPr>
+        <p:spPr>
+          <a:xfrm>
+            <a:off x="381000" y="685800"/>
+            <a:ext cx="6096000" cy="3429000"/>
+          </a:xfrm>
+          <a:custGeom>
+            <a:avLst/>
+            <a:gdLst/>
+            <a:ahLst/>
+            <a:cxnLst/>
+            <a:rect l="l" t="t" r="r" b="b"/>
+            <a:pathLst>
+              <a:path w="120000" h="120000" extrusionOk="0">
+                <a:moveTo>
+                  <a:pt x="0" y="0"/>
+                </a:moveTo>
+                <a:lnTo>
+                  <a:pt x="120000" y="0"/>
+                </a:lnTo>
+                <a:lnTo>
+                  <a:pt x="120000" y="120000"/>
+                </a:lnTo>
+                <a:lnTo>
+                  <a:pt x="0" y="120000"/>
+                </a:lnTo>
+                <a:close/>
+              </a:path>
+            </a:pathLst>
+          </a:custGeom>
+        </p:spPr>
+      </p:sp>
+      <p:sp>
+        <p:nvSpPr>
+          <p:cNvPr id="227" name="Google Shape;227;g70e3186832_0_7:notes"/>
+          <p:cNvSpPr txBox="1">
+            <a:spLocks noGrp="1"/>
+          </p:cNvSpPr>
+          <p:nvPr>
+            <p:ph type="body" idx="1"/>
+          </p:nvPr>
+        </p:nvSpPr>
+        <p:spPr>
+          <a:xfrm>
+            <a:off x="685800" y="4343400"/>
+            <a:ext cx="5486400" cy="4114800"/>
+          </a:xfrm>
+          <a:prstGeom prst="rect">
+            <a:avLst/>
+          </a:prstGeom>
+        </p:spPr>
+        <p:txBody>
+          <a:bodyPr spcFirstLastPara="1" wrap="square" lIns="91425" tIns="91425" rIns="91425" bIns="91425" anchor="t" anchorCtr="0">
+            <a:noAutofit/>
+          </a:bodyPr>
+          <a:lstStyle/>
+          <a:p>
+            <a:pPr marL="0" lvl="0" indent="0" algn="l" rtl="0">
+              <a:spcBef>
+                <a:spcPts val="0"/>
+              </a:spcBef>
+              <a:spcAft>
+                <a:spcPts val="0"/>
+              </a:spcAft>
+              <a:buNone/>
+            </a:pPr>
+            <a:endParaRPr/>
+          </a:p>
+        </p:txBody>
+      </p:sp>
+    </p:spTree>
+    <p:extLst>
+      <p:ext uri="{BB962C8B-B14F-4D97-AF65-F5344CB8AC3E}">
+        <p14:creationId xmlns:p14="http://schemas.microsoft.com/office/powerpoint/2010/main" val="3909951723"/>
       </p:ext>
     </p:extLst>
   </p:cSld>
@@ -24180,21 +25390,8 @@
                   <a:srgbClr val="2C363A"/>
                 </a:solidFill>
               </a:rPr>
-              <a:t>Read and write </a:t>
-            </a:r>
-            <a:r>
-              <a:rPr lang="en-US" sz="2400" dirty="0">
-                <a:solidFill>
-                  <a:srgbClr val="2C363A"/>
-                </a:solidFill>
-              </a:rPr>
-              <a:t>files - File Access Modes</a:t>
-            </a:r>
-            <a:endParaRPr lang="en-US" sz="2400" dirty="0">
-              <a:solidFill>
-                <a:srgbClr val="2C363A"/>
-              </a:solidFill>
-            </a:endParaRPr>
+              <a:t>Read and write files - File Access Modes</a:t>
+            </a:r>
           </a:p>
         </p:txBody>
       </p:sp>
@@ -24353,21 +25550,8 @@
                   <a:srgbClr val="2C363A"/>
                 </a:solidFill>
               </a:rPr>
-              <a:t>Read and write </a:t>
-            </a:r>
-            <a:r>
-              <a:rPr lang="en-US" sz="2400" dirty="0">
-                <a:solidFill>
-                  <a:srgbClr val="2C363A"/>
-                </a:solidFill>
-              </a:rPr>
-              <a:t>files - File Access Modes</a:t>
-            </a:r>
-            <a:endParaRPr lang="en-US" sz="2400" dirty="0">
-              <a:solidFill>
-                <a:srgbClr val="2C363A"/>
-              </a:solidFill>
-            </a:endParaRPr>
+              <a:t>Read and write files - File Access Modes</a:t>
+            </a:r>
           </a:p>
         </p:txBody>
       </p:sp>
@@ -24530,21 +25714,8 @@
                   <a:srgbClr val="2C363A"/>
                 </a:solidFill>
               </a:rPr>
-              <a:t>Read and write </a:t>
-            </a:r>
-            <a:r>
-              <a:rPr lang="en-US" sz="2400" dirty="0">
-                <a:solidFill>
-                  <a:srgbClr val="2C363A"/>
-                </a:solidFill>
-              </a:rPr>
-              <a:t>files - File Access Modes</a:t>
-            </a:r>
-            <a:endParaRPr lang="en-US" sz="2400" dirty="0">
-              <a:solidFill>
-                <a:srgbClr val="2C363A"/>
-              </a:solidFill>
-            </a:endParaRPr>
+              <a:t>Read and write files - File Access Modes</a:t>
+            </a:r>
           </a:p>
         </p:txBody>
       </p:sp>
@@ -24599,7 +25770,7 @@
         <p:spPr>
           <a:xfrm>
             <a:off x="640080" y="1166434"/>
-            <a:ext cx="7916704" cy="2949525"/>
+            <a:ext cx="7916704" cy="2585323"/>
           </a:xfrm>
           <a:prstGeom prst="rect">
             <a:avLst/>
@@ -24616,17 +25787,13 @@
                 <a:spcPct val="150000"/>
               </a:lnSpc>
             </a:pPr>
-            <a:endParaRPr lang="en-US" sz="1800" dirty="0"/>
-          </a:p>
-          <a:p>
-            <a:pPr algn="just">
-              <a:lnSpc>
-                <a:spcPct val="150000"/>
-              </a:lnSpc>
-            </a:pPr>
+            <a:r>
+              <a:rPr lang="en-US" sz="1800" dirty="0" smtClean="0"/>
+              <a:t>Write </a:t>
+            </a:r>
             <a:r>
               <a:rPr lang="en-US" sz="1800" dirty="0"/>
-              <a:t>Write Only (‘w’) : Open the file for writing. For the existing files, the data is truncated and over-written. The handle is positioned at the beginning of the file. Creates the file if the file does not exist.</a:t>
+              <a:t>Only (‘w’) : Open the file for writing. For the existing files, the data is truncated and over-written. The handle is positioned at the beginning of the file. Creates the file if the file does not exist.</a:t>
             </a:r>
           </a:p>
           <a:p>
@@ -24639,7 +25806,6 @@
               <a:rPr lang="en-US" sz="1800" dirty="0"/>
               <a:t>Write and Read (‘w+’) : Open the file for reading and writing. For an existing file, data is truncated and over-written. The handle is positioned at the beginning of the file.</a:t>
             </a:r>
-            <a:endParaRPr lang="en-US" sz="1800" dirty="0"/>
           </a:p>
         </p:txBody>
       </p:sp>
@@ -24711,21 +25877,8 @@
                   <a:srgbClr val="2C363A"/>
                 </a:solidFill>
               </a:rPr>
-              <a:t>Read and write </a:t>
-            </a:r>
-            <a:r>
-              <a:rPr lang="en-US" sz="2400" dirty="0">
-                <a:solidFill>
-                  <a:srgbClr val="2C363A"/>
-                </a:solidFill>
-              </a:rPr>
-              <a:t>files - File Access Modes</a:t>
-            </a:r>
-            <a:endParaRPr lang="en-US" sz="2400" dirty="0">
-              <a:solidFill>
-                <a:srgbClr val="2C363A"/>
-              </a:solidFill>
-            </a:endParaRPr>
+              <a:t>Read and write files - File Access Modes</a:t>
+            </a:r>
           </a:p>
         </p:txBody>
       </p:sp>
@@ -24887,21 +26040,8 @@
                   <a:srgbClr val="2C363A"/>
                 </a:solidFill>
               </a:rPr>
-              <a:t>Read and write </a:t>
-            </a:r>
-            <a:r>
-              <a:rPr lang="en-US" sz="2400" dirty="0">
-                <a:solidFill>
-                  <a:srgbClr val="2C363A"/>
-                </a:solidFill>
-              </a:rPr>
-              <a:t>files - Opening a File</a:t>
-            </a:r>
-            <a:endParaRPr lang="en-US" sz="2400" dirty="0">
-              <a:solidFill>
-                <a:srgbClr val="2C363A"/>
-              </a:solidFill>
-            </a:endParaRPr>
+              <a:t>Read and write files - Opening a File</a:t>
+            </a:r>
           </a:p>
         </p:txBody>
       </p:sp>
@@ -25114,21 +26254,8 @@
                   <a:srgbClr val="2C363A"/>
                 </a:solidFill>
               </a:rPr>
-              <a:t>Read and write </a:t>
-            </a:r>
-            <a:r>
-              <a:rPr lang="en-US" sz="2400" dirty="0">
-                <a:solidFill>
-                  <a:srgbClr val="2C363A"/>
-                </a:solidFill>
-              </a:rPr>
-              <a:t>files - Opening a File</a:t>
-            </a:r>
-            <a:endParaRPr lang="en-US" sz="2400" dirty="0">
-              <a:solidFill>
-                <a:srgbClr val="2C363A"/>
-              </a:solidFill>
-            </a:endParaRPr>
+              <a:t>Read and write files - Opening a File</a:t>
+            </a:r>
           </a:p>
         </p:txBody>
       </p:sp>
@@ -25374,15 +26501,7 @@
                   <a:srgbClr val="2C363A"/>
                 </a:solidFill>
               </a:rPr>
-              <a:t>Read and write </a:t>
-            </a:r>
-            <a:r>
-              <a:rPr lang="en-US" sz="2400" dirty="0">
-                <a:solidFill>
-                  <a:srgbClr val="2C363A"/>
-                </a:solidFill>
-              </a:rPr>
-              <a:t>files - </a:t>
+              <a:t>Read and write files - </a:t>
             </a:r>
             <a:r>
               <a:rPr lang="en-US" sz="2400" dirty="0" smtClean="0">
@@ -25400,11 +26519,6 @@
               </a:rPr>
               <a:t>a File</a:t>
             </a:r>
-            <a:endParaRPr lang="en-US" sz="2400" dirty="0">
-              <a:solidFill>
-                <a:srgbClr val="2C363A"/>
-              </a:solidFill>
-            </a:endParaRPr>
           </a:p>
         </p:txBody>
       </p:sp>
@@ -25664,21 +26778,8 @@
                   <a:srgbClr val="2C363A"/>
                 </a:solidFill>
               </a:rPr>
-              <a:t>Read and write </a:t>
-            </a:r>
-            <a:r>
-              <a:rPr lang="en-US" sz="2400" dirty="0">
-                <a:solidFill>
-                  <a:srgbClr val="2C363A"/>
-                </a:solidFill>
-              </a:rPr>
-              <a:t>files - Writing to a file</a:t>
-            </a:r>
-            <a:endParaRPr lang="en-US" sz="2400" dirty="0">
-              <a:solidFill>
-                <a:srgbClr val="2C363A"/>
-              </a:solidFill>
-            </a:endParaRPr>
+              <a:t>Read and write files - Writing to a file</a:t>
+            </a:r>
           </a:p>
         </p:txBody>
       </p:sp>
@@ -26775,10 +27876,34 @@
             <a:r>
               <a:rPr lang="en-US" sz="2400" dirty="0" smtClean="0">
                 <a:solidFill>
+                  <a:schemeClr val="accent2"/>
+                </a:solidFill>
+              </a:rPr>
+              <a:t>Read</a:t>
+            </a:r>
+            <a:r>
+              <a:rPr lang="en-US" sz="2400" dirty="0" smtClean="0">
+                <a:solidFill>
                   <a:srgbClr val="2C363A"/>
                 </a:solidFill>
               </a:rPr>
-              <a:t>Read and write </a:t>
+              <a:t> and </a:t>
+            </a:r>
+            <a:r>
+              <a:rPr lang="en-US" sz="2400" dirty="0" smtClean="0">
+                <a:solidFill>
+                  <a:schemeClr val="accent2"/>
+                </a:solidFill>
+              </a:rPr>
+              <a:t>write</a:t>
+            </a:r>
+            <a:r>
+              <a:rPr lang="en-US" sz="2400" dirty="0" smtClean="0">
+                <a:solidFill>
+                  <a:srgbClr val="2C363A"/>
+                </a:solidFill>
+              </a:rPr>
+              <a:t> </a:t>
             </a:r>
             <a:r>
               <a:rPr lang="en-US" sz="2400" dirty="0">
@@ -26854,7 +27979,7 @@
         <p:spPr>
           <a:xfrm>
             <a:off x="566928" y="909962"/>
-            <a:ext cx="7989856" cy="1703030"/>
+            <a:ext cx="7989856" cy="3416320"/>
           </a:xfrm>
           <a:prstGeom prst="rect">
             <a:avLst/>
@@ -26908,6 +28033,57 @@
             <a:r>
               <a:rPr lang="en-US" sz="1800" dirty="0"/>
               <a:t>Note: ‘\n’ is treated as a special character of two bytes </a:t>
+            </a:r>
+            <a:endParaRPr lang="en-US" sz="1800" dirty="0" smtClean="0"/>
+          </a:p>
+          <a:p>
+            <a:pPr algn="just">
+              <a:lnSpc>
+                <a:spcPct val="150000"/>
+              </a:lnSpc>
+            </a:pPr>
+            <a:r>
+              <a:rPr lang="en-US" sz="1800" b="1" dirty="0" smtClean="0"/>
+              <a:t>Seek arguments:</a:t>
+            </a:r>
+          </a:p>
+          <a:p>
+            <a:pPr marL="342900" indent="-342900" algn="just">
+              <a:lnSpc>
+                <a:spcPct val="150000"/>
+              </a:lnSpc>
+              <a:buFont typeface="+mj-lt"/>
+              <a:buAutoNum type="arabicPeriod"/>
+            </a:pPr>
+            <a:r>
+              <a:rPr lang="en-US" sz="1800" dirty="0"/>
+              <a:t>0: sets the reference point at the beginning of the file </a:t>
+            </a:r>
+          </a:p>
+          <a:p>
+            <a:pPr marL="342900" indent="-342900" algn="just">
+              <a:lnSpc>
+                <a:spcPct val="150000"/>
+              </a:lnSpc>
+              <a:buFont typeface="+mj-lt"/>
+              <a:buAutoNum type="arabicPeriod"/>
+            </a:pPr>
+            <a:r>
+              <a:rPr lang="en-US" sz="1800" dirty="0"/>
+              <a:t>1: sets the reference point at the current file position </a:t>
+            </a:r>
+          </a:p>
+          <a:p>
+            <a:pPr marL="342900" indent="-342900" algn="just">
+              <a:lnSpc>
+                <a:spcPct val="150000"/>
+              </a:lnSpc>
+              <a:buFont typeface="+mj-lt"/>
+              <a:buAutoNum type="arabicPeriod"/>
+            </a:pPr>
+            <a:r>
+              <a:rPr lang="en-US" sz="1800" dirty="0"/>
+              <a:t>2: sets the reference point at the end of the file </a:t>
             </a:r>
             <a:endParaRPr lang="en-US" sz="1800" dirty="0" smtClean="0"/>
           </a:p>
@@ -26934,7 +28110,7 @@
 </file>
 
 <file path=ppt/slides/slide23.xml><?xml version="1.0" encoding="utf-8"?>
-<p:sld xmlns:a="http://schemas.openxmlformats.org/drawingml/2006/main" xmlns:r="http://schemas.openxmlformats.org/officeDocument/2006/relationships" xmlns:p="http://schemas.openxmlformats.org/presentationml/2006/main" show="0">
+<p:sld xmlns:a="http://schemas.openxmlformats.org/drawingml/2006/main" xmlns:r="http://schemas.openxmlformats.org/officeDocument/2006/relationships" xmlns:p="http://schemas.openxmlformats.org/presentationml/2006/main">
   <p:cSld>
     <p:spTree>
       <p:nvGrpSpPr>
@@ -26978,11 +28154,39 @@
             <a:r>
               <a:rPr lang="en-US" sz="2400" dirty="0">
                 <a:solidFill>
+                  <a:schemeClr val="tx1"/>
+                </a:solidFill>
+              </a:rPr>
+              <a:t>Output</a:t>
+            </a:r>
+            <a:r>
+              <a:rPr lang="en-US" sz="2400" dirty="0">
+                <a:solidFill>
+                  <a:schemeClr val="accent2"/>
+                </a:solidFill>
+              </a:rPr>
+              <a:t> Formatting</a:t>
+            </a:r>
+            <a:r>
+              <a:rPr lang="en-US" sz="2400" dirty="0" smtClean="0">
+                <a:solidFill>
                   <a:srgbClr val="2C363A"/>
                 </a:solidFill>
               </a:rPr>
-              <a:t>Handle File error</a:t>
-            </a:r>
+              <a:t/>
+            </a:r>
+            <a:br>
+              <a:rPr lang="en-US" sz="2400" dirty="0" smtClean="0">
+                <a:solidFill>
+                  <a:srgbClr val="2C363A"/>
+                </a:solidFill>
+              </a:rPr>
+            </a:br>
+            <a:endParaRPr lang="en-US" sz="2400" dirty="0">
+              <a:solidFill>
+                <a:srgbClr val="2C363A"/>
+              </a:solidFill>
+            </a:endParaRPr>
           </a:p>
         </p:txBody>
       </p:sp>
@@ -27025,6 +28229,727 @@
               <a:t>23</a:t>
             </a:fld>
             <a:endParaRPr/>
+          </a:p>
+        </p:txBody>
+      </p:sp>
+      <p:sp>
+        <p:nvSpPr>
+          <p:cNvPr id="3" name="Rectangle 2"/>
+          <p:cNvSpPr/>
+          <p:nvPr/>
+        </p:nvSpPr>
+        <p:spPr>
+          <a:xfrm>
+            <a:off x="566928" y="909962"/>
+            <a:ext cx="7989856" cy="2169825"/>
+          </a:xfrm>
+          <a:prstGeom prst="rect">
+            <a:avLst/>
+          </a:prstGeom>
+        </p:spPr>
+        <p:txBody>
+          <a:bodyPr wrap="square">
+            <a:spAutoFit/>
+          </a:bodyPr>
+          <a:lstStyle/>
+          <a:p>
+            <a:pPr algn="just">
+              <a:lnSpc>
+                <a:spcPct val="150000"/>
+              </a:lnSpc>
+            </a:pPr>
+            <a:r>
+              <a:rPr lang="en-US" sz="1800" dirty="0"/>
+              <a:t>Formatting output using String modulo operator</a:t>
+            </a:r>
+            <a:r>
+              <a:rPr lang="en-US" sz="1800" dirty="0" smtClean="0"/>
+              <a:t>(%)</a:t>
+            </a:r>
+          </a:p>
+          <a:p>
+            <a:pPr algn="just">
+              <a:lnSpc>
+                <a:spcPct val="150000"/>
+              </a:lnSpc>
+            </a:pPr>
+            <a:r>
+              <a:rPr lang="en-US" sz="1800" dirty="0"/>
+              <a:t>The % operator can also be used for string formatting. To this purpose, the modulo operator % is overloaded by the string class to perform string formatting. Therefore, it is often called a string modulo (or sometimes even called modulus) operator. </a:t>
+            </a:r>
+            <a:endParaRPr lang="en-US" sz="1800" dirty="0" smtClean="0"/>
+          </a:p>
+        </p:txBody>
+      </p:sp>
+      <p:sp>
+        <p:nvSpPr>
+          <p:cNvPr id="4" name="Rectangle 3"/>
+          <p:cNvSpPr/>
+          <p:nvPr/>
+        </p:nvSpPr>
+        <p:spPr>
+          <a:xfrm>
+            <a:off x="3784622" y="2737574"/>
+            <a:ext cx="4572000" cy="2354491"/>
+          </a:xfrm>
+          <a:prstGeom prst="rect">
+            <a:avLst/>
+          </a:prstGeom>
+        </p:spPr>
+        <p:style>
+          <a:lnRef idx="2">
+            <a:schemeClr val="accent1"/>
+          </a:lnRef>
+          <a:fillRef idx="1">
+            <a:schemeClr val="lt1"/>
+          </a:fillRef>
+          <a:effectRef idx="0">
+            <a:schemeClr val="accent1"/>
+          </a:effectRef>
+          <a:fontRef idx="minor">
+            <a:schemeClr val="dk1"/>
+          </a:fontRef>
+        </p:style>
+        <p:txBody>
+          <a:bodyPr>
+            <a:spAutoFit/>
+          </a:bodyPr>
+          <a:lstStyle/>
+          <a:p>
+            <a:pPr algn="just">
+              <a:lnSpc>
+                <a:spcPct val="150000"/>
+              </a:lnSpc>
+            </a:pPr>
+            <a:r>
+              <a:rPr lang="en-US" dirty="0"/>
+              <a:t>print</a:t>
+            </a:r>
+            <a:r>
+              <a:rPr lang="en-US" dirty="0" smtClean="0"/>
+              <a:t>(“Value </a:t>
+            </a:r>
+            <a:r>
+              <a:rPr lang="en-US" dirty="0"/>
+              <a:t>: %2d, Portal : %5.2f" % (1, 05.333))</a:t>
+            </a:r>
+          </a:p>
+          <a:p>
+            <a:pPr algn="just">
+              <a:lnSpc>
+                <a:spcPct val="150000"/>
+              </a:lnSpc>
+            </a:pPr>
+            <a:r>
+              <a:rPr lang="en-US" dirty="0"/>
+              <a:t> # print integer value</a:t>
+            </a:r>
+          </a:p>
+          <a:p>
+            <a:pPr algn="just">
+              <a:lnSpc>
+                <a:spcPct val="150000"/>
+              </a:lnSpc>
+            </a:pPr>
+            <a:r>
+              <a:rPr lang="en-US" dirty="0"/>
+              <a:t>print("Total students : %3d, Boys : %2d" % (240, 120))</a:t>
+            </a:r>
+          </a:p>
+          <a:p>
+            <a:pPr algn="just">
+              <a:lnSpc>
+                <a:spcPct val="150000"/>
+              </a:lnSpc>
+            </a:pPr>
+            <a:r>
+              <a:rPr lang="en-US" dirty="0"/>
+              <a:t> # print octal value</a:t>
+            </a:r>
+          </a:p>
+          <a:p>
+            <a:pPr algn="just">
+              <a:lnSpc>
+                <a:spcPct val="150000"/>
+              </a:lnSpc>
+            </a:pPr>
+            <a:r>
+              <a:rPr lang="en-US" dirty="0"/>
+              <a:t>print("%7.3o" % (25))</a:t>
+            </a:r>
+          </a:p>
+          <a:p>
+            <a:pPr algn="just">
+              <a:lnSpc>
+                <a:spcPct val="150000"/>
+              </a:lnSpc>
+            </a:pPr>
+            <a:r>
+              <a:rPr lang="en-US" dirty="0"/>
+              <a:t> # print exponential value</a:t>
+            </a:r>
+          </a:p>
+          <a:p>
+            <a:pPr algn="just">
+              <a:lnSpc>
+                <a:spcPct val="150000"/>
+              </a:lnSpc>
+            </a:pPr>
+            <a:r>
+              <a:rPr lang="en-US" dirty="0"/>
+              <a:t>print("%10.3E" % (356.08977))</a:t>
+            </a:r>
+          </a:p>
+        </p:txBody>
+      </p:sp>
+    </p:spTree>
+    <p:extLst>
+      <p:ext uri="{BB962C8B-B14F-4D97-AF65-F5344CB8AC3E}">
+        <p14:creationId xmlns:p14="http://schemas.microsoft.com/office/powerpoint/2010/main" val="1133059331"/>
+      </p:ext>
+    </p:extLst>
+  </p:cSld>
+  <p:clrMapOvr>
+    <a:masterClrMapping/>
+  </p:clrMapOvr>
+  <p:timing>
+    <p:tnLst>
+      <p:par>
+        <p:cTn id="1" dur="indefinite" restart="never" nodeType="tmRoot"/>
+      </p:par>
+    </p:tnLst>
+  </p:timing>
+</p:sld>
+</file>
+
+<file path=ppt/slides/slide24.xml><?xml version="1.0" encoding="utf-8"?>
+<p:sld xmlns:a="http://schemas.openxmlformats.org/drawingml/2006/main" xmlns:r="http://schemas.openxmlformats.org/officeDocument/2006/relationships" xmlns:p="http://schemas.openxmlformats.org/presentationml/2006/main">
+  <p:cSld>
+    <p:spTree>
+      <p:nvGrpSpPr>
+        <p:cNvPr id="1" name="Shape 228"/>
+        <p:cNvGrpSpPr/>
+        <p:nvPr/>
+      </p:nvGrpSpPr>
+      <p:grpSpPr>
+        <a:xfrm>
+          <a:off x="0" y="0"/>
+          <a:ext cx="0" cy="0"/>
+          <a:chOff x="0" y="0"/>
+          <a:chExt cx="0" cy="0"/>
+        </a:xfrm>
+      </p:grpSpPr>
+      <p:sp>
+        <p:nvSpPr>
+          <p:cNvPr id="229" name="Google Shape;229;p26"/>
+          <p:cNvSpPr txBox="1">
+            <a:spLocks noGrp="1"/>
+          </p:cNvSpPr>
+          <p:nvPr>
+            <p:ph type="title" idx="4294967295"/>
+          </p:nvPr>
+        </p:nvSpPr>
+        <p:spPr>
+          <a:xfrm>
+            <a:off x="854884" y="237743"/>
+            <a:ext cx="8014796" cy="1002333"/>
+          </a:xfrm>
+          <a:prstGeom prst="rect">
+            <a:avLst/>
+          </a:prstGeom>
+        </p:spPr>
+        <p:txBody>
+          <a:bodyPr spcFirstLastPara="1" wrap="square" lIns="91425" tIns="91425" rIns="91425" bIns="91425" anchor="ctr" anchorCtr="0">
+            <a:noAutofit/>
+          </a:bodyPr>
+          <a:lstStyle/>
+          <a:p>
+            <a:r>
+              <a:rPr lang="en-US" sz="2400" dirty="0" smtClean="0">
+                <a:solidFill>
+                  <a:schemeClr val="accent2"/>
+                </a:solidFill>
+              </a:rPr>
+              <a:t>WITH</a:t>
+            </a:r>
+            <a:r>
+              <a:rPr lang="en-US" sz="2400" dirty="0" smtClean="0">
+                <a:solidFill>
+                  <a:srgbClr val="2C363A"/>
+                </a:solidFill>
+              </a:rPr>
+              <a:t>  statement in file handling</a:t>
+            </a:r>
+            <a:r>
+              <a:rPr lang="en-US" sz="2400" dirty="0">
+                <a:solidFill>
+                  <a:srgbClr val="2C363A"/>
+                </a:solidFill>
+              </a:rPr>
+              <a:t/>
+            </a:r>
+            <a:br>
+              <a:rPr lang="en-US" sz="2400" dirty="0">
+                <a:solidFill>
+                  <a:srgbClr val="2C363A"/>
+                </a:solidFill>
+              </a:rPr>
+            </a:br>
+            <a:endParaRPr lang="en-US" sz="2400" dirty="0">
+              <a:solidFill>
+                <a:srgbClr val="2C363A"/>
+              </a:solidFill>
+            </a:endParaRPr>
+          </a:p>
+        </p:txBody>
+      </p:sp>
+      <p:sp>
+        <p:nvSpPr>
+          <p:cNvPr id="230" name="Google Shape;230;p26"/>
+          <p:cNvSpPr txBox="1">
+            <a:spLocks noGrp="1"/>
+          </p:cNvSpPr>
+          <p:nvPr>
+            <p:ph type="sldNum" idx="12"/>
+          </p:nvPr>
+        </p:nvSpPr>
+        <p:spPr>
+          <a:xfrm>
+            <a:off x="8556784" y="4749851"/>
+            <a:ext cx="548700" cy="393600"/>
+          </a:xfrm>
+          <a:prstGeom prst="rect">
+            <a:avLst/>
+          </a:prstGeom>
+        </p:spPr>
+        <p:txBody>
+          <a:bodyPr spcFirstLastPara="1" wrap="square" lIns="91425" tIns="91425" rIns="91425" bIns="91425" anchor="t" anchorCtr="0">
+            <a:noAutofit/>
+          </a:bodyPr>
+          <a:lstStyle/>
+          <a:p>
+            <a:pPr marL="0" lvl="0" indent="0" algn="r" rtl="0">
+              <a:spcBef>
+                <a:spcPts val="0"/>
+              </a:spcBef>
+              <a:spcAft>
+                <a:spcPts val="0"/>
+              </a:spcAft>
+              <a:buNone/>
+            </a:pPr>
+            <a:fld id="{00000000-1234-1234-1234-123412341234}" type="slidenum">
+              <a:rPr lang="en"/>
+              <a:t>24</a:t>
+            </a:fld>
+            <a:endParaRPr/>
+          </a:p>
+        </p:txBody>
+      </p:sp>
+      <p:sp>
+        <p:nvSpPr>
+          <p:cNvPr id="3" name="Rectangle 2"/>
+          <p:cNvSpPr/>
+          <p:nvPr/>
+        </p:nvSpPr>
+        <p:spPr>
+          <a:xfrm>
+            <a:off x="854883" y="909962"/>
+            <a:ext cx="7813127" cy="3780522"/>
+          </a:xfrm>
+          <a:prstGeom prst="rect">
+            <a:avLst/>
+          </a:prstGeom>
+        </p:spPr>
+        <p:txBody>
+          <a:bodyPr wrap="square">
+            <a:spAutoFit/>
+          </a:bodyPr>
+          <a:lstStyle/>
+          <a:p>
+            <a:pPr algn="just">
+              <a:lnSpc>
+                <a:spcPct val="150000"/>
+              </a:lnSpc>
+            </a:pPr>
+            <a:r>
+              <a:rPr lang="en-US" sz="1800" dirty="0"/>
+              <a:t>with statement in Python is used in exception handling to make the code cleaner and much more readable. It simplifies the management of common resources like file streams. </a:t>
+            </a:r>
+            <a:endParaRPr lang="en-US" sz="1800" dirty="0" smtClean="0"/>
+          </a:p>
+          <a:p>
+            <a:pPr algn="just">
+              <a:lnSpc>
+                <a:spcPct val="150000"/>
+              </a:lnSpc>
+            </a:pPr>
+            <a:endParaRPr lang="en-US" sz="1800" dirty="0" smtClean="0"/>
+          </a:p>
+          <a:p>
+            <a:pPr algn="just">
+              <a:lnSpc>
+                <a:spcPct val="150000"/>
+              </a:lnSpc>
+            </a:pPr>
+            <a:r>
+              <a:rPr lang="en-US" sz="1800" dirty="0" smtClean="0"/>
+              <a:t># </a:t>
+            </a:r>
+            <a:r>
+              <a:rPr lang="en-US" sz="1800" dirty="0"/>
+              <a:t>1) without using with statement</a:t>
+            </a:r>
+          </a:p>
+          <a:p>
+            <a:pPr algn="just">
+              <a:lnSpc>
+                <a:spcPct val="150000"/>
+              </a:lnSpc>
+            </a:pPr>
+            <a:r>
+              <a:rPr lang="en-US" sz="1800" dirty="0"/>
+              <a:t>file = open('</a:t>
+            </a:r>
+            <a:r>
+              <a:rPr lang="en-US" sz="1800" dirty="0" err="1"/>
+              <a:t>file_path</a:t>
+            </a:r>
+            <a:r>
+              <a:rPr lang="en-US" sz="1800" dirty="0"/>
+              <a:t>', 'w')</a:t>
+            </a:r>
+          </a:p>
+          <a:p>
+            <a:pPr algn="just">
+              <a:lnSpc>
+                <a:spcPct val="150000"/>
+              </a:lnSpc>
+            </a:pPr>
+            <a:r>
+              <a:rPr lang="en-US" sz="1800" dirty="0" err="1"/>
+              <a:t>file.write</a:t>
+            </a:r>
+            <a:r>
+              <a:rPr lang="en-US" sz="1800" dirty="0"/>
+              <a:t>('hello world !')</a:t>
+            </a:r>
+          </a:p>
+          <a:p>
+            <a:pPr algn="just">
+              <a:lnSpc>
+                <a:spcPct val="150000"/>
+              </a:lnSpc>
+            </a:pPr>
+            <a:r>
+              <a:rPr lang="en-US" sz="1800" dirty="0" err="1"/>
+              <a:t>file.close</a:t>
+            </a:r>
+            <a:r>
+              <a:rPr lang="en-US" sz="1800" dirty="0"/>
+              <a:t>()</a:t>
+            </a:r>
+          </a:p>
+          <a:p>
+            <a:pPr algn="just">
+              <a:lnSpc>
+                <a:spcPct val="150000"/>
+              </a:lnSpc>
+            </a:pPr>
+            <a:r>
+              <a:rPr lang="en-US" sz="1800" dirty="0"/>
+              <a:t> </a:t>
+            </a:r>
+            <a:r>
+              <a:rPr lang="en-US" sz="1800" dirty="0" smtClean="0"/>
+              <a:t> </a:t>
+            </a:r>
+            <a:endParaRPr lang="en-US" sz="1800" dirty="0" smtClean="0"/>
+          </a:p>
+        </p:txBody>
+      </p:sp>
+      <p:sp>
+        <p:nvSpPr>
+          <p:cNvPr id="8" name="Rectangle 7"/>
+          <p:cNvSpPr/>
+          <p:nvPr/>
+        </p:nvSpPr>
+        <p:spPr>
+          <a:xfrm>
+            <a:off x="5151120" y="2703670"/>
+            <a:ext cx="4572000" cy="646331"/>
+          </a:xfrm>
+          <a:prstGeom prst="rect">
+            <a:avLst/>
+          </a:prstGeom>
+        </p:spPr>
+        <p:txBody>
+          <a:bodyPr>
+            <a:spAutoFit/>
+          </a:bodyPr>
+          <a:lstStyle/>
+          <a:p>
+            <a:r>
+              <a:rPr lang="en-US" sz="1800" dirty="0"/>
+              <a:t>with open("file.txt") as file: </a:t>
+            </a:r>
+          </a:p>
+          <a:p>
+            <a:r>
+              <a:rPr lang="en-US" sz="1800" dirty="0"/>
+              <a:t>    data = </a:t>
+            </a:r>
+            <a:r>
+              <a:rPr lang="en-US" sz="1800" dirty="0" err="1"/>
+              <a:t>file.read</a:t>
+            </a:r>
+            <a:r>
+              <a:rPr lang="en-US" sz="1800" dirty="0"/>
+              <a:t>()</a:t>
+            </a:r>
+          </a:p>
+        </p:txBody>
+      </p:sp>
+    </p:spTree>
+    <p:extLst>
+      <p:ext uri="{BB962C8B-B14F-4D97-AF65-F5344CB8AC3E}">
+        <p14:creationId xmlns:p14="http://schemas.microsoft.com/office/powerpoint/2010/main" val="298029386"/>
+      </p:ext>
+    </p:extLst>
+  </p:cSld>
+  <p:clrMapOvr>
+    <a:masterClrMapping/>
+  </p:clrMapOvr>
+  <p:timing>
+    <p:tnLst>
+      <p:par>
+        <p:cTn id="1" dur="indefinite" restart="never" nodeType="tmRoot"/>
+      </p:par>
+    </p:tnLst>
+  </p:timing>
+</p:sld>
+</file>
+
+<file path=ppt/slides/slide25.xml><?xml version="1.0" encoding="utf-8"?>
+<p:sld xmlns:a="http://schemas.openxmlformats.org/drawingml/2006/main" xmlns:r="http://schemas.openxmlformats.org/officeDocument/2006/relationships" xmlns:p="http://schemas.openxmlformats.org/presentationml/2006/main">
+  <p:cSld>
+    <p:spTree>
+      <p:nvGrpSpPr>
+        <p:cNvPr id="1" name="Shape 228"/>
+        <p:cNvGrpSpPr/>
+        <p:nvPr/>
+      </p:nvGrpSpPr>
+      <p:grpSpPr>
+        <a:xfrm>
+          <a:off x="0" y="0"/>
+          <a:ext cx="0" cy="0"/>
+          <a:chOff x="0" y="0"/>
+          <a:chExt cx="0" cy="0"/>
+        </a:xfrm>
+      </p:grpSpPr>
+      <p:sp>
+        <p:nvSpPr>
+          <p:cNvPr id="229" name="Google Shape;229;p26"/>
+          <p:cNvSpPr txBox="1">
+            <a:spLocks noGrp="1"/>
+          </p:cNvSpPr>
+          <p:nvPr>
+            <p:ph type="title" idx="4294967295"/>
+          </p:nvPr>
+        </p:nvSpPr>
+        <p:spPr>
+          <a:xfrm>
+            <a:off x="839705" y="137535"/>
+            <a:ext cx="8014796" cy="928690"/>
+          </a:xfrm>
+          <a:prstGeom prst="rect">
+            <a:avLst/>
+          </a:prstGeom>
+        </p:spPr>
+        <p:txBody>
+          <a:bodyPr spcFirstLastPara="1" wrap="square" lIns="91425" tIns="91425" rIns="91425" bIns="91425" anchor="ctr" anchorCtr="0">
+            <a:noAutofit/>
+          </a:bodyPr>
+          <a:lstStyle/>
+          <a:p>
+            <a:r>
+              <a:rPr lang="en-US" sz="2400" dirty="0">
+                <a:solidFill>
+                  <a:srgbClr val="2C363A"/>
+                </a:solidFill>
+              </a:rPr>
+              <a:t>Handle File </a:t>
+            </a:r>
+            <a:r>
+              <a:rPr lang="en-US" sz="2400" dirty="0" smtClean="0">
+                <a:solidFill>
+                  <a:schemeClr val="accent2"/>
+                </a:solidFill>
+              </a:rPr>
+              <a:t>errors</a:t>
+            </a:r>
+            <a:endParaRPr lang="en-US" sz="2400" dirty="0">
+              <a:solidFill>
+                <a:schemeClr val="accent2"/>
+              </a:solidFill>
+            </a:endParaRPr>
+          </a:p>
+        </p:txBody>
+      </p:sp>
+      <p:sp>
+        <p:nvSpPr>
+          <p:cNvPr id="230" name="Google Shape;230;p26"/>
+          <p:cNvSpPr txBox="1">
+            <a:spLocks noGrp="1"/>
+          </p:cNvSpPr>
+          <p:nvPr>
+            <p:ph type="sldNum" idx="12"/>
+          </p:nvPr>
+        </p:nvSpPr>
+        <p:spPr>
+          <a:xfrm>
+            <a:off x="8556784" y="4749851"/>
+            <a:ext cx="548700" cy="393600"/>
+          </a:xfrm>
+          <a:prstGeom prst="rect">
+            <a:avLst/>
+          </a:prstGeom>
+        </p:spPr>
+        <p:txBody>
+          <a:bodyPr spcFirstLastPara="1" wrap="square" lIns="91425" tIns="91425" rIns="91425" bIns="91425" anchor="t" anchorCtr="0">
+            <a:noAutofit/>
+          </a:bodyPr>
+          <a:lstStyle/>
+          <a:p>
+            <a:pPr marL="0" lvl="0" indent="0" algn="r" rtl="0">
+              <a:spcBef>
+                <a:spcPts val="0"/>
+              </a:spcBef>
+              <a:spcAft>
+                <a:spcPts val="0"/>
+              </a:spcAft>
+              <a:buNone/>
+            </a:pPr>
+            <a:fld id="{00000000-1234-1234-1234-123412341234}" type="slidenum">
+              <a:rPr lang="en"/>
+              <a:t>25</a:t>
+            </a:fld>
+            <a:endParaRPr/>
+          </a:p>
+        </p:txBody>
+      </p:sp>
+      <p:sp>
+        <p:nvSpPr>
+          <p:cNvPr id="2" name="Rectangle 1"/>
+          <p:cNvSpPr/>
+          <p:nvPr/>
+        </p:nvSpPr>
+        <p:spPr>
+          <a:xfrm>
+            <a:off x="588723" y="878335"/>
+            <a:ext cx="8516761" cy="4616648"/>
+          </a:xfrm>
+          <a:prstGeom prst="rect">
+            <a:avLst/>
+          </a:prstGeom>
+        </p:spPr>
+        <p:txBody>
+          <a:bodyPr wrap="square">
+            <a:spAutoFit/>
+          </a:bodyPr>
+          <a:lstStyle/>
+          <a:p>
+            <a:pPr marL="285750" indent="-285750">
+              <a:buFont typeface="Arial" panose="020B0604020202020204" pitchFamily="34" charset="0"/>
+              <a:buChar char="•"/>
+            </a:pPr>
+            <a:r>
+              <a:rPr lang="en-US" sz="1800" dirty="0"/>
+              <a:t>Error in Python can be of two types i.e. Syntax errors and Exceptions. Errors are the problems in a program due to which the program will stop the execution. </a:t>
+            </a:r>
+            <a:endParaRPr lang="en-US" sz="1800" dirty="0" smtClean="0"/>
+          </a:p>
+          <a:p>
+            <a:pPr marL="285750" indent="-285750">
+              <a:buFont typeface="Arial" panose="020B0604020202020204" pitchFamily="34" charset="0"/>
+              <a:buChar char="•"/>
+            </a:pPr>
+            <a:endParaRPr lang="en-US" sz="1800" dirty="0" smtClean="0"/>
+          </a:p>
+          <a:p>
+            <a:pPr marL="285750" indent="-285750">
+              <a:buFont typeface="Arial" panose="020B0604020202020204" pitchFamily="34" charset="0"/>
+              <a:buChar char="•"/>
+            </a:pPr>
+            <a:r>
+              <a:rPr lang="en-US" sz="1800" dirty="0"/>
+              <a:t>On the other hand, exceptions are raised when some internal events occur which changes the normal flow of the program. </a:t>
+            </a:r>
+            <a:endParaRPr lang="en-US" sz="1800" dirty="0" smtClean="0"/>
+          </a:p>
+          <a:p>
+            <a:pPr marL="285750" indent="-285750">
+              <a:buFont typeface="Arial" panose="020B0604020202020204" pitchFamily="34" charset="0"/>
+              <a:buChar char="•"/>
+            </a:pPr>
+            <a:endParaRPr lang="en-US" sz="1800" dirty="0" smtClean="0"/>
+          </a:p>
+          <a:p>
+            <a:r>
+              <a:rPr lang="en-US" sz="1800" b="1" dirty="0">
+                <a:solidFill>
+                  <a:schemeClr val="accent2"/>
+                </a:solidFill>
+              </a:rPr>
+              <a:t>Difference between Syntax Error and </a:t>
+            </a:r>
+            <a:r>
+              <a:rPr lang="en-US" sz="1800" b="1" dirty="0" smtClean="0">
+                <a:solidFill>
+                  <a:schemeClr val="accent2"/>
+                </a:solidFill>
+              </a:rPr>
+              <a:t>Exceptions</a:t>
+            </a:r>
+          </a:p>
+          <a:p>
+            <a:endParaRPr lang="en-US" b="1" dirty="0" smtClean="0"/>
+          </a:p>
+          <a:p>
+            <a:r>
+              <a:rPr lang="en-US" sz="1800" b="1" dirty="0"/>
+              <a:t>Syntax Error:</a:t>
+            </a:r>
+            <a:r>
+              <a:rPr lang="en-US" sz="1800" dirty="0"/>
+              <a:t> As the name suggests this error is caused by the wrong syntax in the code. It leads to the termination of the program</a:t>
+            </a:r>
+            <a:r>
+              <a:rPr lang="en-US" sz="1800" dirty="0" smtClean="0"/>
+              <a:t>.</a:t>
+            </a:r>
+          </a:p>
+          <a:p>
+            <a:endParaRPr lang="en-US" sz="1800" b="1" dirty="0"/>
+          </a:p>
+          <a:p>
+            <a:r>
+              <a:rPr lang="en-US" sz="1800" b="1" dirty="0"/>
+              <a:t>Exceptions</a:t>
+            </a:r>
+            <a:r>
+              <a:rPr lang="en-US" sz="1800" dirty="0"/>
+              <a:t>: Exceptions are raised when the program is syntactically correct, but the code resulted in an error. This error does not stop the execution of the program, however, it changes the normal flow of the program</a:t>
+            </a:r>
+            <a:r>
+              <a:rPr lang="en-US" sz="1800" dirty="0" smtClean="0"/>
+              <a:t>.</a:t>
+            </a:r>
+          </a:p>
+          <a:p>
+            <a:endParaRPr lang="en-US" dirty="0"/>
+          </a:p>
+          <a:p>
+            <a:endParaRPr lang="en-US" dirty="0"/>
           </a:p>
         </p:txBody>
       </p:sp>
@@ -27056,8 +28981,8 @@
 </p:sld>
 </file>
 
-<file path=ppt/slides/slide24.xml><?xml version="1.0" encoding="utf-8"?>
-<p:sld xmlns:a="http://schemas.openxmlformats.org/drawingml/2006/main" xmlns:r="http://schemas.openxmlformats.org/officeDocument/2006/relationships" xmlns:p="http://schemas.openxmlformats.org/presentationml/2006/main" show="0">
+<file path=ppt/slides/slide26.xml><?xml version="1.0" encoding="utf-8"?>
+<p:sld xmlns:a="http://schemas.openxmlformats.org/drawingml/2006/main" xmlns:r="http://schemas.openxmlformats.org/officeDocument/2006/relationships" xmlns:p="http://schemas.openxmlformats.org/presentationml/2006/main">
   <p:cSld>
     <p:spTree>
       <p:nvGrpSpPr>
@@ -27085,7 +29010,7 @@
         </p:nvSpPr>
         <p:spPr>
           <a:xfrm>
-            <a:off x="854884" y="237744"/>
+            <a:off x="839705" y="137535"/>
             <a:ext cx="8014796" cy="928690"/>
           </a:xfrm>
           <a:prstGeom prst="rect">
@@ -27104,8 +29029,21 @@
                   <a:srgbClr val="2C363A"/>
                 </a:solidFill>
               </a:rPr>
-              <a:t>Import Local scripts</a:t>
-            </a:r>
+              <a:t>Handle File </a:t>
+            </a:r>
+            <a:r>
+              <a:rPr lang="en-US" sz="2400" dirty="0" smtClean="0">
+                <a:solidFill>
+                  <a:schemeClr val="accent2"/>
+                </a:solidFill>
+              </a:rPr>
+              <a:t>errors</a:t>
+            </a:r>
+            <a:endParaRPr lang="en-US" sz="2400" dirty="0">
+              <a:solidFill>
+                <a:schemeClr val="accent2"/>
+              </a:solidFill>
+            </a:endParaRPr>
           </a:p>
         </p:txBody>
       </p:sp>
@@ -27145,262 +29083,300 @@
             </a:pPr>
             <a:fld id="{00000000-1234-1234-1234-123412341234}" type="slidenum">
               <a:rPr lang="en"/>
-              <a:t>24</a:t>
+              <a:t>26</a:t>
             </a:fld>
             <a:endParaRPr/>
+          </a:p>
+        </p:txBody>
+      </p:sp>
+      <p:sp>
+        <p:nvSpPr>
+          <p:cNvPr id="2" name="Rectangle 1"/>
+          <p:cNvSpPr/>
+          <p:nvPr/>
+        </p:nvSpPr>
+        <p:spPr>
+          <a:xfrm>
+            <a:off x="588724" y="878335"/>
+            <a:ext cx="8391268" cy="1600438"/>
+          </a:xfrm>
+          <a:prstGeom prst="rect">
+            <a:avLst/>
+          </a:prstGeom>
+        </p:spPr>
+        <p:style>
+          <a:lnRef idx="2">
+            <a:schemeClr val="accent2"/>
+          </a:lnRef>
+          <a:fillRef idx="1">
+            <a:schemeClr val="lt1"/>
+          </a:fillRef>
+          <a:effectRef idx="0">
+            <a:schemeClr val="accent2"/>
+          </a:effectRef>
+          <a:fontRef idx="minor">
+            <a:schemeClr val="dk1"/>
+          </a:fontRef>
+        </p:style>
+        <p:txBody>
+          <a:bodyPr wrap="square">
+            <a:spAutoFit/>
+          </a:bodyPr>
+          <a:lstStyle/>
+          <a:p>
+            <a:r>
+              <a:rPr lang="en-US" dirty="0"/>
+              <a:t>amount = 10000</a:t>
+            </a:r>
+          </a:p>
+          <a:p>
+            <a:r>
+              <a:rPr lang="en-US" dirty="0"/>
+              <a:t>  </a:t>
+            </a:r>
+          </a:p>
+          <a:p>
+            <a:r>
+              <a:rPr lang="en-US" dirty="0"/>
+              <a:t># check that You are eligible to</a:t>
+            </a:r>
+          </a:p>
+          <a:p>
+            <a:r>
+              <a:rPr lang="en-US" dirty="0" smtClean="0"/>
+              <a:t>if(amount </a:t>
+            </a:r>
+            <a:r>
+              <a:rPr lang="en-US" dirty="0"/>
+              <a:t>&gt; 2999)</a:t>
+            </a:r>
+          </a:p>
+          <a:p>
+            <a:r>
+              <a:rPr lang="en-US" dirty="0"/>
+              <a:t> </a:t>
+            </a:r>
+            <a:r>
+              <a:rPr lang="en-US" dirty="0" smtClean="0"/>
+              <a:t>      print</a:t>
+            </a:r>
+            <a:r>
+              <a:rPr lang="en-US" dirty="0"/>
+              <a:t>("You are eligible to </a:t>
+            </a:r>
+            <a:r>
+              <a:rPr lang="en-US" dirty="0" smtClean="0"/>
+              <a:t>purchase")</a:t>
+            </a:r>
+          </a:p>
+          <a:p>
+            <a:endParaRPr lang="en-US" dirty="0"/>
+          </a:p>
+          <a:p>
+            <a:endParaRPr lang="en-US" dirty="0"/>
+          </a:p>
+        </p:txBody>
+      </p:sp>
+      <p:pic>
+        <p:nvPicPr>
+          <p:cNvPr id="2052" name="Picture 4" descr="Lightbox"/>
+          <p:cNvPicPr>
+            <a:picLocks noChangeAspect="1" noChangeArrowheads="1"/>
+          </p:cNvPicPr>
+          <p:nvPr/>
+        </p:nvPicPr>
+        <p:blipFill>
+          <a:blip r:embed="rId3">
+            <a:extLst>
+              <a:ext uri="{28A0092B-C50C-407E-A947-70E740481C1C}">
+                <a14:useLocalDpi xmlns:a14="http://schemas.microsoft.com/office/drawing/2010/main" val="0"/>
+              </a:ext>
+            </a:extLst>
+          </a:blip>
+          <a:srcRect/>
+          <a:stretch>
+            <a:fillRect/>
+          </a:stretch>
+        </p:blipFill>
+        <p:spPr bwMode="auto">
+          <a:xfrm>
+            <a:off x="3993890" y="1156610"/>
+            <a:ext cx="4986101" cy="933450"/>
+          </a:xfrm>
+          <a:prstGeom prst="rect">
+            <a:avLst/>
+          </a:prstGeom>
+          <a:noFill/>
+          <a:extLst>
+            <a:ext uri="{909E8E84-426E-40DD-AFC4-6F175D3DCCD1}">
+              <a14:hiddenFill xmlns:a14="http://schemas.microsoft.com/office/drawing/2010/main">
+                <a:solidFill>
+                  <a:srgbClr val="FFFFFF"/>
+                </a:solidFill>
+              </a14:hiddenFill>
+            </a:ext>
+          </a:extLst>
+        </p:spPr>
+      </p:pic>
+      <p:sp>
+        <p:nvSpPr>
+          <p:cNvPr id="5" name="Rectangle 4"/>
+          <p:cNvSpPr/>
+          <p:nvPr/>
+        </p:nvSpPr>
+        <p:spPr>
+          <a:xfrm>
+            <a:off x="649440" y="2634797"/>
+            <a:ext cx="8330551" cy="1169551"/>
+          </a:xfrm>
+          <a:prstGeom prst="rect">
+            <a:avLst/>
+          </a:prstGeom>
+        </p:spPr>
+        <p:style>
+          <a:lnRef idx="2">
+            <a:schemeClr val="accent1"/>
+          </a:lnRef>
+          <a:fillRef idx="1">
+            <a:schemeClr val="lt1"/>
+          </a:fillRef>
+          <a:effectRef idx="0">
+            <a:schemeClr val="accent1"/>
+          </a:effectRef>
+          <a:fontRef idx="minor">
+            <a:schemeClr val="dk1"/>
+          </a:fontRef>
+        </p:style>
+        <p:txBody>
+          <a:bodyPr wrap="square">
+            <a:spAutoFit/>
+          </a:bodyPr>
+          <a:lstStyle/>
+          <a:p>
+            <a:r>
+              <a:rPr lang="en-US" dirty="0"/>
+              <a:t>marks = 10000</a:t>
+            </a:r>
+          </a:p>
+          <a:p>
+            <a:r>
+              <a:rPr lang="en-US" dirty="0"/>
+              <a:t>  </a:t>
+            </a:r>
+          </a:p>
+          <a:p>
+            <a:r>
+              <a:rPr lang="en-US" dirty="0"/>
+              <a:t># perform division with 0</a:t>
+            </a:r>
+          </a:p>
+          <a:p>
+            <a:r>
+              <a:rPr lang="en-US" dirty="0"/>
+              <a:t>a = marks / 0</a:t>
+            </a:r>
+          </a:p>
+          <a:p>
+            <a:r>
+              <a:rPr lang="en-US" dirty="0"/>
+              <a:t>print(a)</a:t>
+            </a:r>
+          </a:p>
+        </p:txBody>
+      </p:sp>
+      <p:pic>
+        <p:nvPicPr>
+          <p:cNvPr id="2055" name="Picture 7" descr="https://media.geeksforgeeks.org/wp-content/uploads/20200616143535/zerodivition.png"/>
+          <p:cNvPicPr>
+            <a:picLocks noChangeAspect="1" noChangeArrowheads="1"/>
+          </p:cNvPicPr>
+          <p:nvPr/>
+        </p:nvPicPr>
+        <p:blipFill>
+          <a:blip r:embed="rId4">
+            <a:extLst>
+              <a:ext uri="{28A0092B-C50C-407E-A947-70E740481C1C}">
+                <a14:useLocalDpi xmlns:a14="http://schemas.microsoft.com/office/drawing/2010/main" val="0"/>
+              </a:ext>
+            </a:extLst>
+          </a:blip>
+          <a:srcRect/>
+          <a:stretch>
+            <a:fillRect/>
+          </a:stretch>
+        </p:blipFill>
+        <p:spPr bwMode="auto">
+          <a:xfrm>
+            <a:off x="3093929" y="2757048"/>
+            <a:ext cx="5886062" cy="923925"/>
+          </a:xfrm>
+          <a:prstGeom prst="rect">
+            <a:avLst/>
+          </a:prstGeom>
+          <a:noFill/>
+          <a:extLst>
+            <a:ext uri="{909E8E84-426E-40DD-AFC4-6F175D3DCCD1}">
+              <a14:hiddenFill xmlns:a14="http://schemas.microsoft.com/office/drawing/2010/main">
+                <a:solidFill>
+                  <a:srgbClr val="FFFFFF"/>
+                </a:solidFill>
+              </a14:hiddenFill>
+            </a:ext>
+          </a:extLst>
+        </p:spPr>
+      </p:pic>
+      <p:sp>
+        <p:nvSpPr>
+          <p:cNvPr id="7" name="Rectangle 6"/>
+          <p:cNvSpPr/>
+          <p:nvPr/>
+        </p:nvSpPr>
+        <p:spPr>
+          <a:xfrm>
+            <a:off x="714212" y="3815434"/>
+            <a:ext cx="8265779" cy="307777"/>
+          </a:xfrm>
+          <a:prstGeom prst="rect">
+            <a:avLst/>
+          </a:prstGeom>
+        </p:spPr>
+        <p:txBody>
+          <a:bodyPr wrap="square">
+            <a:spAutoFit/>
+          </a:bodyPr>
+          <a:lstStyle/>
+          <a:p>
+            <a:r>
+              <a:rPr lang="en-US" dirty="0">
+                <a:solidFill>
+                  <a:srgbClr val="0070C0"/>
+                </a:solidFill>
+              </a:rPr>
+              <a:t>In the above example raised the </a:t>
+            </a:r>
+            <a:r>
+              <a:rPr lang="en-US" dirty="0" err="1">
+                <a:solidFill>
+                  <a:srgbClr val="0070C0"/>
+                </a:solidFill>
+              </a:rPr>
+              <a:t>ZeroDivisionError</a:t>
+            </a:r>
+            <a:r>
+              <a:rPr lang="en-US" dirty="0">
+                <a:solidFill>
+                  <a:srgbClr val="0070C0"/>
+                </a:solidFill>
+              </a:rPr>
+              <a:t> as we are trying to divide a number by 0.</a:t>
+            </a:r>
           </a:p>
         </p:txBody>
       </p:sp>
     </p:spTree>
     <p:extLst>
       <p:ext uri="{BB962C8B-B14F-4D97-AF65-F5344CB8AC3E}">
-        <p14:creationId xmlns:p14="http://schemas.microsoft.com/office/powerpoint/2010/main" val="2827801440"/>
-      </p:ext>
-    </p:extLst>
-  </p:cSld>
-  <p:clrMapOvr>
-    <a:masterClrMapping/>
-  </p:clrMapOvr>
-  <mc:AlternateContent xmlns:mc="http://schemas.openxmlformats.org/markup-compatibility/2006">
-    <mc:Choice xmlns:p14="http://schemas.microsoft.com/office/powerpoint/2010/main" Requires="p14">
-      <p:transition spd="slow" p14:dur="2000"/>
-    </mc:Choice>
-    <mc:Fallback>
-      <p:transition spd="slow"/>
-    </mc:Fallback>
-  </mc:AlternateContent>
-  <p:timing>
-    <p:tnLst>
-      <p:par>
-        <p:cTn id="1" dur="indefinite" restart="never" nodeType="tmRoot"/>
-      </p:par>
-    </p:tnLst>
-  </p:timing>
-</p:sld>
-</file>
-
-<file path=ppt/slides/slide25.xml><?xml version="1.0" encoding="utf-8"?>
-<p:sld xmlns:a="http://schemas.openxmlformats.org/drawingml/2006/main" xmlns:r="http://schemas.openxmlformats.org/officeDocument/2006/relationships" xmlns:p="http://schemas.openxmlformats.org/presentationml/2006/main" show="0">
-  <p:cSld>
-    <p:spTree>
-      <p:nvGrpSpPr>
-        <p:cNvPr id="1" name="Shape 228"/>
-        <p:cNvGrpSpPr/>
-        <p:nvPr/>
-      </p:nvGrpSpPr>
-      <p:grpSpPr>
-        <a:xfrm>
-          <a:off x="0" y="0"/>
-          <a:ext cx="0" cy="0"/>
-          <a:chOff x="0" y="0"/>
-          <a:chExt cx="0" cy="0"/>
-        </a:xfrm>
-      </p:grpSpPr>
-      <p:sp>
-        <p:nvSpPr>
-          <p:cNvPr id="229" name="Google Shape;229;p26"/>
-          <p:cNvSpPr txBox="1">
-            <a:spLocks noGrp="1"/>
-          </p:cNvSpPr>
-          <p:nvPr>
-            <p:ph type="title" idx="4294967295"/>
-          </p:nvPr>
-        </p:nvSpPr>
-        <p:spPr>
-          <a:xfrm>
-            <a:off x="854884" y="237744"/>
-            <a:ext cx="8014796" cy="928690"/>
-          </a:xfrm>
-          <a:prstGeom prst="rect">
-            <a:avLst/>
-          </a:prstGeom>
-        </p:spPr>
-        <p:txBody>
-          <a:bodyPr spcFirstLastPara="1" wrap="square" lIns="91425" tIns="91425" rIns="91425" bIns="91425" anchor="ctr" anchorCtr="0">
-            <a:noAutofit/>
-          </a:bodyPr>
-          <a:lstStyle/>
-          <a:p>
-            <a:r>
-              <a:rPr lang="en-US" sz="2400" dirty="0">
-                <a:solidFill>
-                  <a:srgbClr val="2C363A"/>
-                </a:solidFill>
-              </a:rPr>
-              <a:t>Reading and loading text, csv data files using python</a:t>
-            </a:r>
-          </a:p>
-        </p:txBody>
-      </p:sp>
-      <p:sp>
-        <p:nvSpPr>
-          <p:cNvPr id="230" name="Google Shape;230;p26"/>
-          <p:cNvSpPr txBox="1">
-            <a:spLocks noGrp="1"/>
-          </p:cNvSpPr>
-          <p:nvPr>
-            <p:ph type="sldNum" idx="12"/>
-          </p:nvPr>
-        </p:nvSpPr>
-        <p:spPr>
-          <a:xfrm>
-            <a:off x="8556784" y="4749851"/>
-            <a:ext cx="548700" cy="393600"/>
-          </a:xfrm>
-          <a:prstGeom prst="rect">
-            <a:avLst/>
-          </a:prstGeom>
-        </p:spPr>
-        <p:txBody>
-          <a:bodyPr spcFirstLastPara="1" wrap="square" lIns="91425" tIns="91425" rIns="91425" bIns="91425" anchor="t" anchorCtr="0">
-            <a:noAutofit/>
-          </a:bodyPr>
-          <a:lstStyle/>
-          <a:p>
-            <a:pPr marL="0" lvl="0" indent="0" algn="r" rtl="0">
-              <a:spcBef>
-                <a:spcPts val="0"/>
-              </a:spcBef>
-              <a:spcAft>
-                <a:spcPts val="0"/>
-              </a:spcAft>
-              <a:buNone/>
-            </a:pPr>
-            <a:fld id="{00000000-1234-1234-1234-123412341234}" type="slidenum">
-              <a:rPr lang="en"/>
-              <a:t>25</a:t>
-            </a:fld>
-            <a:endParaRPr/>
-          </a:p>
-        </p:txBody>
-      </p:sp>
-    </p:spTree>
-    <p:extLst>
-      <p:ext uri="{BB962C8B-B14F-4D97-AF65-F5344CB8AC3E}">
-        <p14:creationId xmlns:p14="http://schemas.microsoft.com/office/powerpoint/2010/main" val="1961030818"/>
-      </p:ext>
-    </p:extLst>
-  </p:cSld>
-  <p:clrMapOvr>
-    <a:masterClrMapping/>
-  </p:clrMapOvr>
-  <mc:AlternateContent xmlns:mc="http://schemas.openxmlformats.org/markup-compatibility/2006">
-    <mc:Choice xmlns:p14="http://schemas.microsoft.com/office/powerpoint/2010/main" Requires="p14">
-      <p:transition spd="slow" p14:dur="2000"/>
-    </mc:Choice>
-    <mc:Fallback>
-      <p:transition spd="slow"/>
-    </mc:Fallback>
-  </mc:AlternateContent>
-  <p:timing>
-    <p:tnLst>
-      <p:par>
-        <p:cTn id="1" dur="indefinite" restart="never" nodeType="tmRoot"/>
-      </p:par>
-    </p:tnLst>
-  </p:timing>
-</p:sld>
-</file>
-
-<file path=ppt/slides/slide26.xml><?xml version="1.0" encoding="utf-8"?>
-<p:sld xmlns:a="http://schemas.openxmlformats.org/drawingml/2006/main" xmlns:r="http://schemas.openxmlformats.org/officeDocument/2006/relationships" xmlns:p="http://schemas.openxmlformats.org/presentationml/2006/main" show="0">
-  <p:cSld>
-    <p:spTree>
-      <p:nvGrpSpPr>
-        <p:cNvPr id="1" name="Shape 228"/>
-        <p:cNvGrpSpPr/>
-        <p:nvPr/>
-      </p:nvGrpSpPr>
-      <p:grpSpPr>
-        <a:xfrm>
-          <a:off x="0" y="0"/>
-          <a:ext cx="0" cy="0"/>
-          <a:chOff x="0" y="0"/>
-          <a:chExt cx="0" cy="0"/>
-        </a:xfrm>
-      </p:grpSpPr>
-      <p:sp>
-        <p:nvSpPr>
-          <p:cNvPr id="229" name="Google Shape;229;p26"/>
-          <p:cNvSpPr txBox="1">
-            <a:spLocks noGrp="1"/>
-          </p:cNvSpPr>
-          <p:nvPr>
-            <p:ph type="title" idx="4294967295"/>
-          </p:nvPr>
-        </p:nvSpPr>
-        <p:spPr>
-          <a:xfrm>
-            <a:off x="854884" y="237744"/>
-            <a:ext cx="8014796" cy="928690"/>
-          </a:xfrm>
-          <a:prstGeom prst="rect">
-            <a:avLst/>
-          </a:prstGeom>
-        </p:spPr>
-        <p:txBody>
-          <a:bodyPr spcFirstLastPara="1" wrap="square" lIns="91425" tIns="91425" rIns="91425" bIns="91425" anchor="ctr" anchorCtr="0">
-            <a:noAutofit/>
-          </a:bodyPr>
-          <a:lstStyle/>
-          <a:p>
-            <a:r>
-              <a:rPr lang="en-US" sz="2400" dirty="0">
-                <a:solidFill>
-                  <a:srgbClr val="2C363A"/>
-                </a:solidFill>
-              </a:rPr>
-              <a:t>Using Modules from standard library &amp; third party</a:t>
-            </a:r>
-          </a:p>
-        </p:txBody>
-      </p:sp>
-      <p:sp>
-        <p:nvSpPr>
-          <p:cNvPr id="230" name="Google Shape;230;p26"/>
-          <p:cNvSpPr txBox="1">
-            <a:spLocks noGrp="1"/>
-          </p:cNvSpPr>
-          <p:nvPr>
-            <p:ph type="sldNum" idx="12"/>
-          </p:nvPr>
-        </p:nvSpPr>
-        <p:spPr>
-          <a:xfrm>
-            <a:off x="8556784" y="4749851"/>
-            <a:ext cx="548700" cy="393600"/>
-          </a:xfrm>
-          <a:prstGeom prst="rect">
-            <a:avLst/>
-          </a:prstGeom>
-        </p:spPr>
-        <p:txBody>
-          <a:bodyPr spcFirstLastPara="1" wrap="square" lIns="91425" tIns="91425" rIns="91425" bIns="91425" anchor="t" anchorCtr="0">
-            <a:noAutofit/>
-          </a:bodyPr>
-          <a:lstStyle/>
-          <a:p>
-            <a:pPr marL="0" lvl="0" indent="0" algn="r" rtl="0">
-              <a:spcBef>
-                <a:spcPts val="0"/>
-              </a:spcBef>
-              <a:spcAft>
-                <a:spcPts val="0"/>
-              </a:spcAft>
-              <a:buNone/>
-            </a:pPr>
-            <a:fld id="{00000000-1234-1234-1234-123412341234}" type="slidenum">
-              <a:rPr lang="en"/>
-              <a:t>26</a:t>
-            </a:fld>
-            <a:endParaRPr/>
-          </a:p>
-        </p:txBody>
-      </p:sp>
-    </p:spTree>
-    <p:extLst>
-      <p:ext uri="{BB962C8B-B14F-4D97-AF65-F5344CB8AC3E}">
-        <p14:creationId xmlns:p14="http://schemas.microsoft.com/office/powerpoint/2010/main" val="1436671850"/>
+        <p14:creationId xmlns:p14="http://schemas.microsoft.com/office/powerpoint/2010/main" val="636129006"/>
       </p:ext>
     </p:extLst>
   </p:cSld>
@@ -27426,7 +29402,7 @@
 </file>
 
 <file path=ppt/slides/slide27.xml><?xml version="1.0" encoding="utf-8"?>
-<p:sld xmlns:a="http://schemas.openxmlformats.org/drawingml/2006/main" xmlns:r="http://schemas.openxmlformats.org/officeDocument/2006/relationships" xmlns:p="http://schemas.openxmlformats.org/presentationml/2006/main" show="0">
+<p:sld xmlns:a="http://schemas.openxmlformats.org/drawingml/2006/main" xmlns:r="http://schemas.openxmlformats.org/officeDocument/2006/relationships" xmlns:p="http://schemas.openxmlformats.org/presentationml/2006/main">
   <p:cSld>
     <p:spTree>
       <p:nvGrpSpPr>
@@ -27454,8 +29430,8 @@
         </p:nvSpPr>
         <p:spPr>
           <a:xfrm>
-            <a:off x="854884" y="237744"/>
-            <a:ext cx="8014796" cy="928690"/>
+            <a:off x="753247" y="-50355"/>
+            <a:ext cx="8077887" cy="928690"/>
           </a:xfrm>
           <a:prstGeom prst="rect">
             <a:avLst/>
@@ -27468,13 +29444,47 @@
           <a:lstStyle/>
           <a:p>
             <a:r>
+              <a:rPr lang="en-US" sz="2400" dirty="0" smtClean="0">
+                <a:solidFill>
+                  <a:schemeClr val="accent2"/>
+                </a:solidFill>
+                <a:latin typeface="+mj-lt"/>
+              </a:rPr>
+              <a:t>Try </a:t>
+            </a:r>
+            <a:r>
               <a:rPr lang="en-US" sz="2400" dirty="0">
                 <a:solidFill>
-                  <a:srgbClr val="2C363A"/>
+                  <a:schemeClr val="accent2"/>
                 </a:solidFill>
+                <a:latin typeface="+mj-lt"/>
               </a:rPr>
-              <a:t>Debugging python code</a:t>
-            </a:r>
+              <a:t>and Except </a:t>
+            </a:r>
+            <a:r>
+              <a:rPr lang="en-US" sz="2400" dirty="0">
+                <a:solidFill>
+                  <a:schemeClr val="tx1"/>
+                </a:solidFill>
+                <a:latin typeface="+mj-lt"/>
+              </a:rPr>
+              <a:t>Statement – Catching </a:t>
+            </a:r>
+            <a:r>
+              <a:rPr lang="en-US" sz="2400" dirty="0" smtClean="0">
+                <a:solidFill>
+                  <a:schemeClr val="tx1"/>
+                </a:solidFill>
+                <a:latin typeface="+mj-lt"/>
+              </a:rPr>
+              <a:t>Exceptions</a:t>
+            </a:r>
+            <a:endParaRPr lang="en-US" sz="2400" dirty="0">
+              <a:solidFill>
+                <a:schemeClr val="tx1"/>
+              </a:solidFill>
+              <a:latin typeface="+mj-lt"/>
+            </a:endParaRPr>
           </a:p>
         </p:txBody>
       </p:sp>
@@ -27520,10 +29530,131 @@
           </a:p>
         </p:txBody>
       </p:sp>
+      <p:sp>
+        <p:nvSpPr>
+          <p:cNvPr id="2" name="Rectangle 1"/>
+          <p:cNvSpPr/>
+          <p:nvPr/>
+        </p:nvSpPr>
+        <p:spPr>
+          <a:xfrm>
+            <a:off x="588723" y="878335"/>
+            <a:ext cx="8516761" cy="4031873"/>
+          </a:xfrm>
+          <a:prstGeom prst="rect">
+            <a:avLst/>
+          </a:prstGeom>
+        </p:spPr>
+        <p:txBody>
+          <a:bodyPr wrap="square">
+            <a:spAutoFit/>
+          </a:bodyPr>
+          <a:lstStyle/>
+          <a:p>
+            <a:r>
+              <a:rPr lang="en-US" sz="1600" dirty="0"/>
+              <a:t>Try and except statements are used to catch and handle exceptions in Python. Statements that can raise exceptions are kept inside the try clause and the statements that handle the exception are written inside except clause</a:t>
+            </a:r>
+            <a:r>
+              <a:rPr lang="en-US" sz="1600" dirty="0" smtClean="0"/>
+              <a:t>.</a:t>
+            </a:r>
+          </a:p>
+          <a:p>
+            <a:endParaRPr lang="en-US" sz="1600" dirty="0" smtClean="0"/>
+          </a:p>
+          <a:p>
+            <a:r>
+              <a:rPr lang="en-US" sz="1600" b="1" dirty="0" smtClean="0"/>
+              <a:t>Ex: </a:t>
+            </a:r>
+            <a:r>
+              <a:rPr lang="en-US" sz="1600" dirty="0"/>
+              <a:t> </a:t>
+            </a:r>
+            <a:r>
+              <a:rPr lang="en-US" sz="1600" dirty="0" smtClean="0"/>
+              <a:t>Python </a:t>
+            </a:r>
+            <a:r>
+              <a:rPr lang="en-US" sz="1600" dirty="0"/>
+              <a:t>program to handle simple runtime </a:t>
+            </a:r>
+            <a:r>
+              <a:rPr lang="en-US" sz="1600" dirty="0" smtClean="0"/>
+              <a:t>error</a:t>
+            </a:r>
+          </a:p>
+          <a:p>
+            <a:endParaRPr lang="en-US" sz="1600" b="1" dirty="0"/>
+          </a:p>
+          <a:p>
+            <a:r>
+              <a:rPr lang="en-US" sz="1600" dirty="0"/>
+              <a:t>a = [1, 2, 3]</a:t>
+            </a:r>
+          </a:p>
+          <a:p>
+            <a:r>
+              <a:rPr lang="en-US" sz="1600" dirty="0"/>
+              <a:t>try: </a:t>
+            </a:r>
+          </a:p>
+          <a:p>
+            <a:r>
+              <a:rPr lang="en-US" sz="1600" dirty="0"/>
+              <a:t>    print ("Second element = %d" %(a[1]))</a:t>
+            </a:r>
+          </a:p>
+          <a:p>
+            <a:r>
+              <a:rPr lang="en-US" sz="1600" dirty="0"/>
+              <a:t>  </a:t>
+            </a:r>
+          </a:p>
+          <a:p>
+            <a:r>
+              <a:rPr lang="en-US" sz="1600" dirty="0"/>
+              <a:t>    # Throws error since there are only 3 elements in array</a:t>
+            </a:r>
+          </a:p>
+          <a:p>
+            <a:r>
+              <a:rPr lang="en-US" sz="1600" dirty="0"/>
+              <a:t>    print ("Fourth element = %d" %(a[3]))</a:t>
+            </a:r>
+          </a:p>
+          <a:p>
+            <a:r>
+              <a:rPr lang="en-US" sz="1600" dirty="0"/>
+              <a:t>  </a:t>
+            </a:r>
+          </a:p>
+          <a:p>
+            <a:r>
+              <a:rPr lang="en-US" sz="1600" dirty="0"/>
+              <a:t>except:</a:t>
+            </a:r>
+          </a:p>
+          <a:p>
+            <a:r>
+              <a:rPr lang="en-US" sz="1600" dirty="0"/>
+              <a:t>    print ("An error occurred</a:t>
+            </a:r>
+            <a:r>
+              <a:rPr lang="en-US" sz="1600" dirty="0" smtClean="0"/>
+              <a:t>")</a:t>
+            </a:r>
+          </a:p>
+          <a:p>
+            <a:endParaRPr lang="en-US" sz="1600" dirty="0"/>
+          </a:p>
+        </p:txBody>
+      </p:sp>
     </p:spTree>
     <p:extLst>
       <p:ext uri="{BB962C8B-B14F-4D97-AF65-F5344CB8AC3E}">
-        <p14:creationId xmlns:p14="http://schemas.microsoft.com/office/powerpoint/2010/main" val="1727943714"/>
+        <p14:creationId xmlns:p14="http://schemas.microsoft.com/office/powerpoint/2010/main" val="3033303548"/>
       </p:ext>
     </p:extLst>
   </p:cSld>
@@ -27596,7 +29727,7 @@
                   <a:srgbClr val="2C363A"/>
                 </a:solidFill>
               </a:rPr>
-              <a:t>Understanding packaging of python code to EXE</a:t>
+              <a:t>Import Local scripts</a:t>
             </a:r>
           </a:p>
         </p:txBody>
@@ -27646,18 +29777,18 @@
     </p:spTree>
     <p:extLst>
       <p:ext uri="{BB962C8B-B14F-4D97-AF65-F5344CB8AC3E}">
-        <p14:creationId xmlns:p14="http://schemas.microsoft.com/office/powerpoint/2010/main" val="732127515"/>
+        <p14:creationId xmlns:p14="http://schemas.microsoft.com/office/powerpoint/2010/main" val="2827801440"/>
       </p:ext>
     </p:extLst>
   </p:cSld>
   <p:clrMapOvr>
     <a:masterClrMapping/>
   </p:clrMapOvr>
-  <mc:AlternateContent xmlns:mc="http://schemas.openxmlformats.org/markup-compatibility/2006">
-    <mc:Choice xmlns:p14="http://schemas.microsoft.com/office/powerpoint/2010/main" Requires="p14">
+  <mc:AlternateContent xmlns:mc="http://schemas.openxmlformats.org/markup-compatibility/2006" xmlns:p14="http://schemas.microsoft.com/office/powerpoint/2010/main">
+    <mc:Choice Requires="p14">
       <p:transition spd="slow" p14:dur="2000"/>
     </mc:Choice>
-    <mc:Fallback>
+    <mc:Fallback xmlns="">
       <p:transition spd="slow"/>
     </mc:Fallback>
   </mc:AlternateContent>
@@ -27700,8 +29831,8 @@
         </p:nvSpPr>
         <p:spPr>
           <a:xfrm>
-            <a:off x="854884" y="168835"/>
-            <a:ext cx="8250600" cy="798300"/>
+            <a:off x="854884" y="237744"/>
+            <a:ext cx="8014796" cy="928690"/>
           </a:xfrm>
           <a:prstGeom prst="rect">
             <a:avLst/>
@@ -27714,18 +29845,13 @@
           <a:lstStyle/>
           <a:p>
             <a:r>
-              <a:rPr lang="en-US" sz="2400" dirty="0" smtClean="0">
+              <a:rPr lang="en-US" sz="2400" dirty="0">
                 <a:solidFill>
                   <a:srgbClr val="2C363A"/>
                 </a:solidFill>
               </a:rPr>
-              <a:t>Assignments</a:t>
-            </a:r>
-            <a:endParaRPr sz="2400" dirty="0">
-              <a:solidFill>
-                <a:schemeClr val="accent2"/>
-              </a:solidFill>
-            </a:endParaRPr>
+              <a:t>Reading and loading text, csv data files using python</a:t>
+            </a:r>
           </a:p>
         </p:txBody>
       </p:sp>
@@ -27771,16 +29897,57 @@
           </a:p>
         </p:txBody>
       </p:sp>
+      <p:sp>
+        <p:nvSpPr>
+          <p:cNvPr id="3" name="Rectangle 2"/>
+          <p:cNvSpPr/>
+          <p:nvPr/>
+        </p:nvSpPr>
+        <p:spPr>
+          <a:xfrm>
+            <a:off x="640080" y="1166434"/>
+            <a:ext cx="7916704" cy="2585323"/>
+          </a:xfrm>
+          <a:prstGeom prst="rect">
+            <a:avLst/>
+          </a:prstGeom>
+        </p:spPr>
+        <p:txBody>
+          <a:bodyPr wrap="square">
+            <a:spAutoFit/>
+          </a:bodyPr>
+          <a:lstStyle/>
+          <a:p>
+            <a:pPr>
+              <a:lnSpc>
+                <a:spcPct val="150000"/>
+              </a:lnSpc>
+            </a:pPr>
+            <a:r>
+              <a:rPr lang="en-US" sz="1800" dirty="0"/>
+              <a:t>A CSV (Comma Separated Values) file is a form of plain text document which uses a particular format to organize tabular information. CSV file format is a bounded text document that uses a comma to distinguish the values. Every row in the document is a data log. Each log is composed of one or more fields, divided by commas. It is the most popular file format for importing and exporting spreadsheets and databases.</a:t>
+            </a:r>
+          </a:p>
+        </p:txBody>
+      </p:sp>
     </p:spTree>
     <p:extLst>
       <p:ext uri="{BB962C8B-B14F-4D97-AF65-F5344CB8AC3E}">
-        <p14:creationId xmlns:p14="http://schemas.microsoft.com/office/powerpoint/2010/main" val="4288457442"/>
+        <p14:creationId xmlns:p14="http://schemas.microsoft.com/office/powerpoint/2010/main" val="1961030818"/>
       </p:ext>
     </p:extLst>
   </p:cSld>
   <p:clrMapOvr>
     <a:masterClrMapping/>
   </p:clrMapOvr>
+  <mc:AlternateContent xmlns:mc="http://schemas.openxmlformats.org/markup-compatibility/2006">
+    <mc:Choice xmlns:p14="http://schemas.microsoft.com/office/powerpoint/2010/main" Requires="p14">
+      <p:transition spd="slow" p14:dur="2000"/>
+    </mc:Choice>
+    <mc:Fallback>
+      <p:transition spd="slow"/>
+    </mc:Fallback>
+  </mc:AlternateContent>
   <p:timing>
     <p:tnLst>
       <p:par>
@@ -28001,8 +30168,8 @@
         </p:nvSpPr>
         <p:spPr>
           <a:xfrm>
-            <a:off x="306184" y="619039"/>
-            <a:ext cx="8250600" cy="798300"/>
+            <a:off x="854884" y="237744"/>
+            <a:ext cx="8014796" cy="928690"/>
           </a:xfrm>
           <a:prstGeom prst="rect">
             <a:avLst/>
@@ -28014,20 +30181,14 @@
           </a:bodyPr>
           <a:lstStyle/>
           <a:p>
-            <a:pPr lvl="0" algn="ctr"/>
-            <a:r>
-              <a:rPr lang="en-US" sz="2400" dirty="0" smtClean="0">
+            <a:r>
+              <a:rPr lang="en-US" sz="2400" dirty="0">
                 <a:solidFill>
                   <a:srgbClr val="2C363A"/>
                 </a:solidFill>
               </a:rPr>
-              <a:t>Code for the presentation can be found here</a:t>
-            </a:r>
-            <a:endParaRPr sz="2400" dirty="0">
-              <a:solidFill>
-                <a:schemeClr val="accent2"/>
-              </a:solidFill>
-            </a:endParaRPr>
+              <a:t>Reading and loading text, csv data files using python</a:t>
+            </a:r>
           </a:p>
         </p:txBody>
       </p:sp>
@@ -28081,46 +30242,121 @@
         </p:nvSpPr>
         <p:spPr>
           <a:xfrm>
-            <a:off x="650452" y="2015526"/>
-            <a:ext cx="7906332" cy="1138773"/>
+            <a:off x="676656" y="1166434"/>
+            <a:ext cx="7880128" cy="3139321"/>
           </a:xfrm>
           <a:prstGeom prst="rect">
             <a:avLst/>
           </a:prstGeom>
         </p:spPr>
         <p:txBody>
-          <a:bodyPr wrap="none">
+          <a:bodyPr wrap="square">
             <a:spAutoFit/>
           </a:bodyPr>
           <a:lstStyle/>
           <a:p>
-            <a:pPr algn="ctr"/>
-            <a:r>
-              <a:rPr lang="en-US" sz="2000" b="1" dirty="0" smtClean="0"/>
-              <a:t>Refer Readme.md of </a:t>
-            </a:r>
-            <a:r>
-              <a:rPr lang="en-US" sz="2000" b="1" dirty="0" err="1" smtClean="0"/>
-              <a:t>github</a:t>
-            </a:r>
-            <a:r>
-              <a:rPr lang="en-US" sz="2000" b="1" dirty="0" smtClean="0"/>
-              <a:t> repository for list of assignments:</a:t>
-            </a:r>
-          </a:p>
-          <a:p>
-            <a:pPr algn="ctr"/>
-            <a:endParaRPr lang="en-US" sz="2400" b="1" dirty="0" smtClean="0"/>
-          </a:p>
-          <a:p>
-            <a:pPr algn="ctr"/>
-            <a:r>
-              <a:rPr lang="en-US" sz="2400" b="1" dirty="0" smtClean="0"/>
-              <a:t>https</a:t>
-            </a:r>
-            <a:r>
-              <a:rPr lang="en-US" sz="2400" b="1" dirty="0"/>
-              <a:t>://github.com/tahirmirji/ai_with_python_keonics</a:t>
+            <a:pPr fontAlgn="base"/>
+            <a:r>
+              <a:rPr lang="en-US" sz="1800" b="1" dirty="0">
+                <a:solidFill>
+                  <a:srgbClr val="273239"/>
+                </a:solidFill>
+                <a:latin typeface="+mj-lt"/>
+              </a:rPr>
+              <a:t>Reading a CSV </a:t>
+            </a:r>
+            <a:r>
+              <a:rPr lang="en-US" sz="1800" b="1" dirty="0" smtClean="0">
+                <a:solidFill>
+                  <a:srgbClr val="273239"/>
+                </a:solidFill>
+                <a:latin typeface="+mj-lt"/>
+              </a:rPr>
+              <a:t>File</a:t>
+            </a:r>
+          </a:p>
+          <a:p>
+            <a:pPr algn="ctr" fontAlgn="base"/>
+            <a:endParaRPr lang="en-US" sz="1800" b="1" dirty="0">
+              <a:solidFill>
+                <a:srgbClr val="273239"/>
+              </a:solidFill>
+              <a:latin typeface="+mj-lt"/>
+            </a:endParaRPr>
+          </a:p>
+          <a:p>
+            <a:pPr fontAlgn="base"/>
+            <a:r>
+              <a:rPr lang="en-US" sz="1800" dirty="0">
+                <a:solidFill>
+                  <a:srgbClr val="273239"/>
+                </a:solidFill>
+                <a:latin typeface="+mj-lt"/>
+              </a:rPr>
+              <a:t>There are various ways to read a CSV file that uses either the CSV module or the pandas library. </a:t>
+            </a:r>
+            <a:endParaRPr lang="en-US" sz="1800" dirty="0" smtClean="0">
+              <a:solidFill>
+                <a:srgbClr val="273239"/>
+              </a:solidFill>
+              <a:latin typeface="+mj-lt"/>
+            </a:endParaRPr>
+          </a:p>
+          <a:p>
+            <a:pPr fontAlgn="base"/>
+            <a:endParaRPr lang="en-US" sz="1800" dirty="0">
+              <a:solidFill>
+                <a:srgbClr val="273239"/>
+              </a:solidFill>
+              <a:latin typeface="+mj-lt"/>
+            </a:endParaRPr>
+          </a:p>
+          <a:p>
+            <a:pPr marL="285750" indent="-285750" fontAlgn="base">
+              <a:buFont typeface="Arial" panose="020B0604020202020204" pitchFamily="34" charset="0"/>
+              <a:buChar char="•"/>
+            </a:pPr>
+            <a:r>
+              <a:rPr lang="en-US" sz="1800" b="1" dirty="0">
+                <a:solidFill>
+                  <a:srgbClr val="273239"/>
+                </a:solidFill>
+                <a:latin typeface="+mj-lt"/>
+              </a:rPr>
+              <a:t>csv Module:</a:t>
+            </a:r>
+            <a:r>
+              <a:rPr lang="en-US" sz="1800" dirty="0">
+                <a:solidFill>
+                  <a:srgbClr val="273239"/>
+                </a:solidFill>
+                <a:latin typeface="+mj-lt"/>
+              </a:rPr>
+              <a:t> The CSV module is one of the modules in Python which provides classes for reading and writing tabular information in CSV file format.</a:t>
+            </a:r>
+          </a:p>
+          <a:p>
+            <a:pPr marL="285750" indent="-285750" fontAlgn="base">
+              <a:buFont typeface="Arial" panose="020B0604020202020204" pitchFamily="34" charset="0"/>
+              <a:buChar char="•"/>
+            </a:pPr>
+            <a:r>
+              <a:rPr lang="en-US" sz="1800" b="1" dirty="0">
+                <a:solidFill>
+                  <a:srgbClr val="273239"/>
+                </a:solidFill>
+                <a:latin typeface="+mj-lt"/>
+              </a:rPr>
+              <a:t>pandas Library:</a:t>
+            </a:r>
+            <a:r>
+              <a:rPr lang="en-US" sz="1800" dirty="0">
+                <a:solidFill>
+                  <a:srgbClr val="273239"/>
+                </a:solidFill>
+                <a:latin typeface="+mj-lt"/>
+              </a:rPr>
+              <a:t> The pandas library is one of the open-source Python libraries that provide high-performance, convenient data structures and data analysis tools and techniques for Python programming. </a:t>
             </a:r>
           </a:p>
         </p:txBody>
@@ -28128,13 +30364,21 @@
     </p:spTree>
     <p:extLst>
       <p:ext uri="{BB962C8B-B14F-4D97-AF65-F5344CB8AC3E}">
-        <p14:creationId xmlns:p14="http://schemas.microsoft.com/office/powerpoint/2010/main" val="3319305882"/>
+        <p14:creationId xmlns:p14="http://schemas.microsoft.com/office/powerpoint/2010/main" val="912356544"/>
       </p:ext>
     </p:extLst>
   </p:cSld>
   <p:clrMapOvr>
     <a:masterClrMapping/>
   </p:clrMapOvr>
+  <mc:AlternateContent xmlns:mc="http://schemas.openxmlformats.org/markup-compatibility/2006">
+    <mc:Choice xmlns:p14="http://schemas.microsoft.com/office/powerpoint/2010/main" Requires="p14">
+      <p:transition spd="slow" p14:dur="2000"/>
+    </mc:Choice>
+    <mc:Fallback>
+      <p:transition spd="slow"/>
+    </mc:Fallback>
+  </mc:AlternateContent>
   <p:timing>
     <p:tnLst>
       <p:par>
@@ -28150,7 +30394,7 @@
   <p:cSld>
     <p:spTree>
       <p:nvGrpSpPr>
-        <p:cNvPr id="1" name=""/>
+        <p:cNvPr id="1" name="Shape 228"/>
         <p:cNvGrpSpPr/>
         <p:nvPr/>
       </p:nvGrpSpPr>
@@ -28164,17 +30408,63 @@
       </p:grpSpPr>
       <p:sp>
         <p:nvSpPr>
-          <p:cNvPr id="5" name="Slide Number Placeholder 4"/>
-          <p:cNvSpPr>
+          <p:cNvPr id="229" name="Google Shape;229;p26"/>
+          <p:cNvSpPr txBox="1">
+            <a:spLocks noGrp="1"/>
+          </p:cNvSpPr>
+          <p:nvPr>
+            <p:ph type="title" idx="4294967295"/>
+          </p:nvPr>
+        </p:nvSpPr>
+        <p:spPr>
+          <a:xfrm>
+            <a:off x="854884" y="237744"/>
+            <a:ext cx="8014796" cy="928690"/>
+          </a:xfrm>
+          <a:prstGeom prst="rect">
+            <a:avLst/>
+          </a:prstGeom>
+        </p:spPr>
+        <p:txBody>
+          <a:bodyPr spcFirstLastPara="1" wrap="square" lIns="91425" tIns="91425" rIns="91425" bIns="91425" anchor="ctr" anchorCtr="0">
+            <a:noAutofit/>
+          </a:bodyPr>
+          <a:lstStyle/>
+          <a:p>
+            <a:r>
+              <a:rPr lang="en-US" sz="2400" dirty="0">
+                <a:solidFill>
+                  <a:srgbClr val="2C363A"/>
+                </a:solidFill>
+              </a:rPr>
+              <a:t>Reading and loading text, csv data files using python</a:t>
+            </a:r>
+          </a:p>
+        </p:txBody>
+      </p:sp>
+      <p:sp>
+        <p:nvSpPr>
+          <p:cNvPr id="230" name="Google Shape;230;p26"/>
+          <p:cNvSpPr txBox="1">
             <a:spLocks noGrp="1"/>
           </p:cNvSpPr>
           <p:nvPr>
             <p:ph type="sldNum" idx="12"/>
           </p:nvPr>
         </p:nvSpPr>
-        <p:spPr/>
+        <p:spPr>
+          <a:xfrm>
+            <a:off x="8556784" y="4749851"/>
+            <a:ext cx="548700" cy="393600"/>
+          </a:xfrm>
+          <a:prstGeom prst="rect">
+            <a:avLst/>
+          </a:prstGeom>
+        </p:spPr>
         <p:txBody>
-          <a:bodyPr/>
+          <a:bodyPr spcFirstLastPara="1" wrap="square" lIns="91425" tIns="91425" rIns="91425" bIns="91425" anchor="t" anchorCtr="0">
+            <a:noAutofit/>
+          </a:bodyPr>
           <a:lstStyle/>
           <a:p>
             <a:pPr marL="0" lvl="0" indent="0" algn="r" rtl="0">
@@ -28187,70 +30477,1632 @@
               <a:buNone/>
             </a:pPr>
             <a:fld id="{00000000-1234-1234-1234-123412341234}" type="slidenum">
-              <a:rPr lang="en" smtClean="0"/>
+              <a:rPr lang="en"/>
               <a:t>31</a:t>
             </a:fld>
-            <a:endParaRPr lang="en"/>
+            <a:endParaRPr/>
           </a:p>
         </p:txBody>
       </p:sp>
       <p:sp>
         <p:nvSpPr>
-          <p:cNvPr id="6" name="Oval 5"/>
+          <p:cNvPr id="2" name="Rectangle 1"/>
           <p:cNvSpPr/>
           <p:nvPr/>
         </p:nvSpPr>
         <p:spPr>
           <a:xfrm>
-            <a:off x="837282" y="-1156694"/>
-            <a:ext cx="7590621" cy="7590621"/>
-          </a:xfrm>
-          <a:prstGeom prst="ellipse">
-            <a:avLst/>
-          </a:prstGeom>
-          <a:ln>
-            <a:noFill/>
-          </a:ln>
-        </p:spPr>
-        <p:style>
-          <a:lnRef idx="2">
-            <a:schemeClr val="accent1">
-              <a:shade val="50000"/>
-            </a:schemeClr>
-          </a:lnRef>
-          <a:fillRef idx="1">
-            <a:schemeClr val="accent1"/>
-          </a:fillRef>
-          <a:effectRef idx="0">
-            <a:schemeClr val="accent1"/>
-          </a:effectRef>
-          <a:fontRef idx="minor">
-            <a:schemeClr val="lt1"/>
-          </a:fontRef>
-        </p:style>
+            <a:off x="676656" y="1166434"/>
+            <a:ext cx="7880128" cy="3139321"/>
+          </a:xfrm>
+          <a:prstGeom prst="rect">
+            <a:avLst/>
+          </a:prstGeom>
+        </p:spPr>
         <p:txBody>
-          <a:bodyPr rtlCol="0" anchor="ctr"/>
+          <a:bodyPr wrap="square">
+            <a:spAutoFit/>
+          </a:bodyPr>
           <a:lstStyle/>
           <a:p>
-            <a:pPr algn="ctr"/>
-            <a:r>
-              <a:rPr lang="en-US" sz="8000" dirty="0" smtClean="0"/>
-              <a:t>Thank You</a:t>
-            </a:r>
-            <a:endParaRPr lang="en-US" sz="8000" dirty="0"/>
+            <a:pPr fontAlgn="base"/>
+            <a:r>
+              <a:rPr lang="en-US" sz="1800" b="1" dirty="0">
+                <a:solidFill>
+                  <a:srgbClr val="273239"/>
+                </a:solidFill>
+                <a:latin typeface="+mj-lt"/>
+              </a:rPr>
+              <a:t>Reading a CSV </a:t>
+            </a:r>
+            <a:r>
+              <a:rPr lang="en-US" sz="1800" b="1" dirty="0" smtClean="0">
+                <a:solidFill>
+                  <a:srgbClr val="273239"/>
+                </a:solidFill>
+                <a:latin typeface="+mj-lt"/>
+              </a:rPr>
+              <a:t>File</a:t>
+            </a:r>
+          </a:p>
+          <a:p>
+            <a:pPr algn="ctr" fontAlgn="base"/>
+            <a:endParaRPr lang="en-US" sz="1800" b="1" dirty="0">
+              <a:solidFill>
+                <a:srgbClr val="273239"/>
+              </a:solidFill>
+              <a:latin typeface="+mj-lt"/>
+            </a:endParaRPr>
+          </a:p>
+          <a:p>
+            <a:pPr fontAlgn="base"/>
+            <a:r>
+              <a:rPr lang="en-US" sz="1800" dirty="0">
+                <a:solidFill>
+                  <a:srgbClr val="273239"/>
+                </a:solidFill>
+                <a:latin typeface="+mj-lt"/>
+              </a:rPr>
+              <a:t>There are various ways to read a CSV file that uses either the CSV module or the pandas library. </a:t>
+            </a:r>
+            <a:endParaRPr lang="en-US" sz="1800" dirty="0" smtClean="0">
+              <a:solidFill>
+                <a:srgbClr val="273239"/>
+              </a:solidFill>
+              <a:latin typeface="+mj-lt"/>
+            </a:endParaRPr>
+          </a:p>
+          <a:p>
+            <a:pPr fontAlgn="base"/>
+            <a:endParaRPr lang="en-US" sz="1800" dirty="0">
+              <a:solidFill>
+                <a:srgbClr val="273239"/>
+              </a:solidFill>
+              <a:latin typeface="+mj-lt"/>
+            </a:endParaRPr>
+          </a:p>
+          <a:p>
+            <a:pPr marL="285750" indent="-285750" fontAlgn="base">
+              <a:buFont typeface="Arial" panose="020B0604020202020204" pitchFamily="34" charset="0"/>
+              <a:buChar char="•"/>
+            </a:pPr>
+            <a:r>
+              <a:rPr lang="en-US" sz="1800" b="1" dirty="0">
+                <a:solidFill>
+                  <a:srgbClr val="273239"/>
+                </a:solidFill>
+                <a:latin typeface="+mj-lt"/>
+              </a:rPr>
+              <a:t>csv Module:</a:t>
+            </a:r>
+            <a:r>
+              <a:rPr lang="en-US" sz="1800" dirty="0">
+                <a:solidFill>
+                  <a:srgbClr val="273239"/>
+                </a:solidFill>
+                <a:latin typeface="+mj-lt"/>
+              </a:rPr>
+              <a:t> The CSV module is one of the modules in Python which provides classes for reading and writing tabular information in CSV file format.</a:t>
+            </a:r>
+          </a:p>
+          <a:p>
+            <a:pPr marL="285750" indent="-285750" fontAlgn="base">
+              <a:buFont typeface="Arial" panose="020B0604020202020204" pitchFamily="34" charset="0"/>
+              <a:buChar char="•"/>
+            </a:pPr>
+            <a:r>
+              <a:rPr lang="en-US" sz="1800" b="1" dirty="0">
+                <a:solidFill>
+                  <a:srgbClr val="273239"/>
+                </a:solidFill>
+                <a:latin typeface="+mj-lt"/>
+              </a:rPr>
+              <a:t>pandas Library:</a:t>
+            </a:r>
+            <a:r>
+              <a:rPr lang="en-US" sz="1800" dirty="0">
+                <a:solidFill>
+                  <a:srgbClr val="273239"/>
+                </a:solidFill>
+                <a:latin typeface="+mj-lt"/>
+              </a:rPr>
+              <a:t> The pandas library is one of the open-source Python libraries that provide high-performance, convenient data structures and data analysis tools and techniques for Python programming. </a:t>
+            </a:r>
           </a:p>
         </p:txBody>
       </p:sp>
     </p:spTree>
     <p:extLst>
       <p:ext uri="{BB962C8B-B14F-4D97-AF65-F5344CB8AC3E}">
-        <p14:creationId xmlns:p14="http://schemas.microsoft.com/office/powerpoint/2010/main" val="1594356354"/>
+        <p14:creationId xmlns:p14="http://schemas.microsoft.com/office/powerpoint/2010/main" val="3221509173"/>
       </p:ext>
     </p:extLst>
   </p:cSld>
   <p:clrMapOvr>
     <a:masterClrMapping/>
   </p:clrMapOvr>
+  <mc:AlternateContent xmlns:mc="http://schemas.openxmlformats.org/markup-compatibility/2006">
+    <mc:Choice xmlns:p14="http://schemas.microsoft.com/office/powerpoint/2010/main" Requires="p14">
+      <p:transition spd="slow" p14:dur="2000"/>
+    </mc:Choice>
+    <mc:Fallback>
+      <p:transition spd="slow"/>
+    </mc:Fallback>
+  </mc:AlternateContent>
+  <p:timing>
+    <p:tnLst>
+      <p:par>
+        <p:cTn id="1" dur="indefinite" restart="never" nodeType="tmRoot"/>
+      </p:par>
+    </p:tnLst>
+  </p:timing>
+</p:sld>
+</file>
+
+<file path=ppt/slides/slide32.xml><?xml version="1.0" encoding="utf-8"?>
+<p:sld xmlns:a="http://schemas.openxmlformats.org/drawingml/2006/main" xmlns:r="http://schemas.openxmlformats.org/officeDocument/2006/relationships" xmlns:p="http://schemas.openxmlformats.org/presentationml/2006/main">
+  <p:cSld>
+    <p:spTree>
+      <p:nvGrpSpPr>
+        <p:cNvPr id="1" name="Shape 228"/>
+        <p:cNvGrpSpPr/>
+        <p:nvPr/>
+      </p:nvGrpSpPr>
+      <p:grpSpPr>
+        <a:xfrm>
+          <a:off x="0" y="0"/>
+          <a:ext cx="0" cy="0"/>
+          <a:chOff x="0" y="0"/>
+          <a:chExt cx="0" cy="0"/>
+        </a:xfrm>
+      </p:grpSpPr>
+      <p:sp>
+        <p:nvSpPr>
+          <p:cNvPr id="229" name="Google Shape;229;p26"/>
+          <p:cNvSpPr txBox="1">
+            <a:spLocks noGrp="1"/>
+          </p:cNvSpPr>
+          <p:nvPr>
+            <p:ph type="title" idx="4294967295"/>
+          </p:nvPr>
+        </p:nvSpPr>
+        <p:spPr>
+          <a:xfrm>
+            <a:off x="854884" y="237744"/>
+            <a:ext cx="8014796" cy="928690"/>
+          </a:xfrm>
+          <a:prstGeom prst="rect">
+            <a:avLst/>
+          </a:prstGeom>
+        </p:spPr>
+        <p:txBody>
+          <a:bodyPr spcFirstLastPara="1" wrap="square" lIns="91425" tIns="91425" rIns="91425" bIns="91425" anchor="ctr" anchorCtr="0">
+            <a:noAutofit/>
+          </a:bodyPr>
+          <a:lstStyle/>
+          <a:p>
+            <a:r>
+              <a:rPr lang="en-US" sz="2400" dirty="0">
+                <a:solidFill>
+                  <a:srgbClr val="2C363A"/>
+                </a:solidFill>
+              </a:rPr>
+              <a:t>Reading and loading text, csv data files using python</a:t>
+            </a:r>
+          </a:p>
+        </p:txBody>
+      </p:sp>
+      <p:sp>
+        <p:nvSpPr>
+          <p:cNvPr id="230" name="Google Shape;230;p26"/>
+          <p:cNvSpPr txBox="1">
+            <a:spLocks noGrp="1"/>
+          </p:cNvSpPr>
+          <p:nvPr>
+            <p:ph type="sldNum" idx="12"/>
+          </p:nvPr>
+        </p:nvSpPr>
+        <p:spPr>
+          <a:xfrm>
+            <a:off x="8556784" y="4749851"/>
+            <a:ext cx="548700" cy="393600"/>
+          </a:xfrm>
+          <a:prstGeom prst="rect">
+            <a:avLst/>
+          </a:prstGeom>
+        </p:spPr>
+        <p:txBody>
+          <a:bodyPr spcFirstLastPara="1" wrap="square" lIns="91425" tIns="91425" rIns="91425" bIns="91425" anchor="t" anchorCtr="0">
+            <a:noAutofit/>
+          </a:bodyPr>
+          <a:lstStyle/>
+          <a:p>
+            <a:pPr marL="0" lvl="0" indent="0" algn="r" rtl="0">
+              <a:spcBef>
+                <a:spcPts val="0"/>
+              </a:spcBef>
+              <a:spcAft>
+                <a:spcPts val="0"/>
+              </a:spcAft>
+              <a:buNone/>
+            </a:pPr>
+            <a:fld id="{00000000-1234-1234-1234-123412341234}" type="slidenum">
+              <a:rPr lang="en"/>
+              <a:t>32</a:t>
+            </a:fld>
+            <a:endParaRPr/>
+          </a:p>
+        </p:txBody>
+      </p:sp>
+      <p:sp>
+        <p:nvSpPr>
+          <p:cNvPr id="2" name="Rectangle 1"/>
+          <p:cNvSpPr/>
+          <p:nvPr/>
+        </p:nvSpPr>
+        <p:spPr>
+          <a:xfrm>
+            <a:off x="638110" y="1038418"/>
+            <a:ext cx="8193024" cy="3416320"/>
+          </a:xfrm>
+          <a:prstGeom prst="rect">
+            <a:avLst/>
+          </a:prstGeom>
+        </p:spPr>
+        <p:txBody>
+          <a:bodyPr wrap="square">
+            <a:spAutoFit/>
+          </a:bodyPr>
+          <a:lstStyle/>
+          <a:p>
+            <a:pPr algn="just" fontAlgn="base">
+              <a:lnSpc>
+                <a:spcPct val="150000"/>
+              </a:lnSpc>
+            </a:pPr>
+            <a:r>
+              <a:rPr lang="en-US" sz="1800" b="1" dirty="0" err="1"/>
+              <a:t>USing</a:t>
+            </a:r>
+            <a:r>
+              <a:rPr lang="en-US" sz="1800" b="1" dirty="0"/>
+              <a:t> </a:t>
+            </a:r>
+            <a:r>
+              <a:rPr lang="en-US" sz="1800" b="1" dirty="0" err="1">
+                <a:solidFill>
+                  <a:schemeClr val="accent2"/>
+                </a:solidFill>
+              </a:rPr>
+              <a:t>csv.reader</a:t>
+            </a:r>
+            <a:r>
+              <a:rPr lang="en-US" sz="1800" b="1" dirty="0"/>
+              <a:t>():</a:t>
+            </a:r>
+            <a:r>
+              <a:rPr lang="en-US" sz="1800" dirty="0"/>
+              <a:t> </a:t>
+            </a:r>
+            <a:endParaRPr lang="en-US" sz="1800" dirty="0" smtClean="0"/>
+          </a:p>
+          <a:p>
+            <a:pPr algn="just" fontAlgn="base">
+              <a:lnSpc>
+                <a:spcPct val="150000"/>
+              </a:lnSpc>
+            </a:pPr>
+            <a:r>
+              <a:rPr lang="en-US" sz="1800" dirty="0" smtClean="0"/>
+              <a:t>At </a:t>
+            </a:r>
+            <a:r>
+              <a:rPr lang="en-US" sz="1800" dirty="0"/>
+              <a:t>first, the CSV file is opened using the open() method in ‘r’ mode(specifies read mode while opening a file) which returns the file object then it is read by using the reader() method of CSV module that returns the reader object that iterates throughout the lines in the specified CSV document</a:t>
+            </a:r>
+            <a:r>
+              <a:rPr lang="en-US" sz="1800" dirty="0" smtClean="0"/>
+              <a:t>.</a:t>
+            </a:r>
+          </a:p>
+          <a:p>
+            <a:pPr algn="just" fontAlgn="base">
+              <a:lnSpc>
+                <a:spcPct val="150000"/>
+              </a:lnSpc>
+            </a:pPr>
+            <a:r>
+              <a:rPr lang="en-US" sz="1800" dirty="0"/>
+              <a:t/>
+            </a:r>
+            <a:br>
+              <a:rPr lang="en-US" sz="1800" dirty="0"/>
+            </a:br>
+            <a:r>
+              <a:rPr lang="en-US" sz="1800" b="1" dirty="0"/>
+              <a:t>Note:</a:t>
+            </a:r>
+            <a:r>
+              <a:rPr lang="en-US" sz="1800" dirty="0"/>
+              <a:t> The ‘with’ keyword is used along with the open() method as it simplifies exception handling and automatically closes the CSV file.</a:t>
+            </a:r>
+          </a:p>
+        </p:txBody>
+      </p:sp>
+    </p:spTree>
+    <p:extLst>
+      <p:ext uri="{BB962C8B-B14F-4D97-AF65-F5344CB8AC3E}">
+        <p14:creationId xmlns:p14="http://schemas.microsoft.com/office/powerpoint/2010/main" val="2533281955"/>
+      </p:ext>
+    </p:extLst>
+  </p:cSld>
+  <p:clrMapOvr>
+    <a:masterClrMapping/>
+  </p:clrMapOvr>
+  <mc:AlternateContent xmlns:mc="http://schemas.openxmlformats.org/markup-compatibility/2006">
+    <mc:Choice xmlns:p14="http://schemas.microsoft.com/office/powerpoint/2010/main" Requires="p14">
+      <p:transition spd="slow" p14:dur="2000"/>
+    </mc:Choice>
+    <mc:Fallback>
+      <p:transition spd="slow"/>
+    </mc:Fallback>
+  </mc:AlternateContent>
+  <p:timing>
+    <p:tnLst>
+      <p:par>
+        <p:cTn id="1" dur="indefinite" restart="never" nodeType="tmRoot"/>
+      </p:par>
+    </p:tnLst>
+  </p:timing>
+</p:sld>
+</file>
+
+<file path=ppt/slides/slide33.xml><?xml version="1.0" encoding="utf-8"?>
+<p:sld xmlns:a="http://schemas.openxmlformats.org/drawingml/2006/main" xmlns:r="http://schemas.openxmlformats.org/officeDocument/2006/relationships" xmlns:p="http://schemas.openxmlformats.org/presentationml/2006/main">
+  <p:cSld>
+    <p:spTree>
+      <p:nvGrpSpPr>
+        <p:cNvPr id="1" name="Shape 228"/>
+        <p:cNvGrpSpPr/>
+        <p:nvPr/>
+      </p:nvGrpSpPr>
+      <p:grpSpPr>
+        <a:xfrm>
+          <a:off x="0" y="0"/>
+          <a:ext cx="0" cy="0"/>
+          <a:chOff x="0" y="0"/>
+          <a:chExt cx="0" cy="0"/>
+        </a:xfrm>
+      </p:grpSpPr>
+      <p:sp>
+        <p:nvSpPr>
+          <p:cNvPr id="229" name="Google Shape;229;p26"/>
+          <p:cNvSpPr txBox="1">
+            <a:spLocks noGrp="1"/>
+          </p:cNvSpPr>
+          <p:nvPr>
+            <p:ph type="title" idx="4294967295"/>
+          </p:nvPr>
+        </p:nvSpPr>
+        <p:spPr>
+          <a:xfrm>
+            <a:off x="854884" y="237744"/>
+            <a:ext cx="8014796" cy="928690"/>
+          </a:xfrm>
+          <a:prstGeom prst="rect">
+            <a:avLst/>
+          </a:prstGeom>
+        </p:spPr>
+        <p:txBody>
+          <a:bodyPr spcFirstLastPara="1" wrap="square" lIns="91425" tIns="91425" rIns="91425" bIns="91425" anchor="ctr" anchorCtr="0">
+            <a:noAutofit/>
+          </a:bodyPr>
+          <a:lstStyle/>
+          <a:p>
+            <a:r>
+              <a:rPr lang="en-US" sz="2400" dirty="0">
+                <a:solidFill>
+                  <a:srgbClr val="2C363A"/>
+                </a:solidFill>
+              </a:rPr>
+              <a:t>Reading and loading text, csv data files using python</a:t>
+            </a:r>
+          </a:p>
+        </p:txBody>
+      </p:sp>
+      <p:sp>
+        <p:nvSpPr>
+          <p:cNvPr id="230" name="Google Shape;230;p26"/>
+          <p:cNvSpPr txBox="1">
+            <a:spLocks noGrp="1"/>
+          </p:cNvSpPr>
+          <p:nvPr>
+            <p:ph type="sldNum" idx="12"/>
+          </p:nvPr>
+        </p:nvSpPr>
+        <p:spPr>
+          <a:xfrm>
+            <a:off x="8556784" y="4749851"/>
+            <a:ext cx="548700" cy="393600"/>
+          </a:xfrm>
+          <a:prstGeom prst="rect">
+            <a:avLst/>
+          </a:prstGeom>
+        </p:spPr>
+        <p:txBody>
+          <a:bodyPr spcFirstLastPara="1" wrap="square" lIns="91425" tIns="91425" rIns="91425" bIns="91425" anchor="t" anchorCtr="0">
+            <a:noAutofit/>
+          </a:bodyPr>
+          <a:lstStyle/>
+          <a:p>
+            <a:pPr marL="0" lvl="0" indent="0" algn="r" rtl="0">
+              <a:spcBef>
+                <a:spcPts val="0"/>
+              </a:spcBef>
+              <a:spcAft>
+                <a:spcPts val="0"/>
+              </a:spcAft>
+              <a:buNone/>
+            </a:pPr>
+            <a:fld id="{00000000-1234-1234-1234-123412341234}" type="slidenum">
+              <a:rPr lang="en"/>
+              <a:t>33</a:t>
+            </a:fld>
+            <a:endParaRPr/>
+          </a:p>
+        </p:txBody>
+      </p:sp>
+      <p:sp>
+        <p:nvSpPr>
+          <p:cNvPr id="2" name="Rectangle 1"/>
+          <p:cNvSpPr/>
+          <p:nvPr/>
+        </p:nvSpPr>
+        <p:spPr>
+          <a:xfrm>
+            <a:off x="950976" y="834484"/>
+            <a:ext cx="6784848" cy="4247317"/>
+          </a:xfrm>
+          <a:prstGeom prst="rect">
+            <a:avLst/>
+          </a:prstGeom>
+        </p:spPr>
+        <p:txBody>
+          <a:bodyPr wrap="square">
+            <a:spAutoFit/>
+          </a:bodyPr>
+          <a:lstStyle/>
+          <a:p>
+            <a:pPr algn="just" fontAlgn="base">
+              <a:lnSpc>
+                <a:spcPct val="150000"/>
+              </a:lnSpc>
+            </a:pPr>
+            <a:r>
+              <a:rPr lang="en-US" sz="1800" dirty="0"/>
+              <a:t>import csv</a:t>
+            </a:r>
+          </a:p>
+          <a:p>
+            <a:pPr algn="just" fontAlgn="base">
+              <a:lnSpc>
+                <a:spcPct val="150000"/>
+              </a:lnSpc>
+            </a:pPr>
+            <a:r>
+              <a:rPr lang="en-US" sz="1800" dirty="0"/>
+              <a:t> </a:t>
+            </a:r>
+            <a:r>
+              <a:rPr lang="en-US" sz="1800" dirty="0" smtClean="0"/>
+              <a:t># </a:t>
+            </a:r>
+            <a:r>
+              <a:rPr lang="en-US" sz="1800" dirty="0"/>
+              <a:t>opening the CSV file</a:t>
+            </a:r>
+          </a:p>
+          <a:p>
+            <a:pPr algn="just" fontAlgn="base">
+              <a:lnSpc>
+                <a:spcPct val="150000"/>
+              </a:lnSpc>
+            </a:pPr>
+            <a:r>
+              <a:rPr lang="en-US" sz="1800" dirty="0"/>
+              <a:t>with open('Giants.csv', mode ='r')as file:</a:t>
+            </a:r>
+          </a:p>
+          <a:p>
+            <a:pPr algn="just" fontAlgn="base">
+              <a:lnSpc>
+                <a:spcPct val="150000"/>
+              </a:lnSpc>
+            </a:pPr>
+            <a:r>
+              <a:rPr lang="en-US" sz="1800" dirty="0"/>
+              <a:t>   </a:t>
+            </a:r>
+          </a:p>
+          <a:p>
+            <a:pPr algn="just" fontAlgn="base">
+              <a:lnSpc>
+                <a:spcPct val="150000"/>
+              </a:lnSpc>
+            </a:pPr>
+            <a:r>
+              <a:rPr lang="en-US" sz="1800" dirty="0"/>
+              <a:t>  # reading the CSV file</a:t>
+            </a:r>
+          </a:p>
+          <a:p>
+            <a:pPr algn="just" fontAlgn="base">
+              <a:lnSpc>
+                <a:spcPct val="150000"/>
+              </a:lnSpc>
+            </a:pPr>
+            <a:r>
+              <a:rPr lang="en-US" sz="1800" dirty="0"/>
+              <a:t>  </a:t>
+            </a:r>
+            <a:r>
+              <a:rPr lang="en-US" sz="1800" dirty="0" err="1"/>
+              <a:t>csvFile</a:t>
+            </a:r>
+            <a:r>
+              <a:rPr lang="en-US" sz="1800" dirty="0"/>
+              <a:t> = </a:t>
+            </a:r>
+            <a:r>
+              <a:rPr lang="en-US" sz="1800" dirty="0" err="1"/>
+              <a:t>csv.reader</a:t>
+            </a:r>
+            <a:r>
+              <a:rPr lang="en-US" sz="1800" dirty="0"/>
+              <a:t>(file)</a:t>
+            </a:r>
+          </a:p>
+          <a:p>
+            <a:pPr algn="just" fontAlgn="base">
+              <a:lnSpc>
+                <a:spcPct val="150000"/>
+              </a:lnSpc>
+            </a:pPr>
+            <a:r>
+              <a:rPr lang="en-US" sz="1800" dirty="0"/>
+              <a:t> </a:t>
+            </a:r>
+          </a:p>
+          <a:p>
+            <a:pPr algn="just" fontAlgn="base">
+              <a:lnSpc>
+                <a:spcPct val="150000"/>
+              </a:lnSpc>
+            </a:pPr>
+            <a:r>
+              <a:rPr lang="en-US" sz="1800" dirty="0"/>
+              <a:t>  # displaying the contents of the CSV file</a:t>
+            </a:r>
+          </a:p>
+          <a:p>
+            <a:pPr algn="just" fontAlgn="base">
+              <a:lnSpc>
+                <a:spcPct val="150000"/>
+              </a:lnSpc>
+            </a:pPr>
+            <a:r>
+              <a:rPr lang="en-US" sz="1800" dirty="0"/>
+              <a:t>  for lines in </a:t>
+            </a:r>
+            <a:r>
+              <a:rPr lang="en-US" sz="1800" dirty="0" err="1"/>
+              <a:t>csvFile</a:t>
+            </a:r>
+            <a:r>
+              <a:rPr lang="en-US" sz="1800" dirty="0"/>
+              <a:t>:</a:t>
+            </a:r>
+          </a:p>
+          <a:p>
+            <a:pPr algn="just" fontAlgn="base">
+              <a:lnSpc>
+                <a:spcPct val="150000"/>
+              </a:lnSpc>
+            </a:pPr>
+            <a:r>
+              <a:rPr lang="en-US" sz="1800" dirty="0"/>
+              <a:t>        print(lines)</a:t>
+            </a:r>
+            <a:endParaRPr lang="en-US" sz="1800" dirty="0"/>
+          </a:p>
+        </p:txBody>
+      </p:sp>
+    </p:spTree>
+    <p:extLst>
+      <p:ext uri="{BB962C8B-B14F-4D97-AF65-F5344CB8AC3E}">
+        <p14:creationId xmlns:p14="http://schemas.microsoft.com/office/powerpoint/2010/main" val="612219063"/>
+      </p:ext>
+    </p:extLst>
+  </p:cSld>
+  <p:clrMapOvr>
+    <a:masterClrMapping/>
+  </p:clrMapOvr>
+  <mc:AlternateContent xmlns:mc="http://schemas.openxmlformats.org/markup-compatibility/2006">
+    <mc:Choice xmlns:p14="http://schemas.microsoft.com/office/powerpoint/2010/main" Requires="p14">
+      <p:transition spd="slow" p14:dur="2000"/>
+    </mc:Choice>
+    <mc:Fallback>
+      <p:transition spd="slow"/>
+    </mc:Fallback>
+  </mc:AlternateContent>
+  <p:timing>
+    <p:tnLst>
+      <p:par>
+        <p:cTn id="1" dur="indefinite" restart="never" nodeType="tmRoot"/>
+      </p:par>
+    </p:tnLst>
+  </p:timing>
+</p:sld>
+</file>
+
+<file path=ppt/slides/slide34.xml><?xml version="1.0" encoding="utf-8"?>
+<p:sld xmlns:a="http://schemas.openxmlformats.org/drawingml/2006/main" xmlns:r="http://schemas.openxmlformats.org/officeDocument/2006/relationships" xmlns:p="http://schemas.openxmlformats.org/presentationml/2006/main">
+  <p:cSld>
+    <p:spTree>
+      <p:nvGrpSpPr>
+        <p:cNvPr id="1" name="Shape 228"/>
+        <p:cNvGrpSpPr/>
+        <p:nvPr/>
+      </p:nvGrpSpPr>
+      <p:grpSpPr>
+        <a:xfrm>
+          <a:off x="0" y="0"/>
+          <a:ext cx="0" cy="0"/>
+          <a:chOff x="0" y="0"/>
+          <a:chExt cx="0" cy="0"/>
+        </a:xfrm>
+      </p:grpSpPr>
+      <p:sp>
+        <p:nvSpPr>
+          <p:cNvPr id="229" name="Google Shape;229;p26"/>
+          <p:cNvSpPr txBox="1">
+            <a:spLocks noGrp="1"/>
+          </p:cNvSpPr>
+          <p:nvPr>
+            <p:ph type="title" idx="4294967295"/>
+          </p:nvPr>
+        </p:nvSpPr>
+        <p:spPr>
+          <a:xfrm>
+            <a:off x="854884" y="237744"/>
+            <a:ext cx="8014796" cy="928690"/>
+          </a:xfrm>
+          <a:prstGeom prst="rect">
+            <a:avLst/>
+          </a:prstGeom>
+        </p:spPr>
+        <p:txBody>
+          <a:bodyPr spcFirstLastPara="1" wrap="square" lIns="91425" tIns="91425" rIns="91425" bIns="91425" anchor="ctr" anchorCtr="0">
+            <a:noAutofit/>
+          </a:bodyPr>
+          <a:lstStyle/>
+          <a:p>
+            <a:r>
+              <a:rPr lang="en-US" sz="2400" dirty="0">
+                <a:solidFill>
+                  <a:srgbClr val="2C363A"/>
+                </a:solidFill>
+              </a:rPr>
+              <a:t>Reading and loading text, csv data files using python</a:t>
+            </a:r>
+          </a:p>
+        </p:txBody>
+      </p:sp>
+      <p:sp>
+        <p:nvSpPr>
+          <p:cNvPr id="230" name="Google Shape;230;p26"/>
+          <p:cNvSpPr txBox="1">
+            <a:spLocks noGrp="1"/>
+          </p:cNvSpPr>
+          <p:nvPr>
+            <p:ph type="sldNum" idx="12"/>
+          </p:nvPr>
+        </p:nvSpPr>
+        <p:spPr>
+          <a:xfrm>
+            <a:off x="8556784" y="4749851"/>
+            <a:ext cx="548700" cy="393600"/>
+          </a:xfrm>
+          <a:prstGeom prst="rect">
+            <a:avLst/>
+          </a:prstGeom>
+        </p:spPr>
+        <p:txBody>
+          <a:bodyPr spcFirstLastPara="1" wrap="square" lIns="91425" tIns="91425" rIns="91425" bIns="91425" anchor="t" anchorCtr="0">
+            <a:noAutofit/>
+          </a:bodyPr>
+          <a:lstStyle/>
+          <a:p>
+            <a:pPr marL="0" lvl="0" indent="0" algn="r" rtl="0">
+              <a:spcBef>
+                <a:spcPts val="0"/>
+              </a:spcBef>
+              <a:spcAft>
+                <a:spcPts val="0"/>
+              </a:spcAft>
+              <a:buNone/>
+            </a:pPr>
+            <a:fld id="{00000000-1234-1234-1234-123412341234}" type="slidenum">
+              <a:rPr lang="en"/>
+              <a:t>34</a:t>
+            </a:fld>
+            <a:endParaRPr/>
+          </a:p>
+        </p:txBody>
+      </p:sp>
+      <p:sp>
+        <p:nvSpPr>
+          <p:cNvPr id="2" name="Rectangle 1"/>
+          <p:cNvSpPr/>
+          <p:nvPr/>
+        </p:nvSpPr>
+        <p:spPr>
+          <a:xfrm>
+            <a:off x="950976" y="980788"/>
+            <a:ext cx="7918704" cy="2169825"/>
+          </a:xfrm>
+          <a:prstGeom prst="rect">
+            <a:avLst/>
+          </a:prstGeom>
+        </p:spPr>
+        <p:txBody>
+          <a:bodyPr wrap="square">
+            <a:spAutoFit/>
+          </a:bodyPr>
+          <a:lstStyle/>
+          <a:p>
+            <a:pPr algn="just" fontAlgn="base">
+              <a:lnSpc>
+                <a:spcPct val="150000"/>
+              </a:lnSpc>
+            </a:pPr>
+            <a:r>
+              <a:rPr lang="en-US" sz="1800" b="1" dirty="0"/>
+              <a:t>Using </a:t>
+            </a:r>
+            <a:r>
+              <a:rPr lang="en-US" sz="1800" b="1" dirty="0" err="1"/>
+              <a:t>csv.DictReader</a:t>
+            </a:r>
+            <a:r>
+              <a:rPr lang="en-US" sz="1800" b="1" dirty="0"/>
+              <a:t>() class:</a:t>
+            </a:r>
+            <a:r>
+              <a:rPr lang="en-US" sz="1800" dirty="0"/>
+              <a:t> It is similar to the previous method, the CSV file is first opened using the open() method then it is read by using the </a:t>
+            </a:r>
+            <a:r>
+              <a:rPr lang="en-US" sz="1800" dirty="0" err="1"/>
+              <a:t>DictReader</a:t>
+            </a:r>
+            <a:r>
+              <a:rPr lang="en-US" sz="1800" dirty="0"/>
+              <a:t> class of csv module which works like a regular reader but maps the information in the CSV file into a dictionary. The very first line of the file consists of dictionary keys. </a:t>
+            </a:r>
+          </a:p>
+        </p:txBody>
+      </p:sp>
+    </p:spTree>
+    <p:extLst>
+      <p:ext uri="{BB962C8B-B14F-4D97-AF65-F5344CB8AC3E}">
+        <p14:creationId xmlns:p14="http://schemas.microsoft.com/office/powerpoint/2010/main" val="3363110453"/>
+      </p:ext>
+    </p:extLst>
+  </p:cSld>
+  <p:clrMapOvr>
+    <a:masterClrMapping/>
+  </p:clrMapOvr>
+  <mc:AlternateContent xmlns:mc="http://schemas.openxmlformats.org/markup-compatibility/2006">
+    <mc:Choice xmlns:p14="http://schemas.microsoft.com/office/powerpoint/2010/main" Requires="p14">
+      <p:transition spd="slow" p14:dur="2000"/>
+    </mc:Choice>
+    <mc:Fallback>
+      <p:transition spd="slow"/>
+    </mc:Fallback>
+  </mc:AlternateContent>
+  <p:timing>
+    <p:tnLst>
+      <p:par>
+        <p:cTn id="1" dur="indefinite" restart="never" nodeType="tmRoot"/>
+      </p:par>
+    </p:tnLst>
+  </p:timing>
+</p:sld>
+</file>
+
+<file path=ppt/slides/slide35.xml><?xml version="1.0" encoding="utf-8"?>
+<p:sld xmlns:a="http://schemas.openxmlformats.org/drawingml/2006/main" xmlns:r="http://schemas.openxmlformats.org/officeDocument/2006/relationships" xmlns:p="http://schemas.openxmlformats.org/presentationml/2006/main">
+  <p:cSld>
+    <p:spTree>
+      <p:nvGrpSpPr>
+        <p:cNvPr id="1" name="Shape 228"/>
+        <p:cNvGrpSpPr/>
+        <p:nvPr/>
+      </p:nvGrpSpPr>
+      <p:grpSpPr>
+        <a:xfrm>
+          <a:off x="0" y="0"/>
+          <a:ext cx="0" cy="0"/>
+          <a:chOff x="0" y="0"/>
+          <a:chExt cx="0" cy="0"/>
+        </a:xfrm>
+      </p:grpSpPr>
+      <p:sp>
+        <p:nvSpPr>
+          <p:cNvPr id="229" name="Google Shape;229;p26"/>
+          <p:cNvSpPr txBox="1">
+            <a:spLocks noGrp="1"/>
+          </p:cNvSpPr>
+          <p:nvPr>
+            <p:ph type="title" idx="4294967295"/>
+          </p:nvPr>
+        </p:nvSpPr>
+        <p:spPr>
+          <a:xfrm>
+            <a:off x="854884" y="237744"/>
+            <a:ext cx="8014796" cy="928690"/>
+          </a:xfrm>
+          <a:prstGeom prst="rect">
+            <a:avLst/>
+          </a:prstGeom>
+        </p:spPr>
+        <p:txBody>
+          <a:bodyPr spcFirstLastPara="1" wrap="square" lIns="91425" tIns="91425" rIns="91425" bIns="91425" anchor="ctr" anchorCtr="0">
+            <a:noAutofit/>
+          </a:bodyPr>
+          <a:lstStyle/>
+          <a:p>
+            <a:r>
+              <a:rPr lang="en-US" sz="2400" dirty="0">
+                <a:solidFill>
+                  <a:srgbClr val="2C363A"/>
+                </a:solidFill>
+              </a:rPr>
+              <a:t>Reading and loading text, csv data files using python</a:t>
+            </a:r>
+          </a:p>
+        </p:txBody>
+      </p:sp>
+      <p:sp>
+        <p:nvSpPr>
+          <p:cNvPr id="230" name="Google Shape;230;p26"/>
+          <p:cNvSpPr txBox="1">
+            <a:spLocks noGrp="1"/>
+          </p:cNvSpPr>
+          <p:nvPr>
+            <p:ph type="sldNum" idx="12"/>
+          </p:nvPr>
+        </p:nvSpPr>
+        <p:spPr>
+          <a:xfrm>
+            <a:off x="8556784" y="4749851"/>
+            <a:ext cx="548700" cy="393600"/>
+          </a:xfrm>
+          <a:prstGeom prst="rect">
+            <a:avLst/>
+          </a:prstGeom>
+        </p:spPr>
+        <p:txBody>
+          <a:bodyPr spcFirstLastPara="1" wrap="square" lIns="91425" tIns="91425" rIns="91425" bIns="91425" anchor="t" anchorCtr="0">
+            <a:noAutofit/>
+          </a:bodyPr>
+          <a:lstStyle/>
+          <a:p>
+            <a:pPr marL="0" lvl="0" indent="0" algn="r" rtl="0">
+              <a:spcBef>
+                <a:spcPts val="0"/>
+              </a:spcBef>
+              <a:spcAft>
+                <a:spcPts val="0"/>
+              </a:spcAft>
+              <a:buNone/>
+            </a:pPr>
+            <a:fld id="{00000000-1234-1234-1234-123412341234}" type="slidenum">
+              <a:rPr lang="en"/>
+              <a:t>35</a:t>
+            </a:fld>
+            <a:endParaRPr/>
+          </a:p>
+        </p:txBody>
+      </p:sp>
+      <p:sp>
+        <p:nvSpPr>
+          <p:cNvPr id="2" name="Rectangle 1"/>
+          <p:cNvSpPr/>
+          <p:nvPr/>
+        </p:nvSpPr>
+        <p:spPr>
+          <a:xfrm>
+            <a:off x="950976" y="980788"/>
+            <a:ext cx="7918704" cy="2169825"/>
+          </a:xfrm>
+          <a:prstGeom prst="rect">
+            <a:avLst/>
+          </a:prstGeom>
+        </p:spPr>
+        <p:txBody>
+          <a:bodyPr wrap="square">
+            <a:spAutoFit/>
+          </a:bodyPr>
+          <a:lstStyle/>
+          <a:p>
+            <a:pPr algn="just" fontAlgn="base">
+              <a:lnSpc>
+                <a:spcPct val="150000"/>
+              </a:lnSpc>
+            </a:pPr>
+            <a:r>
+              <a:rPr lang="en-US" sz="1800" b="1" dirty="0"/>
+              <a:t>Using </a:t>
+            </a:r>
+            <a:r>
+              <a:rPr lang="en-US" sz="1800" b="1" dirty="0" err="1"/>
+              <a:t>csv.DictReader</a:t>
+            </a:r>
+            <a:r>
+              <a:rPr lang="en-US" sz="1800" b="1" dirty="0"/>
+              <a:t>() class:</a:t>
+            </a:r>
+            <a:r>
+              <a:rPr lang="en-US" sz="1800" dirty="0"/>
+              <a:t> It is similar to the previous method, the CSV file is first opened using the open() method then it is read by using the </a:t>
+            </a:r>
+            <a:r>
+              <a:rPr lang="en-US" sz="1800" dirty="0" err="1"/>
+              <a:t>DictReader</a:t>
+            </a:r>
+            <a:r>
+              <a:rPr lang="en-US" sz="1800" dirty="0"/>
+              <a:t> class of csv module which works like a regular reader but maps the information in the CSV file into a dictionary. The very first line of the file consists of dictionary keys. </a:t>
+            </a:r>
+          </a:p>
+        </p:txBody>
+      </p:sp>
+    </p:spTree>
+    <p:extLst>
+      <p:ext uri="{BB962C8B-B14F-4D97-AF65-F5344CB8AC3E}">
+        <p14:creationId xmlns:p14="http://schemas.microsoft.com/office/powerpoint/2010/main" val="2853464923"/>
+      </p:ext>
+    </p:extLst>
+  </p:cSld>
+  <p:clrMapOvr>
+    <a:masterClrMapping/>
+  </p:clrMapOvr>
+  <mc:AlternateContent xmlns:mc="http://schemas.openxmlformats.org/markup-compatibility/2006">
+    <mc:Choice xmlns:p14="http://schemas.microsoft.com/office/powerpoint/2010/main" Requires="p14">
+      <p:transition spd="slow" p14:dur="2000"/>
+    </mc:Choice>
+    <mc:Fallback>
+      <p:transition spd="slow"/>
+    </mc:Fallback>
+  </mc:AlternateContent>
+  <p:timing>
+    <p:tnLst>
+      <p:par>
+        <p:cTn id="1" dur="indefinite" restart="never" nodeType="tmRoot"/>
+      </p:par>
+    </p:tnLst>
+  </p:timing>
+</p:sld>
+</file>
+
+<file path=ppt/slides/slide36.xml><?xml version="1.0" encoding="utf-8"?>
+<p:sld xmlns:a="http://schemas.openxmlformats.org/drawingml/2006/main" xmlns:r="http://schemas.openxmlformats.org/officeDocument/2006/relationships" xmlns:p="http://schemas.openxmlformats.org/presentationml/2006/main">
+  <p:cSld>
+    <p:spTree>
+      <p:nvGrpSpPr>
+        <p:cNvPr id="1" name="Shape 228"/>
+        <p:cNvGrpSpPr/>
+        <p:nvPr/>
+      </p:nvGrpSpPr>
+      <p:grpSpPr>
+        <a:xfrm>
+          <a:off x="0" y="0"/>
+          <a:ext cx="0" cy="0"/>
+          <a:chOff x="0" y="0"/>
+          <a:chExt cx="0" cy="0"/>
+        </a:xfrm>
+      </p:grpSpPr>
+      <p:sp>
+        <p:nvSpPr>
+          <p:cNvPr id="229" name="Google Shape;229;p26"/>
+          <p:cNvSpPr txBox="1">
+            <a:spLocks noGrp="1"/>
+          </p:cNvSpPr>
+          <p:nvPr>
+            <p:ph type="title" idx="4294967295"/>
+          </p:nvPr>
+        </p:nvSpPr>
+        <p:spPr>
+          <a:xfrm>
+            <a:off x="854884" y="237744"/>
+            <a:ext cx="8014796" cy="928690"/>
+          </a:xfrm>
+          <a:prstGeom prst="rect">
+            <a:avLst/>
+          </a:prstGeom>
+        </p:spPr>
+        <p:txBody>
+          <a:bodyPr spcFirstLastPara="1" wrap="square" lIns="91425" tIns="91425" rIns="91425" bIns="91425" anchor="ctr" anchorCtr="0">
+            <a:noAutofit/>
+          </a:bodyPr>
+          <a:lstStyle/>
+          <a:p>
+            <a:r>
+              <a:rPr lang="en-US" sz="2400" dirty="0">
+                <a:solidFill>
+                  <a:srgbClr val="2C363A"/>
+                </a:solidFill>
+              </a:rPr>
+              <a:t>Reading and loading text, csv data files using python</a:t>
+            </a:r>
+          </a:p>
+        </p:txBody>
+      </p:sp>
+      <p:sp>
+        <p:nvSpPr>
+          <p:cNvPr id="230" name="Google Shape;230;p26"/>
+          <p:cNvSpPr txBox="1">
+            <a:spLocks noGrp="1"/>
+          </p:cNvSpPr>
+          <p:nvPr>
+            <p:ph type="sldNum" idx="12"/>
+          </p:nvPr>
+        </p:nvSpPr>
+        <p:spPr>
+          <a:xfrm>
+            <a:off x="8556784" y="4749851"/>
+            <a:ext cx="548700" cy="393600"/>
+          </a:xfrm>
+          <a:prstGeom prst="rect">
+            <a:avLst/>
+          </a:prstGeom>
+        </p:spPr>
+        <p:txBody>
+          <a:bodyPr spcFirstLastPara="1" wrap="square" lIns="91425" tIns="91425" rIns="91425" bIns="91425" anchor="t" anchorCtr="0">
+            <a:noAutofit/>
+          </a:bodyPr>
+          <a:lstStyle/>
+          <a:p>
+            <a:pPr marL="0" lvl="0" indent="0" algn="r" rtl="0">
+              <a:spcBef>
+                <a:spcPts val="0"/>
+              </a:spcBef>
+              <a:spcAft>
+                <a:spcPts val="0"/>
+              </a:spcAft>
+              <a:buNone/>
+            </a:pPr>
+            <a:fld id="{00000000-1234-1234-1234-123412341234}" type="slidenum">
+              <a:rPr lang="en"/>
+              <a:t>36</a:t>
+            </a:fld>
+            <a:endParaRPr/>
+          </a:p>
+        </p:txBody>
+      </p:sp>
+      <p:sp>
+        <p:nvSpPr>
+          <p:cNvPr id="2" name="Rectangle 1"/>
+          <p:cNvSpPr/>
+          <p:nvPr/>
+        </p:nvSpPr>
+        <p:spPr>
+          <a:xfrm>
+            <a:off x="854884" y="1388482"/>
+            <a:ext cx="7918704" cy="3139321"/>
+          </a:xfrm>
+          <a:prstGeom prst="rect">
+            <a:avLst/>
+          </a:prstGeom>
+        </p:spPr>
+        <p:txBody>
+          <a:bodyPr wrap="square">
+            <a:spAutoFit/>
+          </a:bodyPr>
+          <a:lstStyle/>
+          <a:p>
+            <a:pPr algn="just" fontAlgn="base"/>
+            <a:r>
+              <a:rPr lang="en-US" sz="1800" dirty="0"/>
+              <a:t>import csv</a:t>
+            </a:r>
+          </a:p>
+          <a:p>
+            <a:pPr algn="just" fontAlgn="base"/>
+            <a:r>
+              <a:rPr lang="en-US" sz="1800" dirty="0"/>
+              <a:t> </a:t>
+            </a:r>
+          </a:p>
+          <a:p>
+            <a:pPr algn="just" fontAlgn="base"/>
+            <a:r>
+              <a:rPr lang="en-US" sz="1800" dirty="0"/>
+              <a:t># opening the CSV file</a:t>
+            </a:r>
+          </a:p>
+          <a:p>
+            <a:pPr algn="just" fontAlgn="base"/>
+            <a:r>
+              <a:rPr lang="en-US" sz="1800" dirty="0"/>
+              <a:t>with open('Giants.csv', mode ='r') as file:   </a:t>
+            </a:r>
+          </a:p>
+          <a:p>
+            <a:pPr algn="just" fontAlgn="base"/>
+            <a:r>
+              <a:rPr lang="en-US" sz="1800" dirty="0"/>
+              <a:t>        </a:t>
+            </a:r>
+          </a:p>
+          <a:p>
+            <a:pPr algn="just" fontAlgn="base"/>
+            <a:r>
+              <a:rPr lang="en-US" sz="1800" dirty="0"/>
+              <a:t>       # reading the CSV file</a:t>
+            </a:r>
+          </a:p>
+          <a:p>
+            <a:pPr algn="just" fontAlgn="base"/>
+            <a:r>
+              <a:rPr lang="en-US" sz="1800" dirty="0"/>
+              <a:t>       </a:t>
+            </a:r>
+            <a:r>
+              <a:rPr lang="en-US" sz="1800" dirty="0" err="1"/>
+              <a:t>csvFile</a:t>
+            </a:r>
+            <a:r>
+              <a:rPr lang="en-US" sz="1800" dirty="0"/>
+              <a:t> = </a:t>
+            </a:r>
+            <a:r>
+              <a:rPr lang="en-US" sz="1800" dirty="0" err="1"/>
+              <a:t>csv.DictReader</a:t>
+            </a:r>
+            <a:r>
+              <a:rPr lang="en-US" sz="1800" dirty="0"/>
+              <a:t>(file)</a:t>
+            </a:r>
+          </a:p>
+          <a:p>
+            <a:pPr algn="just" fontAlgn="base"/>
+            <a:r>
+              <a:rPr lang="en-US" sz="1800" dirty="0"/>
+              <a:t> </a:t>
+            </a:r>
+          </a:p>
+          <a:p>
+            <a:pPr algn="just" fontAlgn="base"/>
+            <a:r>
+              <a:rPr lang="en-US" sz="1800" dirty="0"/>
+              <a:t>       # displaying the contents of the CSV file</a:t>
+            </a:r>
+          </a:p>
+          <a:p>
+            <a:pPr algn="just" fontAlgn="base"/>
+            <a:r>
+              <a:rPr lang="en-US" sz="1800" dirty="0"/>
+              <a:t>       for lines in </a:t>
+            </a:r>
+            <a:r>
+              <a:rPr lang="en-US" sz="1800" dirty="0" err="1"/>
+              <a:t>csvFile</a:t>
+            </a:r>
+            <a:r>
+              <a:rPr lang="en-US" sz="1800" dirty="0"/>
+              <a:t>:</a:t>
+            </a:r>
+          </a:p>
+          <a:p>
+            <a:pPr algn="just" fontAlgn="base"/>
+            <a:r>
+              <a:rPr lang="en-US" sz="1800" dirty="0"/>
+              <a:t>            print(lines)</a:t>
+            </a:r>
+            <a:endParaRPr lang="en-US" sz="1800" dirty="0"/>
+          </a:p>
+        </p:txBody>
+      </p:sp>
+    </p:spTree>
+    <p:extLst>
+      <p:ext uri="{BB962C8B-B14F-4D97-AF65-F5344CB8AC3E}">
+        <p14:creationId xmlns:p14="http://schemas.microsoft.com/office/powerpoint/2010/main" val="1677287670"/>
+      </p:ext>
+    </p:extLst>
+  </p:cSld>
+  <p:clrMapOvr>
+    <a:masterClrMapping/>
+  </p:clrMapOvr>
+  <mc:AlternateContent xmlns:mc="http://schemas.openxmlformats.org/markup-compatibility/2006">
+    <mc:Choice xmlns:p14="http://schemas.microsoft.com/office/powerpoint/2010/main" Requires="p14">
+      <p:transition spd="slow" p14:dur="2000"/>
+    </mc:Choice>
+    <mc:Fallback>
+      <p:transition spd="slow"/>
+    </mc:Fallback>
+  </mc:AlternateContent>
+  <p:timing>
+    <p:tnLst>
+      <p:par>
+        <p:cTn id="1" dur="indefinite" restart="never" nodeType="tmRoot"/>
+      </p:par>
+    </p:tnLst>
+  </p:timing>
+</p:sld>
+</file>
+
+<file path=ppt/slides/slide37.xml><?xml version="1.0" encoding="utf-8"?>
+<p:sld xmlns:a="http://schemas.openxmlformats.org/drawingml/2006/main" xmlns:r="http://schemas.openxmlformats.org/officeDocument/2006/relationships" xmlns:p="http://schemas.openxmlformats.org/presentationml/2006/main" show="0">
+  <p:cSld>
+    <p:spTree>
+      <p:nvGrpSpPr>
+        <p:cNvPr id="1" name="Shape 228"/>
+        <p:cNvGrpSpPr/>
+        <p:nvPr/>
+      </p:nvGrpSpPr>
+      <p:grpSpPr>
+        <a:xfrm>
+          <a:off x="0" y="0"/>
+          <a:ext cx="0" cy="0"/>
+          <a:chOff x="0" y="0"/>
+          <a:chExt cx="0" cy="0"/>
+        </a:xfrm>
+      </p:grpSpPr>
+      <p:sp>
+        <p:nvSpPr>
+          <p:cNvPr id="229" name="Google Shape;229;p26"/>
+          <p:cNvSpPr txBox="1">
+            <a:spLocks noGrp="1"/>
+          </p:cNvSpPr>
+          <p:nvPr>
+            <p:ph type="title" idx="4294967295"/>
+          </p:nvPr>
+        </p:nvSpPr>
+        <p:spPr>
+          <a:xfrm>
+            <a:off x="854884" y="237744"/>
+            <a:ext cx="8014796" cy="928690"/>
+          </a:xfrm>
+          <a:prstGeom prst="rect">
+            <a:avLst/>
+          </a:prstGeom>
+        </p:spPr>
+        <p:txBody>
+          <a:bodyPr spcFirstLastPara="1" wrap="square" lIns="91425" tIns="91425" rIns="91425" bIns="91425" anchor="ctr" anchorCtr="0">
+            <a:noAutofit/>
+          </a:bodyPr>
+          <a:lstStyle/>
+          <a:p>
+            <a:r>
+              <a:rPr lang="en-US" sz="2400" dirty="0">
+                <a:solidFill>
+                  <a:srgbClr val="2C363A"/>
+                </a:solidFill>
+              </a:rPr>
+              <a:t>Using Modules from standard library &amp; third party</a:t>
+            </a:r>
+          </a:p>
+        </p:txBody>
+      </p:sp>
+      <p:sp>
+        <p:nvSpPr>
+          <p:cNvPr id="230" name="Google Shape;230;p26"/>
+          <p:cNvSpPr txBox="1">
+            <a:spLocks noGrp="1"/>
+          </p:cNvSpPr>
+          <p:nvPr>
+            <p:ph type="sldNum" idx="12"/>
+          </p:nvPr>
+        </p:nvSpPr>
+        <p:spPr>
+          <a:xfrm>
+            <a:off x="8556784" y="4749851"/>
+            <a:ext cx="548700" cy="393600"/>
+          </a:xfrm>
+          <a:prstGeom prst="rect">
+            <a:avLst/>
+          </a:prstGeom>
+        </p:spPr>
+        <p:txBody>
+          <a:bodyPr spcFirstLastPara="1" wrap="square" lIns="91425" tIns="91425" rIns="91425" bIns="91425" anchor="t" anchorCtr="0">
+            <a:noAutofit/>
+          </a:bodyPr>
+          <a:lstStyle/>
+          <a:p>
+            <a:pPr marL="0" lvl="0" indent="0" algn="r" rtl="0">
+              <a:spcBef>
+                <a:spcPts val="0"/>
+              </a:spcBef>
+              <a:spcAft>
+                <a:spcPts val="0"/>
+              </a:spcAft>
+              <a:buNone/>
+            </a:pPr>
+            <a:fld id="{00000000-1234-1234-1234-123412341234}" type="slidenum">
+              <a:rPr lang="en"/>
+              <a:t>37</a:t>
+            </a:fld>
+            <a:endParaRPr/>
+          </a:p>
+        </p:txBody>
+      </p:sp>
+    </p:spTree>
+    <p:extLst>
+      <p:ext uri="{BB962C8B-B14F-4D97-AF65-F5344CB8AC3E}">
+        <p14:creationId xmlns:p14="http://schemas.microsoft.com/office/powerpoint/2010/main" val="1436671850"/>
+      </p:ext>
+    </p:extLst>
+  </p:cSld>
+  <p:clrMapOvr>
+    <a:masterClrMapping/>
+  </p:clrMapOvr>
+  <mc:AlternateContent xmlns:mc="http://schemas.openxmlformats.org/markup-compatibility/2006" xmlns:p14="http://schemas.microsoft.com/office/powerpoint/2010/main">
+    <mc:Choice Requires="p14">
+      <p:transition spd="slow" p14:dur="2000"/>
+    </mc:Choice>
+    <mc:Fallback xmlns="">
+      <p:transition spd="slow"/>
+    </mc:Fallback>
+  </mc:AlternateContent>
+  <p:timing>
+    <p:tnLst>
+      <p:par>
+        <p:cTn id="1" dur="indefinite" restart="never" nodeType="tmRoot"/>
+      </p:par>
+    </p:tnLst>
+  </p:timing>
+</p:sld>
+</file>
+
+<file path=ppt/slides/slide38.xml><?xml version="1.0" encoding="utf-8"?>
+<p:sld xmlns:a="http://schemas.openxmlformats.org/drawingml/2006/main" xmlns:r="http://schemas.openxmlformats.org/officeDocument/2006/relationships" xmlns:p="http://schemas.openxmlformats.org/presentationml/2006/main" show="0">
+  <p:cSld>
+    <p:spTree>
+      <p:nvGrpSpPr>
+        <p:cNvPr id="1" name="Shape 228"/>
+        <p:cNvGrpSpPr/>
+        <p:nvPr/>
+      </p:nvGrpSpPr>
+      <p:grpSpPr>
+        <a:xfrm>
+          <a:off x="0" y="0"/>
+          <a:ext cx="0" cy="0"/>
+          <a:chOff x="0" y="0"/>
+          <a:chExt cx="0" cy="0"/>
+        </a:xfrm>
+      </p:grpSpPr>
+      <p:sp>
+        <p:nvSpPr>
+          <p:cNvPr id="229" name="Google Shape;229;p26"/>
+          <p:cNvSpPr txBox="1">
+            <a:spLocks noGrp="1"/>
+          </p:cNvSpPr>
+          <p:nvPr>
+            <p:ph type="title" idx="4294967295"/>
+          </p:nvPr>
+        </p:nvSpPr>
+        <p:spPr>
+          <a:xfrm>
+            <a:off x="854884" y="237744"/>
+            <a:ext cx="8014796" cy="928690"/>
+          </a:xfrm>
+          <a:prstGeom prst="rect">
+            <a:avLst/>
+          </a:prstGeom>
+        </p:spPr>
+        <p:txBody>
+          <a:bodyPr spcFirstLastPara="1" wrap="square" lIns="91425" tIns="91425" rIns="91425" bIns="91425" anchor="ctr" anchorCtr="0">
+            <a:noAutofit/>
+          </a:bodyPr>
+          <a:lstStyle/>
+          <a:p>
+            <a:r>
+              <a:rPr lang="en-US" sz="2400" dirty="0">
+                <a:solidFill>
+                  <a:srgbClr val="2C363A"/>
+                </a:solidFill>
+              </a:rPr>
+              <a:t>Debugging python code</a:t>
+            </a:r>
+          </a:p>
+        </p:txBody>
+      </p:sp>
+      <p:sp>
+        <p:nvSpPr>
+          <p:cNvPr id="230" name="Google Shape;230;p26"/>
+          <p:cNvSpPr txBox="1">
+            <a:spLocks noGrp="1"/>
+          </p:cNvSpPr>
+          <p:nvPr>
+            <p:ph type="sldNum" idx="12"/>
+          </p:nvPr>
+        </p:nvSpPr>
+        <p:spPr>
+          <a:xfrm>
+            <a:off x="8556784" y="4749851"/>
+            <a:ext cx="548700" cy="393600"/>
+          </a:xfrm>
+          <a:prstGeom prst="rect">
+            <a:avLst/>
+          </a:prstGeom>
+        </p:spPr>
+        <p:txBody>
+          <a:bodyPr spcFirstLastPara="1" wrap="square" lIns="91425" tIns="91425" rIns="91425" bIns="91425" anchor="t" anchorCtr="0">
+            <a:noAutofit/>
+          </a:bodyPr>
+          <a:lstStyle/>
+          <a:p>
+            <a:pPr marL="0" lvl="0" indent="0" algn="r" rtl="0">
+              <a:spcBef>
+                <a:spcPts val="0"/>
+              </a:spcBef>
+              <a:spcAft>
+                <a:spcPts val="0"/>
+              </a:spcAft>
+              <a:buNone/>
+            </a:pPr>
+            <a:fld id="{00000000-1234-1234-1234-123412341234}" type="slidenum">
+              <a:rPr lang="en"/>
+              <a:t>38</a:t>
+            </a:fld>
+            <a:endParaRPr/>
+          </a:p>
+        </p:txBody>
+      </p:sp>
+    </p:spTree>
+    <p:extLst>
+      <p:ext uri="{BB962C8B-B14F-4D97-AF65-F5344CB8AC3E}">
+        <p14:creationId xmlns:p14="http://schemas.microsoft.com/office/powerpoint/2010/main" val="1727943714"/>
+      </p:ext>
+    </p:extLst>
+  </p:cSld>
+  <p:clrMapOvr>
+    <a:masterClrMapping/>
+  </p:clrMapOvr>
+  <mc:AlternateContent xmlns:mc="http://schemas.openxmlformats.org/markup-compatibility/2006" xmlns:p14="http://schemas.microsoft.com/office/powerpoint/2010/main">
+    <mc:Choice Requires="p14">
+      <p:transition spd="slow" p14:dur="2000"/>
+    </mc:Choice>
+    <mc:Fallback xmlns="">
+      <p:transition spd="slow"/>
+    </mc:Fallback>
+  </mc:AlternateContent>
+  <p:timing>
+    <p:tnLst>
+      <p:par>
+        <p:cTn id="1" dur="indefinite" restart="never" nodeType="tmRoot"/>
+      </p:par>
+    </p:tnLst>
+  </p:timing>
+</p:sld>
+</file>
+
+<file path=ppt/slides/slide39.xml><?xml version="1.0" encoding="utf-8"?>
+<p:sld xmlns:a="http://schemas.openxmlformats.org/drawingml/2006/main" xmlns:r="http://schemas.openxmlformats.org/officeDocument/2006/relationships" xmlns:p="http://schemas.openxmlformats.org/presentationml/2006/main" show="0">
+  <p:cSld>
+    <p:spTree>
+      <p:nvGrpSpPr>
+        <p:cNvPr id="1" name="Shape 228"/>
+        <p:cNvGrpSpPr/>
+        <p:nvPr/>
+      </p:nvGrpSpPr>
+      <p:grpSpPr>
+        <a:xfrm>
+          <a:off x="0" y="0"/>
+          <a:ext cx="0" cy="0"/>
+          <a:chOff x="0" y="0"/>
+          <a:chExt cx="0" cy="0"/>
+        </a:xfrm>
+      </p:grpSpPr>
+      <p:sp>
+        <p:nvSpPr>
+          <p:cNvPr id="229" name="Google Shape;229;p26"/>
+          <p:cNvSpPr txBox="1">
+            <a:spLocks noGrp="1"/>
+          </p:cNvSpPr>
+          <p:nvPr>
+            <p:ph type="title" idx="4294967295"/>
+          </p:nvPr>
+        </p:nvSpPr>
+        <p:spPr>
+          <a:xfrm>
+            <a:off x="854884" y="237744"/>
+            <a:ext cx="8014796" cy="928690"/>
+          </a:xfrm>
+          <a:prstGeom prst="rect">
+            <a:avLst/>
+          </a:prstGeom>
+        </p:spPr>
+        <p:txBody>
+          <a:bodyPr spcFirstLastPara="1" wrap="square" lIns="91425" tIns="91425" rIns="91425" bIns="91425" anchor="ctr" anchorCtr="0">
+            <a:noAutofit/>
+          </a:bodyPr>
+          <a:lstStyle/>
+          <a:p>
+            <a:r>
+              <a:rPr lang="en-US" sz="2400" dirty="0">
+                <a:solidFill>
+                  <a:srgbClr val="2C363A"/>
+                </a:solidFill>
+              </a:rPr>
+              <a:t>Understanding packaging of python code to EXE</a:t>
+            </a:r>
+          </a:p>
+        </p:txBody>
+      </p:sp>
+      <p:sp>
+        <p:nvSpPr>
+          <p:cNvPr id="230" name="Google Shape;230;p26"/>
+          <p:cNvSpPr txBox="1">
+            <a:spLocks noGrp="1"/>
+          </p:cNvSpPr>
+          <p:nvPr>
+            <p:ph type="sldNum" idx="12"/>
+          </p:nvPr>
+        </p:nvSpPr>
+        <p:spPr>
+          <a:xfrm>
+            <a:off x="8556784" y="4749851"/>
+            <a:ext cx="548700" cy="393600"/>
+          </a:xfrm>
+          <a:prstGeom prst="rect">
+            <a:avLst/>
+          </a:prstGeom>
+        </p:spPr>
+        <p:txBody>
+          <a:bodyPr spcFirstLastPara="1" wrap="square" lIns="91425" tIns="91425" rIns="91425" bIns="91425" anchor="t" anchorCtr="0">
+            <a:noAutofit/>
+          </a:bodyPr>
+          <a:lstStyle/>
+          <a:p>
+            <a:pPr marL="0" lvl="0" indent="0" algn="r" rtl="0">
+              <a:spcBef>
+                <a:spcPts val="0"/>
+              </a:spcBef>
+              <a:spcAft>
+                <a:spcPts val="0"/>
+              </a:spcAft>
+              <a:buNone/>
+            </a:pPr>
+            <a:fld id="{00000000-1234-1234-1234-123412341234}" type="slidenum">
+              <a:rPr lang="en"/>
+              <a:t>39</a:t>
+            </a:fld>
+            <a:endParaRPr/>
+          </a:p>
+        </p:txBody>
+      </p:sp>
+    </p:spTree>
+    <p:extLst>
+      <p:ext uri="{BB962C8B-B14F-4D97-AF65-F5344CB8AC3E}">
+        <p14:creationId xmlns:p14="http://schemas.microsoft.com/office/powerpoint/2010/main" val="732127515"/>
+      </p:ext>
+    </p:extLst>
+  </p:cSld>
+  <p:clrMapOvr>
+    <a:masterClrMapping/>
+  </p:clrMapOvr>
+  <mc:AlternateContent xmlns:mc="http://schemas.openxmlformats.org/markup-compatibility/2006" xmlns:p14="http://schemas.microsoft.com/office/powerpoint/2010/main">
+    <mc:Choice Requires="p14">
+      <p:transition spd="slow" p14:dur="2000"/>
+    </mc:Choice>
+    <mc:Fallback xmlns="">
+      <p:transition spd="slow"/>
+    </mc:Fallback>
+  </mc:AlternateContent>
   <p:timing>
     <p:tnLst>
       <p:par>
@@ -28433,6 +32285,415 @@
     <p:extLst>
       <p:ext uri="{BB962C8B-B14F-4D97-AF65-F5344CB8AC3E}">
         <p14:creationId xmlns:p14="http://schemas.microsoft.com/office/powerpoint/2010/main" val="880391948"/>
+      </p:ext>
+    </p:extLst>
+  </p:cSld>
+  <p:clrMapOvr>
+    <a:masterClrMapping/>
+  </p:clrMapOvr>
+  <p:timing>
+    <p:tnLst>
+      <p:par>
+        <p:cTn id="1" dur="indefinite" restart="never" nodeType="tmRoot"/>
+      </p:par>
+    </p:tnLst>
+  </p:timing>
+</p:sld>
+</file>
+
+<file path=ppt/slides/slide40.xml><?xml version="1.0" encoding="utf-8"?>
+<p:sld xmlns:a="http://schemas.openxmlformats.org/drawingml/2006/main" xmlns:r="http://schemas.openxmlformats.org/officeDocument/2006/relationships" xmlns:p="http://schemas.openxmlformats.org/presentationml/2006/main">
+  <p:cSld>
+    <p:spTree>
+      <p:nvGrpSpPr>
+        <p:cNvPr id="1" name="Shape 228"/>
+        <p:cNvGrpSpPr/>
+        <p:nvPr/>
+      </p:nvGrpSpPr>
+      <p:grpSpPr>
+        <a:xfrm>
+          <a:off x="0" y="0"/>
+          <a:ext cx="0" cy="0"/>
+          <a:chOff x="0" y="0"/>
+          <a:chExt cx="0" cy="0"/>
+        </a:xfrm>
+      </p:grpSpPr>
+      <p:sp>
+        <p:nvSpPr>
+          <p:cNvPr id="229" name="Google Shape;229;p26"/>
+          <p:cNvSpPr txBox="1">
+            <a:spLocks noGrp="1"/>
+          </p:cNvSpPr>
+          <p:nvPr>
+            <p:ph type="title" idx="4294967295"/>
+          </p:nvPr>
+        </p:nvSpPr>
+        <p:spPr>
+          <a:xfrm>
+            <a:off x="854884" y="168835"/>
+            <a:ext cx="8250600" cy="798300"/>
+          </a:xfrm>
+          <a:prstGeom prst="rect">
+            <a:avLst/>
+          </a:prstGeom>
+        </p:spPr>
+        <p:txBody>
+          <a:bodyPr spcFirstLastPara="1" wrap="square" lIns="91425" tIns="91425" rIns="91425" bIns="91425" anchor="ctr" anchorCtr="0">
+            <a:noAutofit/>
+          </a:bodyPr>
+          <a:lstStyle/>
+          <a:p>
+            <a:r>
+              <a:rPr lang="en-US" sz="2400" dirty="0" smtClean="0">
+                <a:solidFill>
+                  <a:srgbClr val="2C363A"/>
+                </a:solidFill>
+              </a:rPr>
+              <a:t>Assignments</a:t>
+            </a:r>
+            <a:endParaRPr sz="2400" dirty="0">
+              <a:solidFill>
+                <a:schemeClr val="accent2"/>
+              </a:solidFill>
+            </a:endParaRPr>
+          </a:p>
+        </p:txBody>
+      </p:sp>
+      <p:sp>
+        <p:nvSpPr>
+          <p:cNvPr id="230" name="Google Shape;230;p26"/>
+          <p:cNvSpPr txBox="1">
+            <a:spLocks noGrp="1"/>
+          </p:cNvSpPr>
+          <p:nvPr>
+            <p:ph type="sldNum" idx="12"/>
+          </p:nvPr>
+        </p:nvSpPr>
+        <p:spPr>
+          <a:xfrm>
+            <a:off x="8556784" y="4749851"/>
+            <a:ext cx="548700" cy="393600"/>
+          </a:xfrm>
+          <a:prstGeom prst="rect">
+            <a:avLst/>
+          </a:prstGeom>
+        </p:spPr>
+        <p:txBody>
+          <a:bodyPr spcFirstLastPara="1" wrap="square" lIns="91425" tIns="91425" rIns="91425" bIns="91425" anchor="t" anchorCtr="0">
+            <a:noAutofit/>
+          </a:bodyPr>
+          <a:lstStyle/>
+          <a:p>
+            <a:pPr marL="0" lvl="0" indent="0" algn="r" rtl="0">
+              <a:spcBef>
+                <a:spcPts val="0"/>
+              </a:spcBef>
+              <a:spcAft>
+                <a:spcPts val="0"/>
+              </a:spcAft>
+              <a:buNone/>
+            </a:pPr>
+            <a:fld id="{00000000-1234-1234-1234-123412341234}" type="slidenum">
+              <a:rPr lang="en"/>
+              <a:t>40</a:t>
+            </a:fld>
+            <a:endParaRPr/>
+          </a:p>
+        </p:txBody>
+      </p:sp>
+    </p:spTree>
+    <p:extLst>
+      <p:ext uri="{BB962C8B-B14F-4D97-AF65-F5344CB8AC3E}">
+        <p14:creationId xmlns:p14="http://schemas.microsoft.com/office/powerpoint/2010/main" val="4288457442"/>
+      </p:ext>
+    </p:extLst>
+  </p:cSld>
+  <p:clrMapOvr>
+    <a:masterClrMapping/>
+  </p:clrMapOvr>
+  <p:timing>
+    <p:tnLst>
+      <p:par>
+        <p:cTn id="1" dur="indefinite" restart="never" nodeType="tmRoot"/>
+      </p:par>
+    </p:tnLst>
+  </p:timing>
+</p:sld>
+</file>
+
+<file path=ppt/slides/slide41.xml><?xml version="1.0" encoding="utf-8"?>
+<p:sld xmlns:a="http://schemas.openxmlformats.org/drawingml/2006/main" xmlns:r="http://schemas.openxmlformats.org/officeDocument/2006/relationships" xmlns:p="http://schemas.openxmlformats.org/presentationml/2006/main">
+  <p:cSld>
+    <p:spTree>
+      <p:nvGrpSpPr>
+        <p:cNvPr id="1" name="Shape 228"/>
+        <p:cNvGrpSpPr/>
+        <p:nvPr/>
+      </p:nvGrpSpPr>
+      <p:grpSpPr>
+        <a:xfrm>
+          <a:off x="0" y="0"/>
+          <a:ext cx="0" cy="0"/>
+          <a:chOff x="0" y="0"/>
+          <a:chExt cx="0" cy="0"/>
+        </a:xfrm>
+      </p:grpSpPr>
+      <p:sp>
+        <p:nvSpPr>
+          <p:cNvPr id="229" name="Google Shape;229;p26"/>
+          <p:cNvSpPr txBox="1">
+            <a:spLocks noGrp="1"/>
+          </p:cNvSpPr>
+          <p:nvPr>
+            <p:ph type="title" idx="4294967295"/>
+          </p:nvPr>
+        </p:nvSpPr>
+        <p:spPr>
+          <a:xfrm>
+            <a:off x="306184" y="619039"/>
+            <a:ext cx="8250600" cy="798300"/>
+          </a:xfrm>
+          <a:prstGeom prst="rect">
+            <a:avLst/>
+          </a:prstGeom>
+        </p:spPr>
+        <p:txBody>
+          <a:bodyPr spcFirstLastPara="1" wrap="square" lIns="91425" tIns="91425" rIns="91425" bIns="91425" anchor="ctr" anchorCtr="0">
+            <a:noAutofit/>
+          </a:bodyPr>
+          <a:lstStyle/>
+          <a:p>
+            <a:pPr lvl="0" algn="ctr"/>
+            <a:r>
+              <a:rPr lang="en-US" sz="2400" dirty="0" smtClean="0">
+                <a:solidFill>
+                  <a:srgbClr val="2C363A"/>
+                </a:solidFill>
+              </a:rPr>
+              <a:t>Code for the presentation can be found here</a:t>
+            </a:r>
+            <a:endParaRPr sz="2400" dirty="0">
+              <a:solidFill>
+                <a:schemeClr val="accent2"/>
+              </a:solidFill>
+            </a:endParaRPr>
+          </a:p>
+        </p:txBody>
+      </p:sp>
+      <p:sp>
+        <p:nvSpPr>
+          <p:cNvPr id="230" name="Google Shape;230;p26"/>
+          <p:cNvSpPr txBox="1">
+            <a:spLocks noGrp="1"/>
+          </p:cNvSpPr>
+          <p:nvPr>
+            <p:ph type="sldNum" idx="12"/>
+          </p:nvPr>
+        </p:nvSpPr>
+        <p:spPr>
+          <a:xfrm>
+            <a:off x="8556784" y="4749851"/>
+            <a:ext cx="548700" cy="393600"/>
+          </a:xfrm>
+          <a:prstGeom prst="rect">
+            <a:avLst/>
+          </a:prstGeom>
+        </p:spPr>
+        <p:txBody>
+          <a:bodyPr spcFirstLastPara="1" wrap="square" lIns="91425" tIns="91425" rIns="91425" bIns="91425" anchor="t" anchorCtr="0">
+            <a:noAutofit/>
+          </a:bodyPr>
+          <a:lstStyle/>
+          <a:p>
+            <a:pPr marL="0" lvl="0" indent="0" algn="r" rtl="0">
+              <a:spcBef>
+                <a:spcPts val="0"/>
+              </a:spcBef>
+              <a:spcAft>
+                <a:spcPts val="0"/>
+              </a:spcAft>
+              <a:buNone/>
+            </a:pPr>
+            <a:fld id="{00000000-1234-1234-1234-123412341234}" type="slidenum">
+              <a:rPr lang="en"/>
+              <a:t>41</a:t>
+            </a:fld>
+            <a:endParaRPr/>
+          </a:p>
+        </p:txBody>
+      </p:sp>
+      <p:sp>
+        <p:nvSpPr>
+          <p:cNvPr id="2" name="Rectangle 1"/>
+          <p:cNvSpPr/>
+          <p:nvPr/>
+        </p:nvSpPr>
+        <p:spPr>
+          <a:xfrm>
+            <a:off x="650452" y="2015526"/>
+            <a:ext cx="7906332" cy="1138773"/>
+          </a:xfrm>
+          <a:prstGeom prst="rect">
+            <a:avLst/>
+          </a:prstGeom>
+        </p:spPr>
+        <p:txBody>
+          <a:bodyPr wrap="none">
+            <a:spAutoFit/>
+          </a:bodyPr>
+          <a:lstStyle/>
+          <a:p>
+            <a:pPr algn="ctr"/>
+            <a:r>
+              <a:rPr lang="en-US" sz="2000" b="1" dirty="0" smtClean="0"/>
+              <a:t>Refer Readme.md of </a:t>
+            </a:r>
+            <a:r>
+              <a:rPr lang="en-US" sz="2000" b="1" dirty="0" err="1" smtClean="0"/>
+              <a:t>github</a:t>
+            </a:r>
+            <a:r>
+              <a:rPr lang="en-US" sz="2000" b="1" dirty="0" smtClean="0"/>
+              <a:t> repository for list of assignments:</a:t>
+            </a:r>
+          </a:p>
+          <a:p>
+            <a:pPr algn="ctr"/>
+            <a:endParaRPr lang="en-US" sz="2400" b="1" dirty="0" smtClean="0"/>
+          </a:p>
+          <a:p>
+            <a:pPr algn="ctr"/>
+            <a:r>
+              <a:rPr lang="en-US" sz="2400" b="1" dirty="0" smtClean="0"/>
+              <a:t>https</a:t>
+            </a:r>
+            <a:r>
+              <a:rPr lang="en-US" sz="2400" b="1" dirty="0"/>
+              <a:t>://github.com/tahirmirji/ai_with_python_keonics</a:t>
+            </a:r>
+          </a:p>
+        </p:txBody>
+      </p:sp>
+    </p:spTree>
+    <p:extLst>
+      <p:ext uri="{BB962C8B-B14F-4D97-AF65-F5344CB8AC3E}">
+        <p14:creationId xmlns:p14="http://schemas.microsoft.com/office/powerpoint/2010/main" val="3319305882"/>
+      </p:ext>
+    </p:extLst>
+  </p:cSld>
+  <p:clrMapOvr>
+    <a:masterClrMapping/>
+  </p:clrMapOvr>
+  <p:timing>
+    <p:tnLst>
+      <p:par>
+        <p:cTn id="1" dur="indefinite" restart="never" nodeType="tmRoot"/>
+      </p:par>
+    </p:tnLst>
+  </p:timing>
+</p:sld>
+</file>
+
+<file path=ppt/slides/slide42.xml><?xml version="1.0" encoding="utf-8"?>
+<p:sld xmlns:a="http://schemas.openxmlformats.org/drawingml/2006/main" xmlns:r="http://schemas.openxmlformats.org/officeDocument/2006/relationships" xmlns:p="http://schemas.openxmlformats.org/presentationml/2006/main">
+  <p:cSld>
+    <p:spTree>
+      <p:nvGrpSpPr>
+        <p:cNvPr id="1" name=""/>
+        <p:cNvGrpSpPr/>
+        <p:nvPr/>
+      </p:nvGrpSpPr>
+      <p:grpSpPr>
+        <a:xfrm>
+          <a:off x="0" y="0"/>
+          <a:ext cx="0" cy="0"/>
+          <a:chOff x="0" y="0"/>
+          <a:chExt cx="0" cy="0"/>
+        </a:xfrm>
+      </p:grpSpPr>
+      <p:sp>
+        <p:nvSpPr>
+          <p:cNvPr id="5" name="Slide Number Placeholder 4"/>
+          <p:cNvSpPr>
+            <a:spLocks noGrp="1"/>
+          </p:cNvSpPr>
+          <p:nvPr>
+            <p:ph type="sldNum" idx="12"/>
+          </p:nvPr>
+        </p:nvSpPr>
+        <p:spPr/>
+        <p:txBody>
+          <a:bodyPr/>
+          <a:lstStyle/>
+          <a:p>
+            <a:pPr marL="0" lvl="0" indent="0" algn="r" rtl="0">
+              <a:spcBef>
+                <a:spcPts val="0"/>
+              </a:spcBef>
+              <a:spcAft>
+                <a:spcPts val="0"/>
+              </a:spcAft>
+              <a:buNone/>
+            </a:pPr>
+            <a:fld id="{00000000-1234-1234-1234-123412341234}" type="slidenum">
+              <a:rPr lang="en" smtClean="0"/>
+              <a:t>42</a:t>
+            </a:fld>
+            <a:endParaRPr lang="en"/>
+          </a:p>
+        </p:txBody>
+      </p:sp>
+      <p:sp>
+        <p:nvSpPr>
+          <p:cNvPr id="6" name="Oval 5"/>
+          <p:cNvSpPr/>
+          <p:nvPr/>
+        </p:nvSpPr>
+        <p:spPr>
+          <a:xfrm>
+            <a:off x="837282" y="-1156694"/>
+            <a:ext cx="7590621" cy="7590621"/>
+          </a:xfrm>
+          <a:prstGeom prst="ellipse">
+            <a:avLst/>
+          </a:prstGeom>
+          <a:ln>
+            <a:noFill/>
+          </a:ln>
+        </p:spPr>
+        <p:style>
+          <a:lnRef idx="2">
+            <a:schemeClr val="accent1">
+              <a:shade val="50000"/>
+            </a:schemeClr>
+          </a:lnRef>
+          <a:fillRef idx="1">
+            <a:schemeClr val="accent1"/>
+          </a:fillRef>
+          <a:effectRef idx="0">
+            <a:schemeClr val="accent1"/>
+          </a:effectRef>
+          <a:fontRef idx="minor">
+            <a:schemeClr val="lt1"/>
+          </a:fontRef>
+        </p:style>
+        <p:txBody>
+          <a:bodyPr rtlCol="0" anchor="ctr"/>
+          <a:lstStyle/>
+          <a:p>
+            <a:pPr algn="ctr"/>
+            <a:r>
+              <a:rPr lang="en-US" sz="8000" dirty="0" smtClean="0"/>
+              <a:t>Thank You</a:t>
+            </a:r>
+            <a:endParaRPr lang="en-US" sz="8000" dirty="0"/>
+          </a:p>
+        </p:txBody>
+      </p:sp>
+    </p:spTree>
+    <p:extLst>
+      <p:ext uri="{BB962C8B-B14F-4D97-AF65-F5344CB8AC3E}">
+        <p14:creationId xmlns:p14="http://schemas.microsoft.com/office/powerpoint/2010/main" val="1594356354"/>
       </p:ext>
     </p:extLst>
   </p:cSld>

--- a/module2/ppt/Python Scripting.pptx
+++ b/module2/ppt/Python Scripting.pptx
@@ -55,21 +55,21 @@
   <p:notesSz cx="6858000" cy="9144000"/>
   <p:embeddedFontLst>
     <p:embeddedFont>
-      <p:font typeface="Montserrat" panose="00000500000000000000" pitchFamily="50" charset="0"/>
+      <p:font typeface="Microsoft YaHei" panose="020B0503020204020204" pitchFamily="34" charset="-122"/>
       <p:regular r:id="rId45"/>
       <p:bold r:id="rId46"/>
-      <p:italic r:id="rId47"/>
-      <p:boldItalic r:id="rId48"/>
     </p:embeddedFont>
     <p:embeddedFont>
       <p:font typeface="Sarala" panose="020B0604020202020204" charset="0"/>
+      <p:regular r:id="rId47"/>
+      <p:bold r:id="rId48"/>
+    </p:embeddedFont>
+    <p:embeddedFont>
+      <p:font typeface="Montserrat" panose="00000500000000000000" pitchFamily="50" charset="0"/>
       <p:regular r:id="rId49"/>
       <p:bold r:id="rId50"/>
-    </p:embeddedFont>
-    <p:embeddedFont>
-      <p:font typeface="Microsoft YaHei" panose="020B0503020204020204" pitchFamily="34" charset="-122"/>
-      <p:regular r:id="rId51"/>
-      <p:bold r:id="rId52"/>
+      <p:italic r:id="rId51"/>
+      <p:boldItalic r:id="rId52"/>
     </p:embeddedFont>
   </p:embeddedFontLst>
   <p:defaultTextStyle>
@@ -19077,7 +19077,7 @@
                 <a:hlinkClick r:id="rId2">
                   <a:extLst>
                     <a:ext uri="{A12FA001-AC4F-418D-AE19-62706E023703}">
-                      <ahyp:hlinkClr xmlns="" xmlns:mc="http://schemas.openxmlformats.org/markup-compatibility/2006" xmlns:mv="urn:schemas-microsoft-com:mac:vml" xmlns:c="http://schemas.openxmlformats.org/drawingml/2006/chart" xmlns:dgm="http://schemas.openxmlformats.org/drawingml/2006/diagram" xmlns:o="urn:schemas-microsoft-com:office:office" xmlns:v="urn:schemas-microsoft-com:vml" xmlns:pvml="urn:schemas-microsoft-com:office:powerpoint" xmlns:com="http://schemas.openxmlformats.org/drawingml/2006/compatibility" xmlns:p14="http://schemas.microsoft.com/office/powerpoint/2010/main" xmlns:p15="http://schemas.microsoft.com/office/powerpoint/2012/main" xmlns:ahyp="http://schemas.microsoft.com/office/drawing/2018/hyperlinkcolor" val="tx"/>
+                      <ahyp:hlinkClr xmlns:ahyp="http://schemas.microsoft.com/office/drawing/2018/hyperlinkcolor" xmlns:p15="http://schemas.microsoft.com/office/powerpoint/2012/main" xmlns:p14="http://schemas.microsoft.com/office/powerpoint/2010/main" xmlns:com="http://schemas.openxmlformats.org/drawingml/2006/compatibility" xmlns:pvml="urn:schemas-microsoft-com:office:powerpoint" xmlns:v="urn:schemas-microsoft-com:vml" xmlns:o="urn:schemas-microsoft-com:office:office" xmlns:dgm="http://schemas.openxmlformats.org/drawingml/2006/diagram" xmlns:c="http://schemas.openxmlformats.org/drawingml/2006/chart" xmlns:mv="urn:schemas-microsoft-com:mac:vml" xmlns:mc="http://schemas.openxmlformats.org/markup-compatibility/2006" xmlns="" val="tx"/>
                     </a:ext>
                   </a:extLst>
                 </a:hlinkClick>
@@ -19111,7 +19111,7 @@
                 <a:hlinkClick r:id="rId3">
                   <a:extLst>
                     <a:ext uri="{A12FA001-AC4F-418D-AE19-62706E023703}">
-                      <ahyp:hlinkClr xmlns="" xmlns:mc="http://schemas.openxmlformats.org/markup-compatibility/2006" xmlns:mv="urn:schemas-microsoft-com:mac:vml" xmlns:c="http://schemas.openxmlformats.org/drawingml/2006/chart" xmlns:dgm="http://schemas.openxmlformats.org/drawingml/2006/diagram" xmlns:o="urn:schemas-microsoft-com:office:office" xmlns:v="urn:schemas-microsoft-com:vml" xmlns:pvml="urn:schemas-microsoft-com:office:powerpoint" xmlns:com="http://schemas.openxmlformats.org/drawingml/2006/compatibility" xmlns:p14="http://schemas.microsoft.com/office/powerpoint/2010/main" xmlns:p15="http://schemas.microsoft.com/office/powerpoint/2012/main" xmlns:ahyp="http://schemas.microsoft.com/office/drawing/2018/hyperlinkcolor" val="tx"/>
+                      <ahyp:hlinkClr xmlns:ahyp="http://schemas.microsoft.com/office/drawing/2018/hyperlinkcolor" xmlns:p15="http://schemas.microsoft.com/office/powerpoint/2012/main" xmlns:p14="http://schemas.microsoft.com/office/powerpoint/2010/main" xmlns:com="http://schemas.openxmlformats.org/drawingml/2006/compatibility" xmlns:pvml="urn:schemas-microsoft-com:office:powerpoint" xmlns:v="urn:schemas-microsoft-com:vml" xmlns:o="urn:schemas-microsoft-com:office:office" xmlns:dgm="http://schemas.openxmlformats.org/drawingml/2006/diagram" xmlns:c="http://schemas.openxmlformats.org/drawingml/2006/chart" xmlns:mv="urn:schemas-microsoft-com:mac:vml" xmlns:mc="http://schemas.openxmlformats.org/markup-compatibility/2006" xmlns="" val="tx"/>
                     </a:ext>
                   </a:extLst>
                 </a:hlinkClick>
@@ -19145,7 +19145,7 @@
                 <a:hlinkClick r:id="rId4">
                   <a:extLst>
                     <a:ext uri="{A12FA001-AC4F-418D-AE19-62706E023703}">
-                      <ahyp:hlinkClr xmlns="" xmlns:mc="http://schemas.openxmlformats.org/markup-compatibility/2006" xmlns:mv="urn:schemas-microsoft-com:mac:vml" xmlns:c="http://schemas.openxmlformats.org/drawingml/2006/chart" xmlns:dgm="http://schemas.openxmlformats.org/drawingml/2006/diagram" xmlns:o="urn:schemas-microsoft-com:office:office" xmlns:v="urn:schemas-microsoft-com:vml" xmlns:pvml="urn:schemas-microsoft-com:office:powerpoint" xmlns:com="http://schemas.openxmlformats.org/drawingml/2006/compatibility" xmlns:p14="http://schemas.microsoft.com/office/powerpoint/2010/main" xmlns:p15="http://schemas.microsoft.com/office/powerpoint/2012/main" xmlns:ahyp="http://schemas.microsoft.com/office/drawing/2018/hyperlinkcolor" val="tx"/>
+                      <ahyp:hlinkClr xmlns:ahyp="http://schemas.microsoft.com/office/drawing/2018/hyperlinkcolor" xmlns:p15="http://schemas.microsoft.com/office/powerpoint/2012/main" xmlns:p14="http://schemas.microsoft.com/office/powerpoint/2010/main" xmlns:com="http://schemas.openxmlformats.org/drawingml/2006/compatibility" xmlns:pvml="urn:schemas-microsoft-com:office:powerpoint" xmlns:v="urn:schemas-microsoft-com:vml" xmlns:o="urn:schemas-microsoft-com:office:office" xmlns:dgm="http://schemas.openxmlformats.org/drawingml/2006/diagram" xmlns:c="http://schemas.openxmlformats.org/drawingml/2006/chart" xmlns:mv="urn:schemas-microsoft-com:mac:vml" xmlns:mc="http://schemas.openxmlformats.org/markup-compatibility/2006" xmlns="" val="tx"/>
                     </a:ext>
                   </a:extLst>
                 </a:hlinkClick>
@@ -19179,7 +19179,7 @@
                 <a:hlinkClick r:id="rId5">
                   <a:extLst>
                     <a:ext uri="{A12FA001-AC4F-418D-AE19-62706E023703}">
-                      <ahyp:hlinkClr xmlns="" xmlns:mc="http://schemas.openxmlformats.org/markup-compatibility/2006" xmlns:mv="urn:schemas-microsoft-com:mac:vml" xmlns:c="http://schemas.openxmlformats.org/drawingml/2006/chart" xmlns:dgm="http://schemas.openxmlformats.org/drawingml/2006/diagram" xmlns:o="urn:schemas-microsoft-com:office:office" xmlns:v="urn:schemas-microsoft-com:vml" xmlns:pvml="urn:schemas-microsoft-com:office:powerpoint" xmlns:com="http://schemas.openxmlformats.org/drawingml/2006/compatibility" xmlns:p14="http://schemas.microsoft.com/office/powerpoint/2010/main" xmlns:p15="http://schemas.microsoft.com/office/powerpoint/2012/main" xmlns:ahyp="http://schemas.microsoft.com/office/drawing/2018/hyperlinkcolor" val="tx"/>
+                      <ahyp:hlinkClr xmlns:ahyp="http://schemas.microsoft.com/office/drawing/2018/hyperlinkcolor" xmlns:p15="http://schemas.microsoft.com/office/powerpoint/2012/main" xmlns:p14="http://schemas.microsoft.com/office/powerpoint/2010/main" xmlns:com="http://schemas.openxmlformats.org/drawingml/2006/compatibility" xmlns:pvml="urn:schemas-microsoft-com:office:powerpoint" xmlns:v="urn:schemas-microsoft-com:vml" xmlns:o="urn:schemas-microsoft-com:office:office" xmlns:dgm="http://schemas.openxmlformats.org/drawingml/2006/diagram" xmlns:c="http://schemas.openxmlformats.org/drawingml/2006/chart" xmlns:mv="urn:schemas-microsoft-com:mac:vml" xmlns:mc="http://schemas.openxmlformats.org/markup-compatibility/2006" xmlns="" val="tx"/>
                     </a:ext>
                   </a:extLst>
                 </a:hlinkClick>
@@ -28663,7 +28663,6 @@
               <a:rPr lang="en-US" sz="1800" dirty="0" smtClean="0"/>
               <a:t> </a:t>
             </a:r>
-            <a:endParaRPr lang="en-US" sz="1800" dirty="0" smtClean="0"/>
           </a:p>
         </p:txBody>
       </p:sp>
@@ -28963,11 +28962,11 @@
   <p:clrMapOvr>
     <a:masterClrMapping/>
   </p:clrMapOvr>
-  <mc:AlternateContent xmlns:mc="http://schemas.openxmlformats.org/markup-compatibility/2006">
-    <mc:Choice xmlns:p14="http://schemas.microsoft.com/office/powerpoint/2010/main" Requires="p14">
+  <mc:AlternateContent xmlns:mc="http://schemas.openxmlformats.org/markup-compatibility/2006" xmlns:p14="http://schemas.microsoft.com/office/powerpoint/2010/main">
+    <mc:Choice Requires="p14">
       <p:transition spd="slow" p14:dur="2000"/>
     </mc:Choice>
-    <mc:Fallback>
+    <mc:Fallback xmlns="">
       <p:transition spd="slow"/>
     </mc:Fallback>
   </mc:AlternateContent>
@@ -29383,11 +29382,11 @@
   <p:clrMapOvr>
     <a:masterClrMapping/>
   </p:clrMapOvr>
-  <mc:AlternateContent xmlns:mc="http://schemas.openxmlformats.org/markup-compatibility/2006">
-    <mc:Choice xmlns:p14="http://schemas.microsoft.com/office/powerpoint/2010/main" Requires="p14">
+  <mc:AlternateContent xmlns:mc="http://schemas.openxmlformats.org/markup-compatibility/2006" xmlns:p14="http://schemas.microsoft.com/office/powerpoint/2010/main">
+    <mc:Choice Requires="p14">
       <p:transition spd="slow" p14:dur="2000"/>
     </mc:Choice>
-    <mc:Fallback>
+    <mc:Fallback xmlns="">
       <p:transition spd="slow"/>
     </mc:Fallback>
   </mc:AlternateContent>
@@ -29661,11 +29660,11 @@
   <p:clrMapOvr>
     <a:masterClrMapping/>
   </p:clrMapOvr>
-  <mc:AlternateContent xmlns:mc="http://schemas.openxmlformats.org/markup-compatibility/2006">
-    <mc:Choice xmlns:p14="http://schemas.microsoft.com/office/powerpoint/2010/main" Requires="p14">
+  <mc:AlternateContent xmlns:mc="http://schemas.openxmlformats.org/markup-compatibility/2006" xmlns:p14="http://schemas.microsoft.com/office/powerpoint/2010/main">
+    <mc:Choice Requires="p14">
       <p:transition spd="slow" p14:dur="2000"/>
     </mc:Choice>
-    <mc:Fallback>
+    <mc:Fallback xmlns="">
       <p:transition spd="slow"/>
     </mc:Fallback>
   </mc:AlternateContent>
@@ -29940,11 +29939,11 @@
   <p:clrMapOvr>
     <a:masterClrMapping/>
   </p:clrMapOvr>
-  <mc:AlternateContent xmlns:mc="http://schemas.openxmlformats.org/markup-compatibility/2006">
-    <mc:Choice xmlns:p14="http://schemas.microsoft.com/office/powerpoint/2010/main" Requires="p14">
+  <mc:AlternateContent xmlns:mc="http://schemas.openxmlformats.org/markup-compatibility/2006" xmlns:p14="http://schemas.microsoft.com/office/powerpoint/2010/main">
+    <mc:Choice Requires="p14">
       <p:transition spd="slow" p14:dur="2000"/>
     </mc:Choice>
-    <mc:Fallback>
+    <mc:Fallback xmlns="">
       <p:transition spd="slow"/>
     </mc:Fallback>
   </mc:AlternateContent>
@@ -30371,11 +30370,11 @@
   <p:clrMapOvr>
     <a:masterClrMapping/>
   </p:clrMapOvr>
-  <mc:AlternateContent xmlns:mc="http://schemas.openxmlformats.org/markup-compatibility/2006">
-    <mc:Choice xmlns:p14="http://schemas.microsoft.com/office/powerpoint/2010/main" Requires="p14">
+  <mc:AlternateContent xmlns:mc="http://schemas.openxmlformats.org/markup-compatibility/2006" xmlns:p14="http://schemas.microsoft.com/office/powerpoint/2010/main">
+    <mc:Choice Requires="p14">
       <p:transition spd="slow" p14:dur="2000"/>
     </mc:Choice>
-    <mc:Fallback>
+    <mc:Fallback xmlns="">
       <p:transition spd="slow"/>
     </mc:Fallback>
   </mc:AlternateContent>
@@ -30621,11 +30620,11 @@
   <p:clrMapOvr>
     <a:masterClrMapping/>
   </p:clrMapOvr>
-  <mc:AlternateContent xmlns:mc="http://schemas.openxmlformats.org/markup-compatibility/2006">
-    <mc:Choice xmlns:p14="http://schemas.microsoft.com/office/powerpoint/2010/main" Requires="p14">
+  <mc:AlternateContent xmlns:mc="http://schemas.openxmlformats.org/markup-compatibility/2006" xmlns:p14="http://schemas.microsoft.com/office/powerpoint/2010/main">
+    <mc:Choice Requires="p14">
       <p:transition spd="slow" p14:dur="2000"/>
     </mc:Choice>
-    <mc:Fallback>
+    <mc:Fallback xmlns="">
       <p:transition spd="slow"/>
     </mc:Fallback>
   </mc:AlternateContent>
@@ -30839,11 +30838,11 @@
   <p:clrMapOvr>
     <a:masterClrMapping/>
   </p:clrMapOvr>
-  <mc:AlternateContent xmlns:mc="http://schemas.openxmlformats.org/markup-compatibility/2006">
-    <mc:Choice xmlns:p14="http://schemas.microsoft.com/office/powerpoint/2010/main" Requires="p14">
+  <mc:AlternateContent xmlns:mc="http://schemas.openxmlformats.org/markup-compatibility/2006" xmlns:p14="http://schemas.microsoft.com/office/powerpoint/2010/main">
+    <mc:Choice Requires="p14">
       <p:transition spd="slow" p14:dur="2000"/>
     </mc:Choice>
-    <mc:Fallback>
+    <mc:Fallback xmlns="">
       <p:transition spd="slow"/>
     </mc:Fallback>
   </mc:AlternateContent>
@@ -31113,7 +31112,6 @@
               <a:rPr lang="en-US" sz="1800" dirty="0"/>
               <a:t>        print(lines)</a:t>
             </a:r>
-            <a:endParaRPr lang="en-US" sz="1800" dirty="0"/>
           </a:p>
         </p:txBody>
       </p:sp>
@@ -31127,11 +31125,11 @@
   <p:clrMapOvr>
     <a:masterClrMapping/>
   </p:clrMapOvr>
-  <mc:AlternateContent xmlns:mc="http://schemas.openxmlformats.org/markup-compatibility/2006">
-    <mc:Choice xmlns:p14="http://schemas.microsoft.com/office/powerpoint/2010/main" Requires="p14">
+  <mc:AlternateContent xmlns:mc="http://schemas.openxmlformats.org/markup-compatibility/2006" xmlns:p14="http://schemas.microsoft.com/office/powerpoint/2010/main">
+    <mc:Choice Requires="p14">
       <p:transition spd="slow" p14:dur="2000"/>
     </mc:Choice>
-    <mc:Fallback>
+    <mc:Fallback xmlns="">
       <p:transition spd="slow"/>
     </mc:Fallback>
   </mc:AlternateContent>
@@ -31303,11 +31301,11 @@
   <p:clrMapOvr>
     <a:masterClrMapping/>
   </p:clrMapOvr>
-  <mc:AlternateContent xmlns:mc="http://schemas.openxmlformats.org/markup-compatibility/2006">
-    <mc:Choice xmlns:p14="http://schemas.microsoft.com/office/powerpoint/2010/main" Requires="p14">
+  <mc:AlternateContent xmlns:mc="http://schemas.openxmlformats.org/markup-compatibility/2006" xmlns:p14="http://schemas.microsoft.com/office/powerpoint/2010/main">
+    <mc:Choice Requires="p14">
       <p:transition spd="slow" p14:dur="2000"/>
     </mc:Choice>
-    <mc:Fallback>
+    <mc:Fallback xmlns="">
       <p:transition spd="slow"/>
     </mc:Fallback>
   </mc:AlternateContent>
@@ -31479,11 +31477,11 @@
   <p:clrMapOvr>
     <a:masterClrMapping/>
   </p:clrMapOvr>
-  <mc:AlternateContent xmlns:mc="http://schemas.openxmlformats.org/markup-compatibility/2006">
-    <mc:Choice xmlns:p14="http://schemas.microsoft.com/office/powerpoint/2010/main" Requires="p14">
+  <mc:AlternateContent xmlns:mc="http://schemas.openxmlformats.org/markup-compatibility/2006" xmlns:p14="http://schemas.microsoft.com/office/powerpoint/2010/main">
+    <mc:Choice Requires="p14">
       <p:transition spd="slow" p14:dur="2000"/>
     </mc:Choice>
-    <mc:Fallback>
+    <mc:Fallback xmlns="">
       <p:transition spd="slow"/>
     </mc:Fallback>
   </mc:AlternateContent>
@@ -31712,7 +31710,6 @@
               <a:rPr lang="en-US" sz="1800" dirty="0"/>
               <a:t>            print(lines)</a:t>
             </a:r>
-            <a:endParaRPr lang="en-US" sz="1800" dirty="0"/>
           </a:p>
         </p:txBody>
       </p:sp>
@@ -31726,11 +31723,11 @@
   <p:clrMapOvr>
     <a:masterClrMapping/>
   </p:clrMapOvr>
-  <mc:AlternateContent xmlns:mc="http://schemas.openxmlformats.org/markup-compatibility/2006">
-    <mc:Choice xmlns:p14="http://schemas.microsoft.com/office/powerpoint/2010/main" Requires="p14">
+  <mc:AlternateContent xmlns:mc="http://schemas.openxmlformats.org/markup-compatibility/2006" xmlns:p14="http://schemas.microsoft.com/office/powerpoint/2010/main">
+    <mc:Choice Requires="p14">
       <p:transition spd="slow" p14:dur="2000"/>
     </mc:Choice>
-    <mc:Fallback>
+    <mc:Fallback xmlns="">
       <p:transition spd="slow"/>
     </mc:Fallback>
   </mc:AlternateContent>
@@ -31836,6 +31833,81 @@
               <a:t>37</a:t>
             </a:fld>
             <a:endParaRPr/>
+          </a:p>
+        </p:txBody>
+      </p:sp>
+      <p:sp>
+        <p:nvSpPr>
+          <p:cNvPr id="3" name="Rectangle 2"/>
+          <p:cNvSpPr/>
+          <p:nvPr/>
+        </p:nvSpPr>
+        <p:spPr>
+          <a:xfrm>
+            <a:off x="438912" y="1166434"/>
+            <a:ext cx="8284464" cy="5442516"/>
+          </a:xfrm>
+          <a:prstGeom prst="rect">
+            <a:avLst/>
+          </a:prstGeom>
+        </p:spPr>
+        <p:txBody>
+          <a:bodyPr wrap="square">
+            <a:spAutoFit/>
+          </a:bodyPr>
+          <a:lstStyle/>
+          <a:p>
+            <a:pPr marL="285750" indent="-285750" algn="just">
+              <a:lnSpc>
+                <a:spcPct val="150000"/>
+              </a:lnSpc>
+              <a:buFont typeface="Arial" panose="020B0604020202020204" pitchFamily="34" charset="0"/>
+              <a:buChar char="•"/>
+            </a:pPr>
+            <a:r>
+              <a:rPr lang="en-US" sz="1800" dirty="0"/>
+              <a:t>Normally, a library is a collection of books or is a room or place where many books are stored to be used later. Similarly, in the programming world, a library is a collection of precompiled codes that can be used later on in a program for some specific well-defined </a:t>
+            </a:r>
+            <a:r>
+              <a:rPr lang="en-US" sz="1800" dirty="0" smtClean="0"/>
+              <a:t>operations.</a:t>
+            </a:r>
+          </a:p>
+          <a:p>
+            <a:pPr marL="285750" indent="-285750" algn="just">
+              <a:lnSpc>
+                <a:spcPct val="150000"/>
+              </a:lnSpc>
+              <a:buFont typeface="Arial" panose="020B0604020202020204" pitchFamily="34" charset="0"/>
+              <a:buChar char="•"/>
+            </a:pPr>
+            <a:r>
+              <a:rPr lang="en-US" sz="1800" dirty="0" smtClean="0"/>
+              <a:t>Other </a:t>
+            </a:r>
+            <a:r>
+              <a:rPr lang="en-US" sz="1800" dirty="0"/>
+              <a:t>than pre-compiled codes, a library may contain documentation, configuration data, message templates, classes, and values, etc.</a:t>
+            </a:r>
+          </a:p>
+          <a:p>
+            <a:pPr algn="just">
+              <a:lnSpc>
+                <a:spcPct val="150000"/>
+              </a:lnSpc>
+            </a:pPr>
+            <a:endParaRPr lang="en-US" sz="1800" dirty="0"/>
+          </a:p>
+          <a:p>
+            <a:pPr algn="just">
+              <a:lnSpc>
+                <a:spcPct val="150000"/>
+              </a:lnSpc>
+            </a:pPr>
+            <a:r>
+              <a:rPr lang="en-US" sz="1800" dirty="0"/>
+              <a:t>A Python library is a collection of related modules. It contains bundles of code that can be used repeatedly in different programs. It makes Python Programming simpler and convenient for the programmer. As we don’t need to write the same code again and again for different programs. Python libraries play a very vital role in fields of Machine Learning, Data Science, Data Visualization, etc.</a:t>
+            </a:r>
           </a:p>
         </p:txBody>
       </p:sp>

--- a/module2/ppt/Python Scripting.pptx
+++ b/module2/ppt/Python Scripting.pptx
@@ -90,21 +90,21 @@
   <p:notesSz cx="6858000" cy="9144000"/>
   <p:embeddedFontLst>
     <p:embeddedFont>
-      <p:font typeface="Sarala" panose="020B0604020202020204" charset="0"/>
+      <p:font typeface="Montserrat" panose="00000500000000000000" pitchFamily="50" charset="0"/>
       <p:regular r:id="rId80"/>
       <p:bold r:id="rId81"/>
+      <p:italic r:id="rId82"/>
+      <p:boldItalic r:id="rId83"/>
+    </p:embeddedFont>
+    <p:embeddedFont>
+      <p:font typeface="Sarala" panose="020B0604020202020204" charset="0"/>
+      <p:regular r:id="rId84"/>
+      <p:bold r:id="rId85"/>
     </p:embeddedFont>
     <p:embeddedFont>
       <p:font typeface="Microsoft YaHei" panose="020B0503020204020204" pitchFamily="34" charset="-122"/>
-      <p:regular r:id="rId82"/>
-      <p:bold r:id="rId83"/>
-    </p:embeddedFont>
-    <p:embeddedFont>
-      <p:font typeface="Montserrat" panose="00000500000000000000" pitchFamily="50" charset="0"/>
-      <p:regular r:id="rId84"/>
-      <p:bold r:id="rId85"/>
-      <p:italic r:id="rId86"/>
-      <p:boldItalic r:id="rId87"/>
+      <p:regular r:id="rId86"/>
+      <p:bold r:id="rId87"/>
     </p:embeddedFont>
   </p:embeddedFontLst>
   <p:defaultTextStyle>
@@ -22927,7 +22927,7 @@
                 <a:hlinkClick r:id="rId2">
                   <a:extLst>
                     <a:ext uri="{A12FA001-AC4F-418D-AE19-62706E023703}">
-                      <ahyp:hlinkClr xmlns="" xmlns:mc="http://schemas.openxmlformats.org/markup-compatibility/2006" xmlns:mv="urn:schemas-microsoft-com:mac:vml" xmlns:c="http://schemas.openxmlformats.org/drawingml/2006/chart" xmlns:dgm="http://schemas.openxmlformats.org/drawingml/2006/diagram" xmlns:o="urn:schemas-microsoft-com:office:office" xmlns:v="urn:schemas-microsoft-com:vml" xmlns:pvml="urn:schemas-microsoft-com:office:powerpoint" xmlns:com="http://schemas.openxmlformats.org/drawingml/2006/compatibility" xmlns:p14="http://schemas.microsoft.com/office/powerpoint/2010/main" xmlns:p15="http://schemas.microsoft.com/office/powerpoint/2012/main" xmlns:ahyp="http://schemas.microsoft.com/office/drawing/2018/hyperlinkcolor" val="tx"/>
+                      <ahyp:hlinkClr xmlns:ahyp="http://schemas.microsoft.com/office/drawing/2018/hyperlinkcolor" xmlns:p15="http://schemas.microsoft.com/office/powerpoint/2012/main" xmlns:p14="http://schemas.microsoft.com/office/powerpoint/2010/main" xmlns:com="http://schemas.openxmlformats.org/drawingml/2006/compatibility" xmlns:pvml="urn:schemas-microsoft-com:office:powerpoint" xmlns:v="urn:schemas-microsoft-com:vml" xmlns:o="urn:schemas-microsoft-com:office:office" xmlns:dgm="http://schemas.openxmlformats.org/drawingml/2006/diagram" xmlns:c="http://schemas.openxmlformats.org/drawingml/2006/chart" xmlns:mv="urn:schemas-microsoft-com:mac:vml" xmlns:mc="http://schemas.openxmlformats.org/markup-compatibility/2006" xmlns="" val="tx"/>
                     </a:ext>
                   </a:extLst>
                 </a:hlinkClick>
@@ -22961,7 +22961,7 @@
                 <a:hlinkClick r:id="rId3">
                   <a:extLst>
                     <a:ext uri="{A12FA001-AC4F-418D-AE19-62706E023703}">
-                      <ahyp:hlinkClr xmlns="" xmlns:mc="http://schemas.openxmlformats.org/markup-compatibility/2006" xmlns:mv="urn:schemas-microsoft-com:mac:vml" xmlns:c="http://schemas.openxmlformats.org/drawingml/2006/chart" xmlns:dgm="http://schemas.openxmlformats.org/drawingml/2006/diagram" xmlns:o="urn:schemas-microsoft-com:office:office" xmlns:v="urn:schemas-microsoft-com:vml" xmlns:pvml="urn:schemas-microsoft-com:office:powerpoint" xmlns:com="http://schemas.openxmlformats.org/drawingml/2006/compatibility" xmlns:p14="http://schemas.microsoft.com/office/powerpoint/2010/main" xmlns:p15="http://schemas.microsoft.com/office/powerpoint/2012/main" xmlns:ahyp="http://schemas.microsoft.com/office/drawing/2018/hyperlinkcolor" val="tx"/>
+                      <ahyp:hlinkClr xmlns:ahyp="http://schemas.microsoft.com/office/drawing/2018/hyperlinkcolor" xmlns:p15="http://schemas.microsoft.com/office/powerpoint/2012/main" xmlns:p14="http://schemas.microsoft.com/office/powerpoint/2010/main" xmlns:com="http://schemas.openxmlformats.org/drawingml/2006/compatibility" xmlns:pvml="urn:schemas-microsoft-com:office:powerpoint" xmlns:v="urn:schemas-microsoft-com:vml" xmlns:o="urn:schemas-microsoft-com:office:office" xmlns:dgm="http://schemas.openxmlformats.org/drawingml/2006/diagram" xmlns:c="http://schemas.openxmlformats.org/drawingml/2006/chart" xmlns:mv="urn:schemas-microsoft-com:mac:vml" xmlns:mc="http://schemas.openxmlformats.org/markup-compatibility/2006" xmlns="" val="tx"/>
                     </a:ext>
                   </a:extLst>
                 </a:hlinkClick>
@@ -22995,7 +22995,7 @@
                 <a:hlinkClick r:id="rId4">
                   <a:extLst>
                     <a:ext uri="{A12FA001-AC4F-418D-AE19-62706E023703}">
-                      <ahyp:hlinkClr xmlns="" xmlns:mc="http://schemas.openxmlformats.org/markup-compatibility/2006" xmlns:mv="urn:schemas-microsoft-com:mac:vml" xmlns:c="http://schemas.openxmlformats.org/drawingml/2006/chart" xmlns:dgm="http://schemas.openxmlformats.org/drawingml/2006/diagram" xmlns:o="urn:schemas-microsoft-com:office:office" xmlns:v="urn:schemas-microsoft-com:vml" xmlns:pvml="urn:schemas-microsoft-com:office:powerpoint" xmlns:com="http://schemas.openxmlformats.org/drawingml/2006/compatibility" xmlns:p14="http://schemas.microsoft.com/office/powerpoint/2010/main" xmlns:p15="http://schemas.microsoft.com/office/powerpoint/2012/main" xmlns:ahyp="http://schemas.microsoft.com/office/drawing/2018/hyperlinkcolor" val="tx"/>
+                      <ahyp:hlinkClr xmlns:ahyp="http://schemas.microsoft.com/office/drawing/2018/hyperlinkcolor" xmlns:p15="http://schemas.microsoft.com/office/powerpoint/2012/main" xmlns:p14="http://schemas.microsoft.com/office/powerpoint/2010/main" xmlns:com="http://schemas.openxmlformats.org/drawingml/2006/compatibility" xmlns:pvml="urn:schemas-microsoft-com:office:powerpoint" xmlns:v="urn:schemas-microsoft-com:vml" xmlns:o="urn:schemas-microsoft-com:office:office" xmlns:dgm="http://schemas.openxmlformats.org/drawingml/2006/diagram" xmlns:c="http://schemas.openxmlformats.org/drawingml/2006/chart" xmlns:mv="urn:schemas-microsoft-com:mac:vml" xmlns:mc="http://schemas.openxmlformats.org/markup-compatibility/2006" xmlns="" val="tx"/>
                     </a:ext>
                   </a:extLst>
                 </a:hlinkClick>
@@ -23029,7 +23029,7 @@
                 <a:hlinkClick r:id="rId5">
                   <a:extLst>
                     <a:ext uri="{A12FA001-AC4F-418D-AE19-62706E023703}">
-                      <ahyp:hlinkClr xmlns="" xmlns:mc="http://schemas.openxmlformats.org/markup-compatibility/2006" xmlns:mv="urn:schemas-microsoft-com:mac:vml" xmlns:c="http://schemas.openxmlformats.org/drawingml/2006/chart" xmlns:dgm="http://schemas.openxmlformats.org/drawingml/2006/diagram" xmlns:o="urn:schemas-microsoft-com:office:office" xmlns:v="urn:schemas-microsoft-com:vml" xmlns:pvml="urn:schemas-microsoft-com:office:powerpoint" xmlns:com="http://schemas.openxmlformats.org/drawingml/2006/compatibility" xmlns:p14="http://schemas.microsoft.com/office/powerpoint/2010/main" xmlns:p15="http://schemas.microsoft.com/office/powerpoint/2012/main" xmlns:ahyp="http://schemas.microsoft.com/office/drawing/2018/hyperlinkcolor" val="tx"/>
+                      <ahyp:hlinkClr xmlns:ahyp="http://schemas.microsoft.com/office/drawing/2018/hyperlinkcolor" xmlns:p15="http://schemas.microsoft.com/office/powerpoint/2012/main" xmlns:p14="http://schemas.microsoft.com/office/powerpoint/2010/main" xmlns:com="http://schemas.openxmlformats.org/drawingml/2006/compatibility" xmlns:pvml="urn:schemas-microsoft-com:office:powerpoint" xmlns:v="urn:schemas-microsoft-com:vml" xmlns:o="urn:schemas-microsoft-com:office:office" xmlns:dgm="http://schemas.openxmlformats.org/drawingml/2006/diagram" xmlns:c="http://schemas.openxmlformats.org/drawingml/2006/chart" xmlns:mv="urn:schemas-microsoft-com:mac:vml" xmlns:mc="http://schemas.openxmlformats.org/markup-compatibility/2006" xmlns="" val="tx"/>
                     </a:ext>
                   </a:extLst>
                 </a:hlinkClick>
@@ -32711,11 +32711,7 @@
             </a:pPr>
             <a:r>
               <a:rPr lang="en-US" sz="1800" dirty="0"/>
-              <a:t>On the other hand, exceptions are raised when some internal events occur which changes the normal flow of the program</a:t>
-            </a:r>
-            <a:r>
-              <a:rPr lang="en-US" sz="1800" dirty="0"/>
-              <a:t>. Handling Exceptions with Try/Except/Finally </a:t>
+              <a:t>On the other hand, exceptions are raised when some internal events occur which changes the normal flow of the program. Handling Exceptions with Try/Except/Finally </a:t>
             </a:r>
             <a:endParaRPr lang="en-US" sz="1800" dirty="0" smtClean="0"/>
           </a:p>
@@ -33550,7 +33546,7 @@
         </p:nvGraphicFramePr>
         <p:xfrm>
           <a:off x="816339" y="622173"/>
-          <a:ext cx="8014796" cy="4471852"/>
+          <a:ext cx="8014796" cy="4839132"/>
         </p:xfrm>
         <a:graphic>
           <a:graphicData uri="http://schemas.openxmlformats.org/drawingml/2006/table">
@@ -35027,7 +35023,6 @@
               <a:rPr lang="en-US" sz="1800" dirty="0" smtClean="0"/>
               <a:t>Ex: </a:t>
             </a:r>
-            <a:endParaRPr lang="en-US" sz="1800" dirty="0" smtClean="0"/>
           </a:p>
           <a:p>
             <a:pPr algn="just">
@@ -35304,7 +35299,6 @@
               <a:rPr lang="en-US" sz="1600" dirty="0"/>
               <a:t>    # statement(s)</a:t>
             </a:r>
-            <a:endParaRPr lang="en-US" sz="1600" dirty="0"/>
           </a:p>
         </p:txBody>
       </p:sp>
@@ -35634,7 +35628,6 @@
               <a:rPr lang="en-US" sz="1600" dirty="0"/>
               <a:t> Occurred and Handled")</a:t>
             </a:r>
-            <a:endParaRPr lang="en-US" sz="1600" dirty="0"/>
           </a:p>
         </p:txBody>
       </p:sp>
@@ -35987,7 +35980,6 @@
               <a:rPr lang="en-US" sz="1600" dirty="0"/>
               <a:t>    # Some code .....(always executed)</a:t>
             </a:r>
-            <a:endParaRPr lang="en-US" sz="1600" dirty="0"/>
           </a:p>
         </p:txBody>
       </p:sp>
@@ -36315,7 +36307,6 @@
               <a:rPr lang="en-US" sz="1600" dirty="0"/>
               <a:t>    print('This is always executed')</a:t>
             </a:r>
-            <a:endParaRPr lang="en-US" sz="1600" dirty="0"/>
           </a:p>
         </p:txBody>
       </p:sp>
@@ -36585,7 +36576,6 @@
               <a:rPr lang="en-US" sz="1800" dirty="0"/>
               <a:t> indicates the exception to be raised. This must be either an exception instance or an exception class (a class that derives from Exception).</a:t>
             </a:r>
-            <a:endParaRPr lang="en-US" sz="1800" dirty="0"/>
           </a:p>
         </p:txBody>
       </p:sp>
@@ -36858,7 +36848,6 @@
               <a:rPr lang="en-US" sz="1800" dirty="0"/>
               <a:t>The output of the above code will simply line printed as “An exception” but a Runtime error will also occur in the last due to the raise statement in the last line. So, the output on your command line will look like </a:t>
             </a:r>
-            <a:endParaRPr lang="en-US" sz="1800" dirty="0"/>
           </a:p>
         </p:txBody>
       </p:sp>
@@ -37306,7 +37295,6 @@
               <a:rPr lang="en-US" sz="1800" dirty="0"/>
               <a:t>        print("Odd")</a:t>
             </a:r>
-            <a:endParaRPr lang="en-US" sz="1800" dirty="0"/>
           </a:p>
         </p:txBody>
       </p:sp>
@@ -37320,11 +37308,11 @@
   <p:clrMapOvr>
     <a:masterClrMapping/>
   </p:clrMapOvr>
-  <mc:AlternateContent xmlns:mc="http://schemas.openxmlformats.org/markup-compatibility/2006">
-    <mc:Choice xmlns:p14="http://schemas.microsoft.com/office/powerpoint/2010/main" Requires="p14">
+  <mc:AlternateContent xmlns:mc="http://schemas.openxmlformats.org/markup-compatibility/2006" xmlns:p14="http://schemas.microsoft.com/office/powerpoint/2010/main">
+    <mc:Choice Requires="p14">
       <p:transition spd="slow" p14:dur="2000"/>
     </mc:Choice>
-    <mc:Fallback>
+    <mc:Fallback xmlns="">
       <p:transition spd="slow"/>
     </mc:Fallback>
   </mc:AlternateContent>
@@ -37556,7 +37544,6 @@
               <a:rPr lang="en-US" sz="1800" dirty="0"/>
               <a:t>module1.odd_even(5)</a:t>
             </a:r>
-            <a:endParaRPr lang="en-US" sz="1800" dirty="0"/>
           </a:p>
         </p:txBody>
       </p:sp>
@@ -37661,11 +37648,11 @@
   <p:clrMapOvr>
     <a:masterClrMapping/>
   </p:clrMapOvr>
-  <mc:AlternateContent xmlns:mc="http://schemas.openxmlformats.org/markup-compatibility/2006">
-    <mc:Choice xmlns:p14="http://schemas.microsoft.com/office/powerpoint/2010/main" Requires="p14">
+  <mc:AlternateContent xmlns:mc="http://schemas.openxmlformats.org/markup-compatibility/2006" xmlns:p14="http://schemas.microsoft.com/office/powerpoint/2010/main">
+    <mc:Choice Requires="p14">
       <p:transition spd="slow" p14:dur="2000"/>
     </mc:Choice>
-    <mc:Fallback>
+    <mc:Fallback xmlns="">
       <p:transition spd="slow"/>
     </mc:Fallback>
   </mc:AlternateContent>
@@ -37879,11 +37866,11 @@
   <p:clrMapOvr>
     <a:masterClrMapping/>
   </p:clrMapOvr>
-  <mc:AlternateContent xmlns:mc="http://schemas.openxmlformats.org/markup-compatibility/2006">
-    <mc:Choice xmlns:p14="http://schemas.microsoft.com/office/powerpoint/2010/main" Requires="p14">
+  <mc:AlternateContent xmlns:mc="http://schemas.openxmlformats.org/markup-compatibility/2006" xmlns:p14="http://schemas.microsoft.com/office/powerpoint/2010/main">
+    <mc:Choice Requires="p14">
       <p:transition spd="slow" p14:dur="2000"/>
     </mc:Choice>
-    <mc:Fallback>
+    <mc:Fallback xmlns="">
       <p:transition spd="slow"/>
     </mc:Fallback>
   </mc:AlternateContent>
@@ -38202,7 +38189,6 @@
               <a:rPr lang="en-US" sz="1800" dirty="0"/>
               <a:t>print("Addition of two number is :", add(2, 2))</a:t>
             </a:r>
-            <a:endParaRPr lang="en-US" sz="1800" dirty="0"/>
           </a:p>
         </p:txBody>
       </p:sp>
@@ -38216,11 +38202,11 @@
   <p:clrMapOvr>
     <a:masterClrMapping/>
   </p:clrMapOvr>
-  <mc:AlternateContent xmlns:mc="http://schemas.openxmlformats.org/markup-compatibility/2006">
-    <mc:Choice xmlns:p14="http://schemas.microsoft.com/office/powerpoint/2010/main" Requires="p14">
+  <mc:AlternateContent xmlns:mc="http://schemas.openxmlformats.org/markup-compatibility/2006" xmlns:p14="http://schemas.microsoft.com/office/powerpoint/2010/main">
+    <mc:Choice Requires="p14">
       <p:transition spd="slow" p14:dur="2000"/>
     </mc:Choice>
-    <mc:Fallback>
+    <mc:Fallback xmlns="">
       <p:transition spd="slow"/>
     </mc:Fallback>
   </mc:AlternateContent>
@@ -38599,19 +38585,7 @@
             </a:pPr>
             <a:r>
               <a:rPr lang="en-US" sz="1800" dirty="0"/>
-              <a:t>If </a:t>
-            </a:r>
-            <a:r>
-              <a:rPr lang="en-US" sz="1800" dirty="0"/>
-              <a:t>you don’t want to use the sys module to set the path of the new directory. </a:t>
-            </a:r>
-            <a:r>
-              <a:rPr lang="en-US" sz="1800" dirty="0"/>
-              <a:t>You can assign a directory path to the PYTHONPATH variable and still get your program working. </a:t>
-            </a:r>
-            <a:r>
-              <a:rPr lang="en-US" sz="1800" dirty="0"/>
-              <a:t> </a:t>
+              <a:t>If you don’t want to use the sys module to set the path of the new directory. You can assign a directory path to the PYTHONPATH variable and still get your program working.  </a:t>
             </a:r>
             <a:r>
               <a:rPr lang="en-US" sz="1800" b="1" i="1" dirty="0"/>
@@ -38676,11 +38650,11 @@
   <p:clrMapOvr>
     <a:masterClrMapping/>
   </p:clrMapOvr>
-  <mc:AlternateContent xmlns:mc="http://schemas.openxmlformats.org/markup-compatibility/2006">
-    <mc:Choice xmlns:p14="http://schemas.microsoft.com/office/powerpoint/2010/main" Requires="p14">
+  <mc:AlternateContent xmlns:mc="http://schemas.openxmlformats.org/markup-compatibility/2006" xmlns:p14="http://schemas.microsoft.com/office/powerpoint/2010/main">
+    <mc:Choice Requires="p14">
       <p:transition spd="slow" p14:dur="2000"/>
     </mc:Choice>
-    <mc:Fallback>
+    <mc:Fallback xmlns="">
       <p:transition spd="slow"/>
     </mc:Fallback>
   </mc:AlternateContent>
@@ -38984,11 +38958,11 @@
   <p:clrMapOvr>
     <a:masterClrMapping/>
   </p:clrMapOvr>
-  <mc:AlternateContent xmlns:mc="http://schemas.openxmlformats.org/markup-compatibility/2006">
-    <mc:Choice xmlns:p14="http://schemas.microsoft.com/office/powerpoint/2010/main" Requires="p14">
+  <mc:AlternateContent xmlns:mc="http://schemas.openxmlformats.org/markup-compatibility/2006" xmlns:p14="http://schemas.microsoft.com/office/powerpoint/2010/main">
+    <mc:Choice Requires="p14">
       <p:transition spd="slow" p14:dur="2000"/>
     </mc:Choice>
-    <mc:Fallback>
+    <mc:Fallback xmlns="">
       <p:transition spd="slow"/>
     </mc:Fallback>
   </mc:AlternateContent>
@@ -39361,11 +39335,6 @@
               </a:rPr>
               <a:t> using python</a:t>
             </a:r>
-            <a:endParaRPr lang="en-US" sz="2400" dirty="0">
-              <a:solidFill>
-                <a:srgbClr val="2C363A"/>
-              </a:solidFill>
-            </a:endParaRPr>
           </a:p>
         </p:txBody>
       </p:sp>
@@ -39672,11 +39641,6 @@
               </a:rPr>
               <a:t> using python</a:t>
             </a:r>
-            <a:endParaRPr lang="en-US" sz="2400" dirty="0">
-              <a:solidFill>
-                <a:srgbClr val="2C363A"/>
-              </a:solidFill>
-            </a:endParaRPr>
           </a:p>
         </p:txBody>
       </p:sp>
@@ -40003,11 +39967,6 @@
               </a:rPr>
               <a:t> using python</a:t>
             </a:r>
-            <a:endParaRPr lang="en-US" sz="2400" dirty="0">
-              <a:solidFill>
-                <a:srgbClr val="2C363A"/>
-              </a:solidFill>
-            </a:endParaRPr>
           </a:p>
         </p:txBody>
       </p:sp>
@@ -40661,11 +40620,6 @@
               </a:rPr>
               <a:t> using python</a:t>
             </a:r>
-            <a:endParaRPr lang="en-US" sz="2400" dirty="0">
-              <a:solidFill>
-                <a:srgbClr val="2C363A"/>
-              </a:solidFill>
-            </a:endParaRPr>
           </a:p>
         </p:txBody>
       </p:sp>
@@ -40898,11 +40852,6 @@
               </a:rPr>
               <a:t> using python</a:t>
             </a:r>
-            <a:endParaRPr lang="en-US" sz="2400" dirty="0">
-              <a:solidFill>
-                <a:srgbClr val="2C363A"/>
-              </a:solidFill>
-            </a:endParaRPr>
           </a:p>
         </p:txBody>
       </p:sp>
@@ -41052,11 +41001,7 @@
             </a:r>
             <a:r>
               <a:rPr lang="en-US" sz="1800" dirty="0" smtClean="0"/>
-              <a:t>      </a:t>
-            </a:r>
-            <a:r>
-              <a:rPr lang="en-US" sz="1800" dirty="0" smtClean="0"/>
-              <a:t># </a:t>
+              <a:t>      # </a:t>
             </a:r>
             <a:r>
               <a:rPr lang="en-US" sz="1800" dirty="0"/>
@@ -41347,11 +41292,6 @@
               </a:rPr>
               <a:t> using python</a:t>
             </a:r>
-            <a:endParaRPr lang="en-US" sz="2400" dirty="0">
-              <a:solidFill>
-                <a:srgbClr val="2C363A"/>
-              </a:solidFill>
-            </a:endParaRPr>
           </a:p>
         </p:txBody>
       </p:sp>
@@ -42335,11 +42275,6 @@
               </a:rPr>
               <a:t>file</a:t>
             </a:r>
-            <a:endParaRPr lang="en-US" sz="2400" dirty="0">
-              <a:solidFill>
-                <a:schemeClr val="tx1"/>
-              </a:solidFill>
-            </a:endParaRPr>
           </a:p>
         </p:txBody>
       </p:sp>
@@ -42541,11 +42476,6 @@
               </a:rPr>
               <a:t>file</a:t>
             </a:r>
-            <a:endParaRPr lang="en-US" sz="2400" dirty="0">
-              <a:solidFill>
-                <a:schemeClr val="tx1"/>
-              </a:solidFill>
-            </a:endParaRPr>
           </a:p>
         </p:txBody>
       </p:sp>
@@ -42864,11 +42794,6 @@
               </a:rPr>
               <a:t>file</a:t>
             </a:r>
-            <a:endParaRPr lang="en-US" sz="2400" dirty="0">
-              <a:solidFill>
-                <a:schemeClr val="tx1"/>
-              </a:solidFill>
-            </a:endParaRPr>
           </a:p>
         </p:txBody>
       </p:sp>
@@ -43233,11 +43158,6 @@
               </a:rPr>
               <a:t>file</a:t>
             </a:r>
-            <a:endParaRPr lang="en-US" sz="2400" dirty="0">
-              <a:solidFill>
-                <a:schemeClr val="tx1"/>
-              </a:solidFill>
-            </a:endParaRPr>
           </a:p>
         </p:txBody>
       </p:sp>
@@ -43572,11 +43492,6 @@
               </a:rPr>
               <a:t>file</a:t>
             </a:r>
-            <a:endParaRPr lang="en-US" sz="2400" dirty="0">
-              <a:solidFill>
-                <a:schemeClr val="tx1"/>
-              </a:solidFill>
-            </a:endParaRPr>
           </a:p>
         </p:txBody>
       </p:sp>
@@ -45612,11 +45527,6 @@
               </a:rPr>
               <a:t>) </a:t>
             </a:r>
-            <a:endParaRPr lang="en-US" dirty="0">
-              <a:solidFill>
-                <a:schemeClr val="tx1"/>
-              </a:solidFill>
-            </a:endParaRPr>
           </a:p>
         </p:txBody>
       </p:sp>
@@ -45832,11 +45742,11 @@
   <p:clrMapOvr>
     <a:masterClrMapping/>
   </p:clrMapOvr>
-  <mc:AlternateContent xmlns:mc="http://schemas.openxmlformats.org/markup-compatibility/2006">
-    <mc:Choice xmlns:p14="http://schemas.microsoft.com/office/powerpoint/2010/main" Requires="p14">
+  <mc:AlternateContent xmlns:mc="http://schemas.openxmlformats.org/markup-compatibility/2006" xmlns:p14="http://schemas.microsoft.com/office/powerpoint/2010/main">
+    <mc:Choice Requires="p14">
       <p:transition spd="slow" p14:dur="2000"/>
     </mc:Choice>
-    <mc:Fallback>
+    <mc:Fallback xmlns="">
       <p:transition spd="slow"/>
     </mc:Fallback>
   </mc:AlternateContent>
@@ -46051,11 +45961,11 @@
   <p:clrMapOvr>
     <a:masterClrMapping/>
   </p:clrMapOvr>
-  <mc:AlternateContent xmlns:mc="http://schemas.openxmlformats.org/markup-compatibility/2006">
-    <mc:Choice xmlns:p14="http://schemas.microsoft.com/office/powerpoint/2010/main" Requires="p14">
+  <mc:AlternateContent xmlns:mc="http://schemas.openxmlformats.org/markup-compatibility/2006" xmlns:p14="http://schemas.microsoft.com/office/powerpoint/2010/main">
+    <mc:Choice Requires="p14">
       <p:transition spd="slow" p14:dur="2000"/>
     </mc:Choice>
-    <mc:Fallback>
+    <mc:Fallback xmlns="">
       <p:transition spd="slow"/>
     </mc:Fallback>
   </mc:AlternateContent>
@@ -46656,11 +46566,11 @@
   <p:clrMapOvr>
     <a:masterClrMapping/>
   </p:clrMapOvr>
-  <mc:AlternateContent xmlns:mc="http://schemas.openxmlformats.org/markup-compatibility/2006">
-    <mc:Choice xmlns:p14="http://schemas.microsoft.com/office/powerpoint/2010/main" Requires="p14">
+  <mc:AlternateContent xmlns:mc="http://schemas.openxmlformats.org/markup-compatibility/2006" xmlns:p14="http://schemas.microsoft.com/office/powerpoint/2010/main">
+    <mc:Choice Requires="p14">
       <p:transition spd="slow" p14:dur="2000"/>
     </mc:Choice>
-    <mc:Fallback>
+    <mc:Fallback xmlns="">
       <p:transition spd="slow"/>
     </mc:Fallback>
   </mc:AlternateContent>
@@ -46857,11 +46767,11 @@
   <p:clrMapOvr>
     <a:masterClrMapping/>
   </p:clrMapOvr>
-  <mc:AlternateContent xmlns:mc="http://schemas.openxmlformats.org/markup-compatibility/2006">
-    <mc:Choice xmlns:p14="http://schemas.microsoft.com/office/powerpoint/2010/main" Requires="p14">
+  <mc:AlternateContent xmlns:mc="http://schemas.openxmlformats.org/markup-compatibility/2006" xmlns:p14="http://schemas.microsoft.com/office/powerpoint/2010/main">
+    <mc:Choice Requires="p14">
       <p:transition spd="slow" p14:dur="2000"/>
     </mc:Choice>
-    <mc:Fallback>
+    <mc:Fallback xmlns="">
       <p:transition spd="slow"/>
     </mc:Fallback>
   </mc:AlternateContent>
@@ -47067,11 +46977,11 @@
   <p:clrMapOvr>
     <a:masterClrMapping/>
   </p:clrMapOvr>
-  <mc:AlternateContent xmlns:mc="http://schemas.openxmlformats.org/markup-compatibility/2006">
-    <mc:Choice xmlns:p14="http://schemas.microsoft.com/office/powerpoint/2010/main" Requires="p14">
+  <mc:AlternateContent xmlns:mc="http://schemas.openxmlformats.org/markup-compatibility/2006" xmlns:p14="http://schemas.microsoft.com/office/powerpoint/2010/main">
+    <mc:Choice Requires="p14">
       <p:transition spd="slow" p14:dur="2000"/>
     </mc:Choice>
-    <mc:Fallback>
+    <mc:Fallback xmlns="">
       <p:transition spd="slow"/>
     </mc:Fallback>
   </mc:AlternateContent>
@@ -47270,11 +47180,11 @@
   <p:clrMapOvr>
     <a:masterClrMapping/>
   </p:clrMapOvr>
-  <mc:AlternateContent xmlns:mc="http://schemas.openxmlformats.org/markup-compatibility/2006">
-    <mc:Choice xmlns:p14="http://schemas.microsoft.com/office/powerpoint/2010/main" Requires="p14">
+  <mc:AlternateContent xmlns:mc="http://schemas.openxmlformats.org/markup-compatibility/2006" xmlns:p14="http://schemas.microsoft.com/office/powerpoint/2010/main">
+    <mc:Choice Requires="p14">
       <p:transition spd="slow" p14:dur="2000"/>
     </mc:Choice>
-    <mc:Fallback>
+    <mc:Fallback xmlns="">
       <p:transition spd="slow"/>
     </mc:Fallback>
   </mc:AlternateContent>
@@ -47656,11 +47566,11 @@
   <p:clrMapOvr>
     <a:masterClrMapping/>
   </p:clrMapOvr>
-  <mc:AlternateContent xmlns:mc="http://schemas.openxmlformats.org/markup-compatibility/2006">
-    <mc:Choice xmlns:p14="http://schemas.microsoft.com/office/powerpoint/2010/main" Requires="p14">
+  <mc:AlternateContent xmlns:mc="http://schemas.openxmlformats.org/markup-compatibility/2006" xmlns:p14="http://schemas.microsoft.com/office/powerpoint/2010/main">
+    <mc:Choice Requires="p14">
       <p:transition spd="slow" p14:dur="2000"/>
     </mc:Choice>
-    <mc:Fallback>
+    <mc:Fallback xmlns="">
       <p:transition spd="slow"/>
     </mc:Fallback>
   </mc:AlternateContent>
@@ -47938,11 +47848,11 @@
   <p:clrMapOvr>
     <a:masterClrMapping/>
   </p:clrMapOvr>
-  <mc:AlternateContent xmlns:mc="http://schemas.openxmlformats.org/markup-compatibility/2006">
-    <mc:Choice xmlns:p14="http://schemas.microsoft.com/office/powerpoint/2010/main" Requires="p14">
+  <mc:AlternateContent xmlns:mc="http://schemas.openxmlformats.org/markup-compatibility/2006" xmlns:p14="http://schemas.microsoft.com/office/powerpoint/2010/main">
+    <mc:Choice Requires="p14">
       <p:transition spd="slow" p14:dur="2000"/>
     </mc:Choice>
-    <mc:Fallback>
+    <mc:Fallback xmlns="">
       <p:transition spd="slow"/>
     </mc:Fallback>
   </mc:AlternateContent>
@@ -48231,11 +48141,11 @@
   <p:clrMapOvr>
     <a:masterClrMapping/>
   </p:clrMapOvr>
-  <mc:AlternateContent xmlns:mc="http://schemas.openxmlformats.org/markup-compatibility/2006">
-    <mc:Choice xmlns:p14="http://schemas.microsoft.com/office/powerpoint/2010/main" Requires="p14">
+  <mc:AlternateContent xmlns:mc="http://schemas.openxmlformats.org/markup-compatibility/2006" xmlns:p14="http://schemas.microsoft.com/office/powerpoint/2010/main">
+    <mc:Choice Requires="p14">
       <p:transition spd="slow" p14:dur="2000"/>
     </mc:Choice>
-    <mc:Fallback>
+    <mc:Fallback xmlns="">
       <p:transition spd="slow"/>
     </mc:Fallback>
   </mc:AlternateContent>
@@ -48624,11 +48534,6 @@
               </a:rPr>
               <a:t>(A))</a:t>
             </a:r>
-            <a:endParaRPr lang="en-US" sz="1800" dirty="0">
-              <a:solidFill>
-                <a:schemeClr val="tx1"/>
-              </a:solidFill>
-            </a:endParaRPr>
           </a:p>
         </p:txBody>
       </p:sp>
@@ -48642,11 +48547,11 @@
   <p:clrMapOvr>
     <a:masterClrMapping/>
   </p:clrMapOvr>
-  <mc:AlternateContent xmlns:mc="http://schemas.openxmlformats.org/markup-compatibility/2006">
-    <mc:Choice xmlns:p14="http://schemas.microsoft.com/office/powerpoint/2010/main" Requires="p14">
+  <mc:AlternateContent xmlns:mc="http://schemas.openxmlformats.org/markup-compatibility/2006" xmlns:p14="http://schemas.microsoft.com/office/powerpoint/2010/main">
+    <mc:Choice Requires="p14">
       <p:transition spd="slow" p14:dur="2000"/>
     </mc:Choice>
-    <mc:Fallback>
+    <mc:Fallback xmlns="">
       <p:transition spd="slow"/>
     </mc:Fallback>
   </mc:AlternateContent>
@@ -49127,11 +49032,6 @@
               </a:rPr>
               <a:t>print(sin(B))</a:t>
             </a:r>
-            <a:endParaRPr lang="en-US" sz="1800" dirty="0">
-              <a:solidFill>
-                <a:schemeClr val="tx1"/>
-              </a:solidFill>
-            </a:endParaRPr>
           </a:p>
         </p:txBody>
       </p:sp>
@@ -49145,11 +49045,11 @@
   <p:clrMapOvr>
     <a:masterClrMapping/>
   </p:clrMapOvr>
-  <mc:AlternateContent xmlns:mc="http://schemas.openxmlformats.org/markup-compatibility/2006">
-    <mc:Choice xmlns:p14="http://schemas.microsoft.com/office/powerpoint/2010/main" Requires="p14">
+  <mc:AlternateContent xmlns:mc="http://schemas.openxmlformats.org/markup-compatibility/2006" xmlns:p14="http://schemas.microsoft.com/office/powerpoint/2010/main">
+    <mc:Choice Requires="p14">
       <p:transition spd="slow" p14:dur="2000"/>
     </mc:Choice>
-    <mc:Fallback>
+    <mc:Fallback xmlns="">
       <p:transition spd="slow"/>
     </mc:Fallback>
   </mc:AlternateContent>
@@ -49397,11 +49297,11 @@
   <p:clrMapOvr>
     <a:masterClrMapping/>
   </p:clrMapOvr>
-  <mc:AlternateContent xmlns:mc="http://schemas.openxmlformats.org/markup-compatibility/2006">
-    <mc:Choice xmlns:p14="http://schemas.microsoft.com/office/powerpoint/2010/main" Requires="p14">
+  <mc:AlternateContent xmlns:mc="http://schemas.openxmlformats.org/markup-compatibility/2006" xmlns:p14="http://schemas.microsoft.com/office/powerpoint/2010/main">
+    <mc:Choice Requires="p14">
       <p:transition spd="slow" p14:dur="2000"/>
     </mc:Choice>
-    <mc:Fallback>
+    <mc:Fallback xmlns="">
       <p:transition spd="slow"/>
     </mc:Fallback>
   </mc:AlternateContent>
@@ -50036,11 +49936,11 @@
   <p:clrMapOvr>
     <a:masterClrMapping/>
   </p:clrMapOvr>
-  <mc:AlternateContent xmlns:mc="http://schemas.openxmlformats.org/markup-compatibility/2006">
-    <mc:Choice xmlns:p14="http://schemas.microsoft.com/office/powerpoint/2010/main" Requires="p14">
+  <mc:AlternateContent xmlns:mc="http://schemas.openxmlformats.org/markup-compatibility/2006" xmlns:p14="http://schemas.microsoft.com/office/powerpoint/2010/main">
+    <mc:Choice Requires="p14">
       <p:transition spd="slow" p14:dur="2000"/>
     </mc:Choice>
-    <mc:Fallback>
+    <mc:Fallback xmlns="">
       <p:transition spd="slow"/>
     </mc:Fallback>
   </mc:AlternateContent>
@@ -50468,11 +50368,11 @@
   <p:clrMapOvr>
     <a:masterClrMapping/>
   </p:clrMapOvr>
-  <mc:AlternateContent xmlns:mc="http://schemas.openxmlformats.org/markup-compatibility/2006">
-    <mc:Choice xmlns:p14="http://schemas.microsoft.com/office/powerpoint/2010/main" Requires="p14">
+  <mc:AlternateContent xmlns:mc="http://schemas.openxmlformats.org/markup-compatibility/2006" xmlns:p14="http://schemas.microsoft.com/office/powerpoint/2010/main">
+    <mc:Choice Requires="p14">
       <p:transition spd="slow" p14:dur="2000"/>
     </mc:Choice>
-    <mc:Fallback>
+    <mc:Fallback xmlns="">
       <p:transition spd="slow"/>
     </mc:Fallback>
   </mc:AlternateContent>
@@ -50706,11 +50606,11 @@
   <p:clrMapOvr>
     <a:masterClrMapping/>
   </p:clrMapOvr>
-  <mc:AlternateContent xmlns:mc="http://schemas.openxmlformats.org/markup-compatibility/2006">
-    <mc:Choice xmlns:p14="http://schemas.microsoft.com/office/powerpoint/2010/main" Requires="p14">
+  <mc:AlternateContent xmlns:mc="http://schemas.openxmlformats.org/markup-compatibility/2006" xmlns:p14="http://schemas.microsoft.com/office/powerpoint/2010/main">
+    <mc:Choice Requires="p14">
       <p:transition spd="slow" p14:dur="2000"/>
     </mc:Choice>
-    <mc:Fallback>
+    <mc:Fallback xmlns="">
       <p:transition spd="slow"/>
     </mc:Fallback>
   </mc:AlternateContent>
@@ -51064,11 +50964,11 @@
   <p:clrMapOvr>
     <a:masterClrMapping/>
   </p:clrMapOvr>
-  <mc:AlternateContent xmlns:mc="http://schemas.openxmlformats.org/markup-compatibility/2006">
-    <mc:Choice xmlns:p14="http://schemas.microsoft.com/office/powerpoint/2010/main" Requires="p14">
+  <mc:AlternateContent xmlns:mc="http://schemas.openxmlformats.org/markup-compatibility/2006" xmlns:p14="http://schemas.microsoft.com/office/powerpoint/2010/main">
+    <mc:Choice Requires="p14">
       <p:transition spd="slow" p14:dur="2000"/>
     </mc:Choice>
-    <mc:Fallback>
+    <mc:Fallback xmlns="">
       <p:transition spd="slow"/>
     </mc:Fallback>
   </mc:AlternateContent>
@@ -51292,11 +51192,11 @@
   <p:clrMapOvr>
     <a:masterClrMapping/>
   </p:clrMapOvr>
-  <mc:AlternateContent xmlns:mc="http://schemas.openxmlformats.org/markup-compatibility/2006">
-    <mc:Choice xmlns:p14="http://schemas.microsoft.com/office/powerpoint/2010/main" Requires="p14">
+  <mc:AlternateContent xmlns:mc="http://schemas.openxmlformats.org/markup-compatibility/2006" xmlns:p14="http://schemas.microsoft.com/office/powerpoint/2010/main">
+    <mc:Choice Requires="p14">
       <p:transition spd="slow" p14:dur="2000"/>
     </mc:Choice>
-    <mc:Fallback>
+    <mc:Fallback xmlns="">
       <p:transition spd="slow"/>
     </mc:Fallback>
   </mc:AlternateContent>

--- a/module2/ppt/Python Scripting.pptx
+++ b/module2/ppt/Python Scripting.pptx
@@ -90,16 +90,16 @@
   <p:notesSz cx="6858000" cy="9144000"/>
   <p:embeddedFontLst>
     <p:embeddedFont>
-      <p:font typeface="Montserrat" panose="00000500000000000000" pitchFamily="50" charset="0"/>
+      <p:font typeface="Sarala" panose="020B0604020202020204" charset="0"/>
       <p:regular r:id="rId80"/>
       <p:bold r:id="rId81"/>
-      <p:italic r:id="rId82"/>
-      <p:boldItalic r:id="rId83"/>
     </p:embeddedFont>
     <p:embeddedFont>
-      <p:font typeface="Sarala" panose="020B0604020202020204" charset="0"/>
-      <p:regular r:id="rId84"/>
-      <p:bold r:id="rId85"/>
+      <p:font typeface="Montserrat" panose="00000500000000000000" pitchFamily="50" charset="0"/>
+      <p:regular r:id="rId82"/>
+      <p:bold r:id="rId83"/>
+      <p:italic r:id="rId84"/>
+      <p:boldItalic r:id="rId85"/>
     </p:embeddedFont>
     <p:embeddedFont>
       <p:font typeface="Microsoft YaHei" panose="020B0503020204020204" pitchFamily="34" charset="-122"/>
@@ -22927,7 +22927,7 @@
                 <a:hlinkClick r:id="rId2">
                   <a:extLst>
                     <a:ext uri="{A12FA001-AC4F-418D-AE19-62706E023703}">
-                      <ahyp:hlinkClr xmlns:ahyp="http://schemas.microsoft.com/office/drawing/2018/hyperlinkcolor" xmlns:p15="http://schemas.microsoft.com/office/powerpoint/2012/main" xmlns:p14="http://schemas.microsoft.com/office/powerpoint/2010/main" xmlns:com="http://schemas.openxmlformats.org/drawingml/2006/compatibility" xmlns:pvml="urn:schemas-microsoft-com:office:powerpoint" xmlns:v="urn:schemas-microsoft-com:vml" xmlns:o="urn:schemas-microsoft-com:office:office" xmlns:dgm="http://schemas.openxmlformats.org/drawingml/2006/diagram" xmlns:c="http://schemas.openxmlformats.org/drawingml/2006/chart" xmlns:mv="urn:schemas-microsoft-com:mac:vml" xmlns:mc="http://schemas.openxmlformats.org/markup-compatibility/2006" xmlns="" val="tx"/>
+                      <ahyp:hlinkClr xmlns="" xmlns:mc="http://schemas.openxmlformats.org/markup-compatibility/2006" xmlns:mv="urn:schemas-microsoft-com:mac:vml" xmlns:c="http://schemas.openxmlformats.org/drawingml/2006/chart" xmlns:dgm="http://schemas.openxmlformats.org/drawingml/2006/diagram" xmlns:o="urn:schemas-microsoft-com:office:office" xmlns:v="urn:schemas-microsoft-com:vml" xmlns:pvml="urn:schemas-microsoft-com:office:powerpoint" xmlns:com="http://schemas.openxmlformats.org/drawingml/2006/compatibility" xmlns:p14="http://schemas.microsoft.com/office/powerpoint/2010/main" xmlns:p15="http://schemas.microsoft.com/office/powerpoint/2012/main" xmlns:ahyp="http://schemas.microsoft.com/office/drawing/2018/hyperlinkcolor" val="tx"/>
                     </a:ext>
                   </a:extLst>
                 </a:hlinkClick>
@@ -22961,7 +22961,7 @@
                 <a:hlinkClick r:id="rId3">
                   <a:extLst>
                     <a:ext uri="{A12FA001-AC4F-418D-AE19-62706E023703}">
-                      <ahyp:hlinkClr xmlns:ahyp="http://schemas.microsoft.com/office/drawing/2018/hyperlinkcolor" xmlns:p15="http://schemas.microsoft.com/office/powerpoint/2012/main" xmlns:p14="http://schemas.microsoft.com/office/powerpoint/2010/main" xmlns:com="http://schemas.openxmlformats.org/drawingml/2006/compatibility" xmlns:pvml="urn:schemas-microsoft-com:office:powerpoint" xmlns:v="urn:schemas-microsoft-com:vml" xmlns:o="urn:schemas-microsoft-com:office:office" xmlns:dgm="http://schemas.openxmlformats.org/drawingml/2006/diagram" xmlns:c="http://schemas.openxmlformats.org/drawingml/2006/chart" xmlns:mv="urn:schemas-microsoft-com:mac:vml" xmlns:mc="http://schemas.openxmlformats.org/markup-compatibility/2006" xmlns="" val="tx"/>
+                      <ahyp:hlinkClr xmlns="" xmlns:mc="http://schemas.openxmlformats.org/markup-compatibility/2006" xmlns:mv="urn:schemas-microsoft-com:mac:vml" xmlns:c="http://schemas.openxmlformats.org/drawingml/2006/chart" xmlns:dgm="http://schemas.openxmlformats.org/drawingml/2006/diagram" xmlns:o="urn:schemas-microsoft-com:office:office" xmlns:v="urn:schemas-microsoft-com:vml" xmlns:pvml="urn:schemas-microsoft-com:office:powerpoint" xmlns:com="http://schemas.openxmlformats.org/drawingml/2006/compatibility" xmlns:p14="http://schemas.microsoft.com/office/powerpoint/2010/main" xmlns:p15="http://schemas.microsoft.com/office/powerpoint/2012/main" xmlns:ahyp="http://schemas.microsoft.com/office/drawing/2018/hyperlinkcolor" val="tx"/>
                     </a:ext>
                   </a:extLst>
                 </a:hlinkClick>
@@ -22995,7 +22995,7 @@
                 <a:hlinkClick r:id="rId4">
                   <a:extLst>
                     <a:ext uri="{A12FA001-AC4F-418D-AE19-62706E023703}">
-                      <ahyp:hlinkClr xmlns:ahyp="http://schemas.microsoft.com/office/drawing/2018/hyperlinkcolor" xmlns:p15="http://schemas.microsoft.com/office/powerpoint/2012/main" xmlns:p14="http://schemas.microsoft.com/office/powerpoint/2010/main" xmlns:com="http://schemas.openxmlformats.org/drawingml/2006/compatibility" xmlns:pvml="urn:schemas-microsoft-com:office:powerpoint" xmlns:v="urn:schemas-microsoft-com:vml" xmlns:o="urn:schemas-microsoft-com:office:office" xmlns:dgm="http://schemas.openxmlformats.org/drawingml/2006/diagram" xmlns:c="http://schemas.openxmlformats.org/drawingml/2006/chart" xmlns:mv="urn:schemas-microsoft-com:mac:vml" xmlns:mc="http://schemas.openxmlformats.org/markup-compatibility/2006" xmlns="" val="tx"/>
+                      <ahyp:hlinkClr xmlns="" xmlns:mc="http://schemas.openxmlformats.org/markup-compatibility/2006" xmlns:mv="urn:schemas-microsoft-com:mac:vml" xmlns:c="http://schemas.openxmlformats.org/drawingml/2006/chart" xmlns:dgm="http://schemas.openxmlformats.org/drawingml/2006/diagram" xmlns:o="urn:schemas-microsoft-com:office:office" xmlns:v="urn:schemas-microsoft-com:vml" xmlns:pvml="urn:schemas-microsoft-com:office:powerpoint" xmlns:com="http://schemas.openxmlformats.org/drawingml/2006/compatibility" xmlns:p14="http://schemas.microsoft.com/office/powerpoint/2010/main" xmlns:p15="http://schemas.microsoft.com/office/powerpoint/2012/main" xmlns:ahyp="http://schemas.microsoft.com/office/drawing/2018/hyperlinkcolor" val="tx"/>
                     </a:ext>
                   </a:extLst>
                 </a:hlinkClick>
@@ -23029,7 +23029,7 @@
                 <a:hlinkClick r:id="rId5">
                   <a:extLst>
                     <a:ext uri="{A12FA001-AC4F-418D-AE19-62706E023703}">
-                      <ahyp:hlinkClr xmlns:ahyp="http://schemas.microsoft.com/office/drawing/2018/hyperlinkcolor" xmlns:p15="http://schemas.microsoft.com/office/powerpoint/2012/main" xmlns:p14="http://schemas.microsoft.com/office/powerpoint/2010/main" xmlns:com="http://schemas.openxmlformats.org/drawingml/2006/compatibility" xmlns:pvml="urn:schemas-microsoft-com:office:powerpoint" xmlns:v="urn:schemas-microsoft-com:vml" xmlns:o="urn:schemas-microsoft-com:office:office" xmlns:dgm="http://schemas.openxmlformats.org/drawingml/2006/diagram" xmlns:c="http://schemas.openxmlformats.org/drawingml/2006/chart" xmlns:mv="urn:schemas-microsoft-com:mac:vml" xmlns:mc="http://schemas.openxmlformats.org/markup-compatibility/2006" xmlns="" val="tx"/>
+                      <ahyp:hlinkClr xmlns="" xmlns:mc="http://schemas.openxmlformats.org/markup-compatibility/2006" xmlns:mv="urn:schemas-microsoft-com:mac:vml" xmlns:c="http://schemas.openxmlformats.org/drawingml/2006/chart" xmlns:dgm="http://schemas.openxmlformats.org/drawingml/2006/diagram" xmlns:o="urn:schemas-microsoft-com:office:office" xmlns:v="urn:schemas-microsoft-com:vml" xmlns:pvml="urn:schemas-microsoft-com:office:powerpoint" xmlns:com="http://schemas.openxmlformats.org/drawingml/2006/compatibility" xmlns:p14="http://schemas.microsoft.com/office/powerpoint/2010/main" xmlns:p15="http://schemas.microsoft.com/office/powerpoint/2012/main" xmlns:ahyp="http://schemas.microsoft.com/office/drawing/2018/hyperlinkcolor" val="tx"/>
                     </a:ext>
                   </a:extLst>
                 </a:hlinkClick>
@@ -40086,7 +40086,7 @@
             </a:r>
             <a:r>
               <a:rPr lang="en-US" sz="1800" dirty="0" smtClean="0"/>
-              <a:t>(sample.csv</a:t>
+              <a:t>(‘sample.csv</a:t>
             </a:r>
             <a:r>
               <a:rPr lang="en-US" sz="1800" dirty="0"/>

--- a/module2/ppt/Python Scripting.pptx
+++ b/module2/ppt/Python Scripting.pptx
@@ -90,16 +90,16 @@
   <p:notesSz cx="6858000" cy="9144000"/>
   <p:embeddedFontLst>
     <p:embeddedFont>
-      <p:font typeface="Sarala" panose="020B0604020202020204" charset="0"/>
+      <p:font typeface="Montserrat" panose="00000500000000000000" pitchFamily="50" charset="0"/>
       <p:regular r:id="rId80"/>
       <p:bold r:id="rId81"/>
+      <p:italic r:id="rId82"/>
+      <p:boldItalic r:id="rId83"/>
     </p:embeddedFont>
     <p:embeddedFont>
-      <p:font typeface="Montserrat" panose="00000500000000000000" pitchFamily="50" charset="0"/>
-      <p:regular r:id="rId82"/>
-      <p:bold r:id="rId83"/>
-      <p:italic r:id="rId84"/>
-      <p:boldItalic r:id="rId85"/>
+      <p:font typeface="Sarala" panose="020B0604020202020204" charset="0"/>
+      <p:regular r:id="rId84"/>
+      <p:bold r:id="rId85"/>
     </p:embeddedFont>
     <p:embeddedFont>
       <p:font typeface="Microsoft YaHei" panose="020B0503020204020204" pitchFamily="34" charset="-122"/>
@@ -51319,7 +51319,7 @@
         <p:spPr>
           <a:xfrm>
             <a:off x="694944" y="1304300"/>
-            <a:ext cx="8138160" cy="872034"/>
+            <a:ext cx="8138160" cy="923330"/>
           </a:xfrm>
           <a:prstGeom prst="rect">
             <a:avLst/>
@@ -51341,20 +51341,20 @@
               <a:t>Design an application to store student information and design various method of </a:t>
             </a:r>
             <a:r>
-              <a:rPr lang="en-US" sz="1800" dirty="0" err="1" smtClean="0"/>
-              <a:t>atleast</a:t>
-            </a:r>
-            <a:r>
               <a:rPr lang="en-US" sz="1800" dirty="0" smtClean="0"/>
-              <a:t> 5 </a:t>
-            </a:r>
-            <a:r>
-              <a:rPr lang="en-US" sz="1800" dirty="0" err="1" smtClean="0"/>
-              <a:t>fumctions</a:t>
+              <a:t>at least </a:t>
             </a:r>
             <a:r>
               <a:rPr lang="en-US" sz="1800" dirty="0" smtClean="0"/>
-              <a:t> to operate on the date.</a:t>
+              <a:t>5 </a:t>
+            </a:r>
+            <a:r>
+              <a:rPr lang="en-US" sz="1800" dirty="0" smtClean="0"/>
+              <a:t>functions </a:t>
+            </a:r>
+            <a:r>
+              <a:rPr lang="en-US" sz="1800" dirty="0" smtClean="0"/>
+              <a:t>to operate on the date.</a:t>
             </a:r>
             <a:endParaRPr lang="en-US" sz="1800" dirty="0"/>
           </a:p>
